--- a/malwareSlides.pptx
+++ b/malwareSlides.pptx
@@ -11,17 +11,17 @@
     <p:sldId id="256" r:id="rId2"/>
     <p:sldId id="257" r:id="rId3"/>
     <p:sldId id="258" r:id="rId4"/>
-    <p:sldId id="259" r:id="rId5"/>
-    <p:sldId id="260" r:id="rId6"/>
-    <p:sldId id="261" r:id="rId7"/>
-    <p:sldId id="267" r:id="rId8"/>
-    <p:sldId id="262" r:id="rId9"/>
-    <p:sldId id="263" r:id="rId10"/>
-    <p:sldId id="266" r:id="rId11"/>
-    <p:sldId id="264" r:id="rId12"/>
-    <p:sldId id="265" r:id="rId13"/>
-    <p:sldId id="268" r:id="rId14"/>
-    <p:sldId id="269" r:id="rId15"/>
+    <p:sldId id="269" r:id="rId5"/>
+    <p:sldId id="259" r:id="rId6"/>
+    <p:sldId id="260" r:id="rId7"/>
+    <p:sldId id="261" r:id="rId8"/>
+    <p:sldId id="267" r:id="rId9"/>
+    <p:sldId id="262" r:id="rId10"/>
+    <p:sldId id="263" r:id="rId11"/>
+    <p:sldId id="266" r:id="rId12"/>
+    <p:sldId id="264" r:id="rId13"/>
+    <p:sldId id="265" r:id="rId14"/>
+    <p:sldId id="268" r:id="rId15"/>
     <p:sldId id="270" r:id="rId16"/>
     <p:sldId id="271" r:id="rId17"/>
   </p:sldIdLst>
@@ -122,6 +122,22 @@
       </a:defRPr>
     </a:lvl9pPr>
   </p:defaultTextStyle>
+  <p:extLst>
+    <p:ext uri="{EFAFB233-063F-42B5-8137-9DF3F51BA10A}">
+      <p15:sldGuideLst xmlns:p15="http://schemas.microsoft.com/office/powerpoint/2012/main">
+        <p15:guide id="1" orient="horz" pos="2160">
+          <p15:clr>
+            <a:srgbClr val="A4A3A4"/>
+          </p15:clr>
+        </p15:guide>
+        <p15:guide id="2" pos="2880">
+          <p15:clr>
+            <a:srgbClr val="A4A3A4"/>
+          </p15:clr>
+        </p15:guide>
+      </p15:sldGuideLst>
+    </p:ext>
+  </p:extLst>
 </p:presentation>
 </file>
 
@@ -206,7 +222,7 @@
           </a:lstStyle>
           <a:p>
             <a:fld id="{39CE09AA-AD7C-FB46-BD3E-8A7CAFD3B56A}" type="datetimeFigureOut">
-              <a:t>4/19/15</a:t>
+              <a:t>4/19/2015</a:t>
             </a:fld>
             <a:endParaRPr lang="en-US"/>
           </a:p>
@@ -682,7 +698,7 @@
           <a:lstStyle/>
           <a:p>
             <a:fld id="{105E4F03-3A6B-1C4F-BA6D-3251BD796185}" type="slidenum">
-              <a:t>4</a:t>
+              <a:t>5</a:t>
             </a:fld>
             <a:endParaRPr lang="en-US"/>
           </a:p>
@@ -765,7 +781,7 @@
           <a:lstStyle/>
           <a:p>
             <a:fld id="{105E4F03-3A6B-1C4F-BA6D-3251BD796185}" type="slidenum">
-              <a:t>6</a:t>
+              <a:t>7</a:t>
             </a:fld>
             <a:endParaRPr lang="en-US"/>
           </a:p>
@@ -972,7 +988,7 @@
           <a:p>
             <a:fld id="{6BFECD78-3C8E-49F2-8FAB-59489D168ABB}" type="datetimeFigureOut">
               <a:rPr lang="en-US" smtClean="0"/>
-              <a:t>4/19/15</a:t>
+              <a:t>4/19/2015</a:t>
             </a:fld>
             <a:endParaRPr lang="en-US"/>
           </a:p>
@@ -1172,7 +1188,7 @@
           <a:p>
             <a:fld id="{6BFECD78-3C8E-49F2-8FAB-59489D168ABB}" type="datetimeFigureOut">
               <a:rPr lang="en-US" smtClean="0"/>
-              <a:t>4/19/15</a:t>
+              <a:t>4/19/2015</a:t>
             </a:fld>
             <a:endParaRPr lang="en-US"/>
           </a:p>
@@ -1347,7 +1363,7 @@
           <a:p>
             <a:fld id="{6BFECD78-3C8E-49F2-8FAB-59489D168ABB}" type="datetimeFigureOut">
               <a:rPr lang="en-US" smtClean="0"/>
-              <a:t>4/19/15</a:t>
+              <a:t>4/19/2015</a:t>
             </a:fld>
             <a:endParaRPr lang="en-US"/>
           </a:p>
@@ -1512,7 +1528,7 @@
           <a:p>
             <a:fld id="{6BFECD78-3C8E-49F2-8FAB-59489D168ABB}" type="datetimeFigureOut">
               <a:rPr lang="en-US" smtClean="0"/>
-              <a:t>4/19/15</a:t>
+              <a:t>4/19/2015</a:t>
             </a:fld>
             <a:endParaRPr lang="en-US"/>
           </a:p>
@@ -1760,7 +1776,7 @@
           <a:p>
             <a:fld id="{6BFECD78-3C8E-49F2-8FAB-59489D168ABB}" type="datetimeFigureOut">
               <a:rPr lang="en-US" smtClean="0"/>
-              <a:t>4/19/15</a:t>
+              <a:t>4/19/2015</a:t>
             </a:fld>
             <a:endParaRPr lang="en-US"/>
           </a:p>
@@ -2078,7 +2094,7 @@
           <a:p>
             <a:fld id="{6BFECD78-3C8E-49F2-8FAB-59489D168ABB}" type="datetimeFigureOut">
               <a:rPr lang="en-US" smtClean="0"/>
-              <a:t>4/19/15</a:t>
+              <a:t>4/19/2015</a:t>
             </a:fld>
             <a:endParaRPr lang="en-US"/>
           </a:p>
@@ -2544,7 +2560,7 @@
           <a:p>
             <a:fld id="{6BFECD78-3C8E-49F2-8FAB-59489D168ABB}" type="datetimeFigureOut">
               <a:rPr lang="en-US" smtClean="0"/>
-              <a:t>4/19/15</a:t>
+              <a:t>4/19/2015</a:t>
             </a:fld>
             <a:endParaRPr lang="en-US"/>
           </a:p>
@@ -2692,7 +2708,7 @@
           <a:p>
             <a:fld id="{6BFECD78-3C8E-49F2-8FAB-59489D168ABB}" type="datetimeFigureOut">
               <a:rPr lang="en-US" smtClean="0"/>
-              <a:t>4/19/15</a:t>
+              <a:t>4/19/2015</a:t>
             </a:fld>
             <a:endParaRPr lang="en-US"/>
           </a:p>
@@ -2782,7 +2798,7 @@
           <a:p>
             <a:fld id="{6BFECD78-3C8E-49F2-8FAB-59489D168ABB}" type="datetimeFigureOut">
               <a:rPr lang="en-US" smtClean="0"/>
-              <a:t>4/19/15</a:t>
+              <a:t>4/19/2015</a:t>
             </a:fld>
             <a:endParaRPr lang="en-US"/>
           </a:p>
@@ -3056,7 +3072,7 @@
           <a:p>
             <a:fld id="{6BFECD78-3C8E-49F2-8FAB-59489D168ABB}" type="datetimeFigureOut">
               <a:rPr lang="en-US" smtClean="0"/>
-              <a:t>4/19/15</a:t>
+              <a:t>4/19/2015</a:t>
             </a:fld>
             <a:endParaRPr lang="en-US"/>
           </a:p>
@@ -3361,7 +3377,7 @@
           <a:p>
             <a:fld id="{6BFECD78-3C8E-49F2-8FAB-59489D168ABB}" type="datetimeFigureOut">
               <a:rPr lang="en-US" smtClean="0"/>
-              <a:t>4/19/15</a:t>
+              <a:t>4/19/2015</a:t>
             </a:fld>
             <a:endParaRPr lang="en-US"/>
           </a:p>
@@ -3659,7 +3675,7 @@
           <a:p>
             <a:fld id="{6BFECD78-3C8E-49F2-8FAB-59489D168ABB}" type="datetimeFigureOut">
               <a:rPr lang="en-US" smtClean="0"/>
-              <a:t>4/19/15</a:t>
+              <a:t>4/19/2015</a:t>
             </a:fld>
             <a:endParaRPr lang="en-US"/>
           </a:p>
@@ -4186,37 +4202,37 @@
           <a:bodyPr/>
           <a:lstStyle/>
           <a:p>
-            <a:r>
-              <a:rPr lang="en-US" dirty="0" smtClean="0"/>
-              <a:t>Information Gain</a:t>
-            </a:r>
-            <a:endParaRPr lang="en-US" dirty="0"/>
-          </a:p>
-        </p:txBody>
-      </p:sp>
-      <p:sp>
-        <p:nvSpPr>
-          <p:cNvPr id="3" name="Content Placeholder 2"/>
-          <p:cNvSpPr>
-            <a:spLocks noGrp="1"/>
-          </p:cNvSpPr>
+            <a:pPr algn="ctr"/>
+            <a:r>
+              <a:rPr lang="en-US"/>
+              <a:t>System Design (N-Grams)</a:t>
+            </a:r>
+          </a:p>
+        </p:txBody>
+      </p:sp>
+      <p:pic>
+        <p:nvPicPr>
+          <p:cNvPr id="4" name="Content Placeholder 3"/>
+          <p:cNvPicPr>
+            <a:picLocks noGrp="1" noChangeAspect="1"/>
+          </p:cNvPicPr>
           <p:nvPr>
             <p:ph idx="1"/>
           </p:nvPr>
-        </p:nvSpPr>
+        </p:nvPicPr>
+        <p:blipFill>
+          <a:blip r:embed="rId2"/>
+          <a:srcRect l="-45254" r="-45254"/>
+          <a:stretch>
+            <a:fillRect/>
+          </a:stretch>
+        </p:blipFill>
         <p:spPr/>
-        <p:txBody>
-          <a:bodyPr/>
-          <a:lstStyle/>
-          <a:p>
-            <a:endParaRPr lang="en-US"/>
-          </a:p>
-        </p:txBody>
-      </p:sp>
+      </p:pic>
     </p:spTree>
     <p:extLst>
       <p:ext uri="{BB962C8B-B14F-4D97-AF65-F5344CB8AC3E}">
-        <p14:creationId xmlns:p14="http://schemas.microsoft.com/office/powerpoint/2010/main" val="2803573167"/>
+        <p14:creationId xmlns:p14="http://schemas.microsoft.com/office/powerpoint/2010/main" val="2771607110"/>
       </p:ext>
     </p:extLst>
   </p:cSld>
@@ -4258,37 +4274,37 @@
           <a:bodyPr/>
           <a:lstStyle/>
           <a:p>
-            <a:pPr algn="ctr"/>
-            <a:r>
-              <a:rPr lang="en-US"/>
-              <a:t>System Design (N-Grams)</a:t>
-            </a:r>
-          </a:p>
-        </p:txBody>
-      </p:sp>
-      <p:pic>
-        <p:nvPicPr>
-          <p:cNvPr id="4" name="Content Placeholder 3"/>
-          <p:cNvPicPr>
-            <a:picLocks noGrp="1" noChangeAspect="1"/>
-          </p:cNvPicPr>
+            <a:r>
+              <a:rPr lang="en-US" dirty="0" smtClean="0"/>
+              <a:t>Information Gain</a:t>
+            </a:r>
+            <a:endParaRPr lang="en-US" dirty="0"/>
+          </a:p>
+        </p:txBody>
+      </p:sp>
+      <p:sp>
+        <p:nvSpPr>
+          <p:cNvPr id="3" name="Content Placeholder 2"/>
+          <p:cNvSpPr>
+            <a:spLocks noGrp="1"/>
+          </p:cNvSpPr>
           <p:nvPr>
             <p:ph idx="1"/>
           </p:nvPr>
-        </p:nvPicPr>
-        <p:blipFill>
-          <a:blip r:embed="rId2"/>
-          <a:srcRect l="-9375" r="-9375"/>
-          <a:stretch>
-            <a:fillRect/>
-          </a:stretch>
-        </p:blipFill>
+        </p:nvSpPr>
         <p:spPr/>
-      </p:pic>
+        <p:txBody>
+          <a:bodyPr/>
+          <a:lstStyle/>
+          <a:p>
+            <a:endParaRPr lang="en-US"/>
+          </a:p>
+        </p:txBody>
+      </p:sp>
     </p:spTree>
     <p:extLst>
       <p:ext uri="{BB962C8B-B14F-4D97-AF65-F5344CB8AC3E}">
-        <p14:creationId xmlns:p14="http://schemas.microsoft.com/office/powerpoint/2010/main" val="2718169076"/>
+        <p14:creationId xmlns:p14="http://schemas.microsoft.com/office/powerpoint/2010/main" val="2803573167"/>
       </p:ext>
     </p:extLst>
   </p:cSld>
@@ -4333,8 +4349,81 @@
             <a:pPr algn="ctr"/>
             <a:r>
               <a:rPr lang="en-US"/>
-              <a:t>Experiment Evalutation</a:t>
-            </a:r>
+              <a:t>System Design (N-Grams)</a:t>
+            </a:r>
+          </a:p>
+        </p:txBody>
+      </p:sp>
+      <p:pic>
+        <p:nvPicPr>
+          <p:cNvPr id="4" name="Content Placeholder 3"/>
+          <p:cNvPicPr>
+            <a:picLocks noGrp="1" noChangeAspect="1"/>
+          </p:cNvPicPr>
+          <p:nvPr>
+            <p:ph idx="1"/>
+          </p:nvPr>
+        </p:nvPicPr>
+        <p:blipFill>
+          <a:blip r:embed="rId2"/>
+          <a:srcRect l="-9375" r="-9375"/>
+          <a:stretch>
+            <a:fillRect/>
+          </a:stretch>
+        </p:blipFill>
+        <p:spPr/>
+      </p:pic>
+    </p:spTree>
+    <p:extLst>
+      <p:ext uri="{BB962C8B-B14F-4D97-AF65-F5344CB8AC3E}">
+        <p14:creationId xmlns:p14="http://schemas.microsoft.com/office/powerpoint/2010/main" val="2718169076"/>
+      </p:ext>
+    </p:extLst>
+  </p:cSld>
+  <p:clrMapOvr>
+    <a:masterClrMapping/>
+  </p:clrMapOvr>
+</p:sld>
+</file>
+
+<file path=ppt/slides/slide13.xml><?xml version="1.0" encoding="utf-8"?>
+<p:sld xmlns:a="http://schemas.openxmlformats.org/drawingml/2006/main" xmlns:r="http://schemas.openxmlformats.org/officeDocument/2006/relationships" xmlns:p="http://schemas.openxmlformats.org/presentationml/2006/main">
+  <p:cSld>
+    <p:spTree>
+      <p:nvGrpSpPr>
+        <p:cNvPr id="1" name=""/>
+        <p:cNvGrpSpPr/>
+        <p:nvPr/>
+      </p:nvGrpSpPr>
+      <p:grpSpPr>
+        <a:xfrm>
+          <a:off x="0" y="0"/>
+          <a:ext cx="0" cy="0"/>
+          <a:chOff x="0" y="0"/>
+          <a:chExt cx="0" cy="0"/>
+        </a:xfrm>
+      </p:grpSpPr>
+      <p:sp>
+        <p:nvSpPr>
+          <p:cNvPr id="2" name="Title 1"/>
+          <p:cNvSpPr>
+            <a:spLocks noGrp="1"/>
+          </p:cNvSpPr>
+          <p:nvPr>
+            <p:ph type="title"/>
+          </p:nvPr>
+        </p:nvSpPr>
+        <p:spPr/>
+        <p:txBody>
+          <a:bodyPr/>
+          <a:lstStyle/>
+          <a:p>
+            <a:pPr algn="ctr"/>
+            <a:r>
+              <a:rPr lang="en-US" dirty="0" smtClean="0"/>
+              <a:t>Preliminary Experiment Evaluation</a:t>
+            </a:r>
+            <a:endParaRPr lang="en-US" dirty="0"/>
           </a:p>
         </p:txBody>
       </p:sp>
@@ -4355,7 +4444,7 @@
         </p:nvGraphicFramePr>
         <p:xfrm>
           <a:off x="251188" y="1909132"/>
-          <a:ext cx="8675351" cy="3332480"/>
+          <a:ext cx="8675351" cy="3876040"/>
         </p:xfrm>
         <a:graphic>
           <a:graphicData uri="http://schemas.openxmlformats.org/drawingml/2006/table">
@@ -6910,78 +6999,6 @@
 </p:sld>
 </file>
 
-<file path=ppt/slides/slide13.xml><?xml version="1.0" encoding="utf-8"?>
-<p:sld xmlns:a="http://schemas.openxmlformats.org/drawingml/2006/main" xmlns:r="http://schemas.openxmlformats.org/officeDocument/2006/relationships" xmlns:p="http://schemas.openxmlformats.org/presentationml/2006/main">
-  <p:cSld>
-    <p:spTree>
-      <p:nvGrpSpPr>
-        <p:cNvPr id="1" name=""/>
-        <p:cNvGrpSpPr/>
-        <p:nvPr/>
-      </p:nvGrpSpPr>
-      <p:grpSpPr>
-        <a:xfrm>
-          <a:off x="0" y="0"/>
-          <a:ext cx="0" cy="0"/>
-          <a:chOff x="0" y="0"/>
-          <a:chExt cx="0" cy="0"/>
-        </a:xfrm>
-      </p:grpSpPr>
-      <p:sp>
-        <p:nvSpPr>
-          <p:cNvPr id="2" name="Title 1"/>
-          <p:cNvSpPr>
-            <a:spLocks noGrp="1"/>
-          </p:cNvSpPr>
-          <p:nvPr>
-            <p:ph type="title"/>
-          </p:nvPr>
-        </p:nvSpPr>
-        <p:spPr/>
-        <p:txBody>
-          <a:bodyPr/>
-          <a:lstStyle/>
-          <a:p>
-            <a:r>
-              <a:rPr lang="en-US" dirty="0" smtClean="0"/>
-              <a:t>Histogram (Label/Classifier)</a:t>
-            </a:r>
-            <a:endParaRPr lang="en-US" dirty="0"/>
-          </a:p>
-        </p:txBody>
-      </p:sp>
-      <p:sp>
-        <p:nvSpPr>
-          <p:cNvPr id="3" name="Content Placeholder 2"/>
-          <p:cNvSpPr>
-            <a:spLocks noGrp="1"/>
-          </p:cNvSpPr>
-          <p:nvPr>
-            <p:ph idx="1"/>
-          </p:nvPr>
-        </p:nvSpPr>
-        <p:spPr/>
-        <p:txBody>
-          <a:bodyPr/>
-          <a:lstStyle/>
-          <a:p>
-            <a:endParaRPr lang="en-US"/>
-          </a:p>
-        </p:txBody>
-      </p:sp>
-    </p:spTree>
-    <p:extLst>
-      <p:ext uri="{BB962C8B-B14F-4D97-AF65-F5344CB8AC3E}">
-        <p14:creationId xmlns:p14="http://schemas.microsoft.com/office/powerpoint/2010/main" val="1736205199"/>
-      </p:ext>
-    </p:extLst>
-  </p:cSld>
-  <p:clrMapOvr>
-    <a:masterClrMapping/>
-  </p:clrMapOvr>
-</p:sld>
-</file>
-
 <file path=ppt/slides/slide14.xml><?xml version="1.0" encoding="utf-8"?>
 <p:sld xmlns:a="http://schemas.openxmlformats.org/drawingml/2006/main" xmlns:r="http://schemas.openxmlformats.org/officeDocument/2006/relationships" xmlns:p="http://schemas.openxmlformats.org/presentationml/2006/main">
   <p:cSld>
@@ -7016,7 +7033,7 @@
           <a:p>
             <a:r>
               <a:rPr lang="en-US" dirty="0" smtClean="0"/>
-              <a:t>Related Work</a:t>
+              <a:t>Histogram (Label/Classifier)</a:t>
             </a:r>
             <a:endParaRPr lang="en-US" dirty="0"/>
           </a:p>
@@ -7044,7 +7061,7 @@
     </p:spTree>
     <p:extLst>
       <p:ext uri="{BB962C8B-B14F-4D97-AF65-F5344CB8AC3E}">
-        <p14:creationId xmlns:p14="http://schemas.microsoft.com/office/powerpoint/2010/main" val="812583977"/>
+        <p14:creationId xmlns:p14="http://schemas.microsoft.com/office/powerpoint/2010/main" val="1736205199"/>
       </p:ext>
     </p:extLst>
   </p:cSld>
@@ -7511,9 +7528,10 @@
           <a:lstStyle/>
           <a:p>
             <a:r>
-              <a:rPr lang="en-US"/>
-              <a:t>Problem Definition</a:t>
-            </a:r>
+              <a:rPr lang="en-US" dirty="0" smtClean="0"/>
+              <a:t>Related Work</a:t>
+            </a:r>
+            <a:endParaRPr lang="en-US" dirty="0"/>
           </a:p>
         </p:txBody>
       </p:sp>
@@ -7532,444 +7550,14 @@
           <a:bodyPr/>
           <a:lstStyle/>
           <a:p>
-            <a:r>
-              <a:rPr lang="en-US"/>
-              <a:t>Input</a:t>
-            </a:r>
-          </a:p>
-          <a:p>
-            <a:pPr lvl="1"/>
-            <a:r>
-              <a:rPr lang="en-US"/>
-              <a:t>10,868 malicious files (.asm and .bytes)</a:t>
-            </a:r>
-          </a:p>
-          <a:p>
-            <a:pPr lvl="1"/>
-            <a:r>
-              <a:rPr lang="en-US"/>
-              <a:t> 9 origin families</a:t>
-            </a:r>
-          </a:p>
-          <a:p>
-            <a:pPr marL="274320" lvl="1" indent="0">
-              <a:buNone/>
-            </a:pPr>
             <a:endParaRPr lang="en-US"/>
-          </a:p>
-          <a:p>
-            <a:pPr marL="274320" lvl="1" indent="0">
-              <a:buNone/>
-            </a:pPr>
-            <a:endParaRPr lang="en-US"/>
-          </a:p>
-          <a:p>
-            <a:pPr marL="274320" lvl="1" indent="0">
-              <a:buNone/>
-            </a:pPr>
-            <a:endParaRPr lang="en-US"/>
-          </a:p>
-          <a:p>
-            <a:pPr marL="274320" lvl="1" indent="0">
-              <a:buNone/>
-            </a:pPr>
-            <a:endParaRPr lang="en-US"/>
-          </a:p>
-          <a:p>
-            <a:pPr lvl="1"/>
-            <a:r>
-              <a:rPr lang="en-US"/>
-              <a:t>~400 GB total size</a:t>
-            </a:r>
-          </a:p>
-          <a:p>
-            <a:pPr lvl="2"/>
-            <a:r>
-              <a:rPr lang="en-US"/>
-              <a:t>Each file between 3 MB and 50 MB</a:t>
-            </a:r>
-          </a:p>
-          <a:p>
-            <a:pPr marL="274320" lvl="1" indent="0">
-              <a:buNone/>
-            </a:pPr>
-            <a:endParaRPr lang="en-US"/>
-          </a:p>
-        </p:txBody>
-      </p:sp>
-      <p:sp>
-        <p:nvSpPr>
-          <p:cNvPr id="5" name="Rounded Rectangle 4"/>
-          <p:cNvSpPr/>
-          <p:nvPr/>
-        </p:nvSpPr>
-        <p:spPr>
-          <a:xfrm>
-            <a:off x="6502616" y="3475789"/>
-            <a:ext cx="1716289" cy="435810"/>
-          </a:xfrm>
-          <a:prstGeom prst="roundRect">
-            <a:avLst/>
-          </a:prstGeom>
-        </p:spPr>
-        <p:style>
-          <a:lnRef idx="1">
-            <a:schemeClr val="accent1"/>
-          </a:lnRef>
-          <a:fillRef idx="3">
-            <a:schemeClr val="accent1"/>
-          </a:fillRef>
-          <a:effectRef idx="2">
-            <a:schemeClr val="accent1"/>
-          </a:effectRef>
-          <a:fontRef idx="minor">
-            <a:schemeClr val="lt1"/>
-          </a:fontRef>
-        </p:style>
-        <p:txBody>
-          <a:bodyPr rtlCol="0" anchor="ctr"/>
-          <a:lstStyle/>
-          <a:p>
-            <a:pPr algn="ctr"/>
-            <a:r>
-              <a:rPr lang="en-US"/>
-              <a:t>Kelihos_ver3</a:t>
-            </a:r>
-          </a:p>
-        </p:txBody>
-      </p:sp>
-      <p:sp>
-        <p:nvSpPr>
-          <p:cNvPr id="6" name="Rounded Rectangle 5"/>
-          <p:cNvSpPr/>
-          <p:nvPr/>
-        </p:nvSpPr>
-        <p:spPr>
-          <a:xfrm>
-            <a:off x="5007714" y="3491831"/>
-            <a:ext cx="1291294" cy="435811"/>
-          </a:xfrm>
-          <a:prstGeom prst="roundRect">
-            <a:avLst/>
-          </a:prstGeom>
-        </p:spPr>
-        <p:style>
-          <a:lnRef idx="1">
-            <a:schemeClr val="accent1"/>
-          </a:lnRef>
-          <a:fillRef idx="3">
-            <a:schemeClr val="accent1"/>
-          </a:fillRef>
-          <a:effectRef idx="2">
-            <a:schemeClr val="accent1"/>
-          </a:effectRef>
-          <a:fontRef idx="minor">
-            <a:schemeClr val="lt1"/>
-          </a:fontRef>
-        </p:style>
-        <p:txBody>
-          <a:bodyPr rtlCol="0" anchor="ctr"/>
-          <a:lstStyle/>
-          <a:p>
-            <a:pPr algn="ctr"/>
-            <a:r>
-              <a:rPr lang="en-US"/>
-              <a:t>Lollipop</a:t>
-            </a:r>
-          </a:p>
-        </p:txBody>
-      </p:sp>
-      <p:sp>
-        <p:nvSpPr>
-          <p:cNvPr id="7" name="Rounded Rectangle 6"/>
-          <p:cNvSpPr/>
-          <p:nvPr/>
-        </p:nvSpPr>
-        <p:spPr>
-          <a:xfrm>
-            <a:off x="922421" y="2930357"/>
-            <a:ext cx="1291294" cy="435811"/>
-          </a:xfrm>
-          <a:prstGeom prst="roundRect">
-            <a:avLst/>
-          </a:prstGeom>
-        </p:spPr>
-        <p:style>
-          <a:lnRef idx="1">
-            <a:schemeClr val="accent1"/>
-          </a:lnRef>
-          <a:fillRef idx="3">
-            <a:schemeClr val="accent1"/>
-          </a:fillRef>
-          <a:effectRef idx="2">
-            <a:schemeClr val="accent1"/>
-          </a:effectRef>
-          <a:fontRef idx="minor">
-            <a:schemeClr val="lt1"/>
-          </a:fontRef>
-        </p:style>
-        <p:txBody>
-          <a:bodyPr rtlCol="0" anchor="ctr"/>
-          <a:lstStyle/>
-          <a:p>
-            <a:pPr algn="ctr"/>
-            <a:r>
-              <a:rPr lang="en-US"/>
-              <a:t>Ramnit</a:t>
-            </a:r>
-          </a:p>
-        </p:txBody>
-      </p:sp>
-      <p:sp>
-        <p:nvSpPr>
-          <p:cNvPr id="8" name="Rounded Rectangle 7"/>
-          <p:cNvSpPr/>
-          <p:nvPr/>
-        </p:nvSpPr>
-        <p:spPr>
-          <a:xfrm>
-            <a:off x="6927611" y="2930358"/>
-            <a:ext cx="1291294" cy="435811"/>
-          </a:xfrm>
-          <a:prstGeom prst="roundRect">
-            <a:avLst/>
-          </a:prstGeom>
-        </p:spPr>
-        <p:style>
-          <a:lnRef idx="1">
-            <a:schemeClr val="accent1"/>
-          </a:lnRef>
-          <a:fillRef idx="3">
-            <a:schemeClr val="accent1"/>
-          </a:fillRef>
-          <a:effectRef idx="2">
-            <a:schemeClr val="accent1"/>
-          </a:effectRef>
-          <a:fontRef idx="minor">
-            <a:schemeClr val="lt1"/>
-          </a:fontRef>
-        </p:style>
-        <p:txBody>
-          <a:bodyPr rtlCol="0" anchor="ctr"/>
-          <a:lstStyle/>
-          <a:p>
-            <a:pPr algn="ctr"/>
-            <a:r>
-              <a:rPr lang="en-US"/>
-              <a:t>Simda</a:t>
-            </a:r>
-          </a:p>
-        </p:txBody>
-      </p:sp>
-      <p:sp>
-        <p:nvSpPr>
-          <p:cNvPr id="9" name="Rounded Rectangle 8"/>
-          <p:cNvSpPr/>
-          <p:nvPr/>
-        </p:nvSpPr>
-        <p:spPr>
-          <a:xfrm>
-            <a:off x="5411535" y="2930358"/>
-            <a:ext cx="1291294" cy="435811"/>
-          </a:xfrm>
-          <a:prstGeom prst="roundRect">
-            <a:avLst/>
-          </a:prstGeom>
-        </p:spPr>
-        <p:style>
-          <a:lnRef idx="1">
-            <a:schemeClr val="accent1"/>
-          </a:lnRef>
-          <a:fillRef idx="3">
-            <a:schemeClr val="accent1"/>
-          </a:fillRef>
-          <a:effectRef idx="2">
-            <a:schemeClr val="accent1"/>
-          </a:effectRef>
-          <a:fontRef idx="minor">
-            <a:schemeClr val="lt1"/>
-          </a:fontRef>
-        </p:style>
-        <p:txBody>
-          <a:bodyPr rtlCol="0" anchor="ctr"/>
-          <a:lstStyle/>
-          <a:p>
-            <a:pPr algn="ctr"/>
-            <a:r>
-              <a:rPr lang="en-US"/>
-              <a:t>Vundo</a:t>
-            </a:r>
-          </a:p>
-        </p:txBody>
-      </p:sp>
-      <p:sp>
-        <p:nvSpPr>
-          <p:cNvPr id="10" name="Rounded Rectangle 9"/>
-          <p:cNvSpPr/>
-          <p:nvPr/>
-        </p:nvSpPr>
-        <p:spPr>
-          <a:xfrm>
-            <a:off x="3879611" y="2941053"/>
-            <a:ext cx="1291294" cy="435811"/>
-          </a:xfrm>
-          <a:prstGeom prst="roundRect">
-            <a:avLst/>
-          </a:prstGeom>
-        </p:spPr>
-        <p:style>
-          <a:lnRef idx="1">
-            <a:schemeClr val="accent1"/>
-          </a:lnRef>
-          <a:fillRef idx="3">
-            <a:schemeClr val="accent1"/>
-          </a:fillRef>
-          <a:effectRef idx="2">
-            <a:schemeClr val="accent1"/>
-          </a:effectRef>
-          <a:fontRef idx="minor">
-            <a:schemeClr val="lt1"/>
-          </a:fontRef>
-        </p:style>
-        <p:txBody>
-          <a:bodyPr rtlCol="0" anchor="ctr"/>
-          <a:lstStyle/>
-          <a:p>
-            <a:pPr algn="ctr"/>
-            <a:r>
-              <a:rPr lang="en-US"/>
-              <a:t>Tracur</a:t>
-            </a:r>
-          </a:p>
-        </p:txBody>
-      </p:sp>
-      <p:sp>
-        <p:nvSpPr>
-          <p:cNvPr id="11" name="Rounded Rectangle 10"/>
-          <p:cNvSpPr/>
-          <p:nvPr/>
-        </p:nvSpPr>
-        <p:spPr>
-          <a:xfrm>
-            <a:off x="922421" y="3475789"/>
-            <a:ext cx="1708605" cy="435811"/>
-          </a:xfrm>
-          <a:prstGeom prst="roundRect">
-            <a:avLst/>
-          </a:prstGeom>
-        </p:spPr>
-        <p:style>
-          <a:lnRef idx="1">
-            <a:schemeClr val="accent1"/>
-          </a:lnRef>
-          <a:fillRef idx="3">
-            <a:schemeClr val="accent1"/>
-          </a:fillRef>
-          <a:effectRef idx="2">
-            <a:schemeClr val="accent1"/>
-          </a:effectRef>
-          <a:fontRef idx="minor">
-            <a:schemeClr val="lt1"/>
-          </a:fontRef>
-        </p:style>
-        <p:txBody>
-          <a:bodyPr rtlCol="0" anchor="ctr"/>
-          <a:lstStyle/>
-          <a:p>
-            <a:pPr algn="ctr"/>
-            <a:r>
-              <a:rPr lang="en-US"/>
-              <a:t>Kelihos_ver1</a:t>
-            </a:r>
-          </a:p>
-        </p:txBody>
-      </p:sp>
-      <p:sp>
-        <p:nvSpPr>
-          <p:cNvPr id="12" name="Rounded Rectangle 11"/>
-          <p:cNvSpPr/>
-          <p:nvPr/>
-        </p:nvSpPr>
-        <p:spPr>
-          <a:xfrm>
-            <a:off x="2783401" y="3491831"/>
-            <a:ext cx="2045368" cy="435811"/>
-          </a:xfrm>
-          <a:prstGeom prst="roundRect">
-            <a:avLst/>
-          </a:prstGeom>
-        </p:spPr>
-        <p:style>
-          <a:lnRef idx="1">
-            <a:schemeClr val="accent1"/>
-          </a:lnRef>
-          <a:fillRef idx="3">
-            <a:schemeClr val="accent1"/>
-          </a:fillRef>
-          <a:effectRef idx="2">
-            <a:schemeClr val="accent1"/>
-          </a:effectRef>
-          <a:fontRef idx="minor">
-            <a:schemeClr val="lt1"/>
-          </a:fontRef>
-        </p:style>
-        <p:txBody>
-          <a:bodyPr rtlCol="0" anchor="ctr"/>
-          <a:lstStyle/>
-          <a:p>
-            <a:pPr algn="ctr"/>
-            <a:r>
-              <a:rPr lang="en-US"/>
-              <a:t>Obfuscator.ACY</a:t>
-            </a:r>
-          </a:p>
-        </p:txBody>
-      </p:sp>
-      <p:sp>
-        <p:nvSpPr>
-          <p:cNvPr id="13" name="Rounded Rectangle 12"/>
-          <p:cNvSpPr/>
-          <p:nvPr/>
-        </p:nvSpPr>
-        <p:spPr>
-          <a:xfrm>
-            <a:off x="2382252" y="2930358"/>
-            <a:ext cx="1291294" cy="435811"/>
-          </a:xfrm>
-          <a:prstGeom prst="roundRect">
-            <a:avLst/>
-          </a:prstGeom>
-        </p:spPr>
-        <p:style>
-          <a:lnRef idx="1">
-            <a:schemeClr val="accent1"/>
-          </a:lnRef>
-          <a:fillRef idx="3">
-            <a:schemeClr val="accent1"/>
-          </a:fillRef>
-          <a:effectRef idx="2">
-            <a:schemeClr val="accent1"/>
-          </a:effectRef>
-          <a:fontRef idx="minor">
-            <a:schemeClr val="lt1"/>
-          </a:fontRef>
-        </p:style>
-        <p:txBody>
-          <a:bodyPr rtlCol="0" anchor="ctr"/>
-          <a:lstStyle/>
-          <a:p>
-            <a:pPr algn="ctr"/>
-            <a:r>
-              <a:rPr lang="en-US"/>
-              <a:t>Gatak</a:t>
-            </a:r>
           </a:p>
         </p:txBody>
       </p:sp>
     </p:spTree>
     <p:extLst>
       <p:ext uri="{BB962C8B-B14F-4D97-AF65-F5344CB8AC3E}">
-        <p14:creationId xmlns:p14="http://schemas.microsoft.com/office/powerpoint/2010/main" val="2908390025"/>
+        <p14:creationId xmlns:p14="http://schemas.microsoft.com/office/powerpoint/2010/main" val="812583977"/>
       </p:ext>
     </p:extLst>
   </p:cSld>
@@ -8008,6 +7596,507 @@
         </p:nvSpPr>
         <p:spPr/>
         <p:txBody>
+          <a:bodyPr/>
+          <a:lstStyle/>
+          <a:p>
+            <a:r>
+              <a:rPr lang="en-US"/>
+              <a:t>Problem Definition</a:t>
+            </a:r>
+          </a:p>
+        </p:txBody>
+      </p:sp>
+      <p:sp>
+        <p:nvSpPr>
+          <p:cNvPr id="3" name="Content Placeholder 2"/>
+          <p:cNvSpPr>
+            <a:spLocks noGrp="1"/>
+          </p:cNvSpPr>
+          <p:nvPr>
+            <p:ph idx="1"/>
+          </p:nvPr>
+        </p:nvSpPr>
+        <p:spPr/>
+        <p:txBody>
+          <a:bodyPr/>
+          <a:lstStyle/>
+          <a:p>
+            <a:r>
+              <a:rPr lang="en-US"/>
+              <a:t>Input</a:t>
+            </a:r>
+          </a:p>
+          <a:p>
+            <a:pPr lvl="1"/>
+            <a:r>
+              <a:rPr lang="en-US"/>
+              <a:t>10,868 malicious files (.asm and .bytes)</a:t>
+            </a:r>
+          </a:p>
+          <a:p>
+            <a:pPr lvl="1"/>
+            <a:r>
+              <a:rPr lang="en-US"/>
+              <a:t> 9 origin families</a:t>
+            </a:r>
+          </a:p>
+          <a:p>
+            <a:pPr marL="274320" lvl="1" indent="0">
+              <a:buNone/>
+            </a:pPr>
+            <a:endParaRPr lang="en-US"/>
+          </a:p>
+          <a:p>
+            <a:pPr marL="274320" lvl="1" indent="0">
+              <a:buNone/>
+            </a:pPr>
+            <a:endParaRPr lang="en-US"/>
+          </a:p>
+          <a:p>
+            <a:pPr marL="274320" lvl="1" indent="0">
+              <a:buNone/>
+            </a:pPr>
+            <a:endParaRPr lang="en-US"/>
+          </a:p>
+          <a:p>
+            <a:pPr marL="274320" lvl="1" indent="0">
+              <a:buNone/>
+            </a:pPr>
+            <a:endParaRPr lang="en-US"/>
+          </a:p>
+          <a:p>
+            <a:pPr lvl="1"/>
+            <a:r>
+              <a:rPr lang="en-US"/>
+              <a:t>~400 GB total size</a:t>
+            </a:r>
+          </a:p>
+          <a:p>
+            <a:pPr lvl="2"/>
+            <a:r>
+              <a:rPr lang="en-US"/>
+              <a:t>Each file between 3 MB and 50 MB</a:t>
+            </a:r>
+          </a:p>
+          <a:p>
+            <a:pPr marL="274320" lvl="1" indent="0">
+              <a:buNone/>
+            </a:pPr>
+            <a:endParaRPr lang="en-US"/>
+          </a:p>
+        </p:txBody>
+      </p:sp>
+      <p:sp>
+        <p:nvSpPr>
+          <p:cNvPr id="5" name="Rounded Rectangle 4"/>
+          <p:cNvSpPr/>
+          <p:nvPr/>
+        </p:nvSpPr>
+        <p:spPr>
+          <a:xfrm>
+            <a:off x="6502616" y="3475789"/>
+            <a:ext cx="1716289" cy="435810"/>
+          </a:xfrm>
+          <a:prstGeom prst="roundRect">
+            <a:avLst/>
+          </a:prstGeom>
+        </p:spPr>
+        <p:style>
+          <a:lnRef idx="1">
+            <a:schemeClr val="accent1"/>
+          </a:lnRef>
+          <a:fillRef idx="3">
+            <a:schemeClr val="accent1"/>
+          </a:fillRef>
+          <a:effectRef idx="2">
+            <a:schemeClr val="accent1"/>
+          </a:effectRef>
+          <a:fontRef idx="minor">
+            <a:schemeClr val="lt1"/>
+          </a:fontRef>
+        </p:style>
+        <p:txBody>
+          <a:bodyPr rtlCol="0" anchor="ctr"/>
+          <a:lstStyle/>
+          <a:p>
+            <a:pPr algn="ctr"/>
+            <a:r>
+              <a:rPr lang="en-US"/>
+              <a:t>Kelihos_ver3</a:t>
+            </a:r>
+          </a:p>
+        </p:txBody>
+      </p:sp>
+      <p:sp>
+        <p:nvSpPr>
+          <p:cNvPr id="6" name="Rounded Rectangle 5"/>
+          <p:cNvSpPr/>
+          <p:nvPr/>
+        </p:nvSpPr>
+        <p:spPr>
+          <a:xfrm>
+            <a:off x="5007714" y="3491831"/>
+            <a:ext cx="1291294" cy="435811"/>
+          </a:xfrm>
+          <a:prstGeom prst="roundRect">
+            <a:avLst/>
+          </a:prstGeom>
+        </p:spPr>
+        <p:style>
+          <a:lnRef idx="1">
+            <a:schemeClr val="accent1"/>
+          </a:lnRef>
+          <a:fillRef idx="3">
+            <a:schemeClr val="accent1"/>
+          </a:fillRef>
+          <a:effectRef idx="2">
+            <a:schemeClr val="accent1"/>
+          </a:effectRef>
+          <a:fontRef idx="minor">
+            <a:schemeClr val="lt1"/>
+          </a:fontRef>
+        </p:style>
+        <p:txBody>
+          <a:bodyPr rtlCol="0" anchor="ctr"/>
+          <a:lstStyle/>
+          <a:p>
+            <a:pPr algn="ctr"/>
+            <a:r>
+              <a:rPr lang="en-US"/>
+              <a:t>Lollipop</a:t>
+            </a:r>
+          </a:p>
+        </p:txBody>
+      </p:sp>
+      <p:sp>
+        <p:nvSpPr>
+          <p:cNvPr id="7" name="Rounded Rectangle 6"/>
+          <p:cNvSpPr/>
+          <p:nvPr/>
+        </p:nvSpPr>
+        <p:spPr>
+          <a:xfrm>
+            <a:off x="922421" y="2930357"/>
+            <a:ext cx="1291294" cy="435811"/>
+          </a:xfrm>
+          <a:prstGeom prst="roundRect">
+            <a:avLst/>
+          </a:prstGeom>
+        </p:spPr>
+        <p:style>
+          <a:lnRef idx="1">
+            <a:schemeClr val="accent1"/>
+          </a:lnRef>
+          <a:fillRef idx="3">
+            <a:schemeClr val="accent1"/>
+          </a:fillRef>
+          <a:effectRef idx="2">
+            <a:schemeClr val="accent1"/>
+          </a:effectRef>
+          <a:fontRef idx="minor">
+            <a:schemeClr val="lt1"/>
+          </a:fontRef>
+        </p:style>
+        <p:txBody>
+          <a:bodyPr rtlCol="0" anchor="ctr"/>
+          <a:lstStyle/>
+          <a:p>
+            <a:pPr algn="ctr"/>
+            <a:r>
+              <a:rPr lang="en-US"/>
+              <a:t>Ramnit</a:t>
+            </a:r>
+          </a:p>
+        </p:txBody>
+      </p:sp>
+      <p:sp>
+        <p:nvSpPr>
+          <p:cNvPr id="8" name="Rounded Rectangle 7"/>
+          <p:cNvSpPr/>
+          <p:nvPr/>
+        </p:nvSpPr>
+        <p:spPr>
+          <a:xfrm>
+            <a:off x="6927611" y="2930358"/>
+            <a:ext cx="1291294" cy="435811"/>
+          </a:xfrm>
+          <a:prstGeom prst="roundRect">
+            <a:avLst/>
+          </a:prstGeom>
+        </p:spPr>
+        <p:style>
+          <a:lnRef idx="1">
+            <a:schemeClr val="accent1"/>
+          </a:lnRef>
+          <a:fillRef idx="3">
+            <a:schemeClr val="accent1"/>
+          </a:fillRef>
+          <a:effectRef idx="2">
+            <a:schemeClr val="accent1"/>
+          </a:effectRef>
+          <a:fontRef idx="minor">
+            <a:schemeClr val="lt1"/>
+          </a:fontRef>
+        </p:style>
+        <p:txBody>
+          <a:bodyPr rtlCol="0" anchor="ctr"/>
+          <a:lstStyle/>
+          <a:p>
+            <a:pPr algn="ctr"/>
+            <a:r>
+              <a:rPr lang="en-US"/>
+              <a:t>Simda</a:t>
+            </a:r>
+          </a:p>
+        </p:txBody>
+      </p:sp>
+      <p:sp>
+        <p:nvSpPr>
+          <p:cNvPr id="9" name="Rounded Rectangle 8"/>
+          <p:cNvSpPr/>
+          <p:nvPr/>
+        </p:nvSpPr>
+        <p:spPr>
+          <a:xfrm>
+            <a:off x="5411535" y="2930358"/>
+            <a:ext cx="1291294" cy="435811"/>
+          </a:xfrm>
+          <a:prstGeom prst="roundRect">
+            <a:avLst/>
+          </a:prstGeom>
+        </p:spPr>
+        <p:style>
+          <a:lnRef idx="1">
+            <a:schemeClr val="accent1"/>
+          </a:lnRef>
+          <a:fillRef idx="3">
+            <a:schemeClr val="accent1"/>
+          </a:fillRef>
+          <a:effectRef idx="2">
+            <a:schemeClr val="accent1"/>
+          </a:effectRef>
+          <a:fontRef idx="minor">
+            <a:schemeClr val="lt1"/>
+          </a:fontRef>
+        </p:style>
+        <p:txBody>
+          <a:bodyPr rtlCol="0" anchor="ctr"/>
+          <a:lstStyle/>
+          <a:p>
+            <a:pPr algn="ctr"/>
+            <a:r>
+              <a:rPr lang="en-US"/>
+              <a:t>Vundo</a:t>
+            </a:r>
+          </a:p>
+        </p:txBody>
+      </p:sp>
+      <p:sp>
+        <p:nvSpPr>
+          <p:cNvPr id="10" name="Rounded Rectangle 9"/>
+          <p:cNvSpPr/>
+          <p:nvPr/>
+        </p:nvSpPr>
+        <p:spPr>
+          <a:xfrm>
+            <a:off x="3879611" y="2941053"/>
+            <a:ext cx="1291294" cy="435811"/>
+          </a:xfrm>
+          <a:prstGeom prst="roundRect">
+            <a:avLst/>
+          </a:prstGeom>
+        </p:spPr>
+        <p:style>
+          <a:lnRef idx="1">
+            <a:schemeClr val="accent1"/>
+          </a:lnRef>
+          <a:fillRef idx="3">
+            <a:schemeClr val="accent1"/>
+          </a:fillRef>
+          <a:effectRef idx="2">
+            <a:schemeClr val="accent1"/>
+          </a:effectRef>
+          <a:fontRef idx="minor">
+            <a:schemeClr val="lt1"/>
+          </a:fontRef>
+        </p:style>
+        <p:txBody>
+          <a:bodyPr rtlCol="0" anchor="ctr"/>
+          <a:lstStyle/>
+          <a:p>
+            <a:pPr algn="ctr"/>
+            <a:r>
+              <a:rPr lang="en-US"/>
+              <a:t>Tracur</a:t>
+            </a:r>
+          </a:p>
+        </p:txBody>
+      </p:sp>
+      <p:sp>
+        <p:nvSpPr>
+          <p:cNvPr id="11" name="Rounded Rectangle 10"/>
+          <p:cNvSpPr/>
+          <p:nvPr/>
+        </p:nvSpPr>
+        <p:spPr>
+          <a:xfrm>
+            <a:off x="922421" y="3475789"/>
+            <a:ext cx="1708605" cy="435811"/>
+          </a:xfrm>
+          <a:prstGeom prst="roundRect">
+            <a:avLst/>
+          </a:prstGeom>
+        </p:spPr>
+        <p:style>
+          <a:lnRef idx="1">
+            <a:schemeClr val="accent1"/>
+          </a:lnRef>
+          <a:fillRef idx="3">
+            <a:schemeClr val="accent1"/>
+          </a:fillRef>
+          <a:effectRef idx="2">
+            <a:schemeClr val="accent1"/>
+          </a:effectRef>
+          <a:fontRef idx="minor">
+            <a:schemeClr val="lt1"/>
+          </a:fontRef>
+        </p:style>
+        <p:txBody>
+          <a:bodyPr rtlCol="0" anchor="ctr"/>
+          <a:lstStyle/>
+          <a:p>
+            <a:pPr algn="ctr"/>
+            <a:r>
+              <a:rPr lang="en-US"/>
+              <a:t>Kelihos_ver1</a:t>
+            </a:r>
+          </a:p>
+        </p:txBody>
+      </p:sp>
+      <p:sp>
+        <p:nvSpPr>
+          <p:cNvPr id="12" name="Rounded Rectangle 11"/>
+          <p:cNvSpPr/>
+          <p:nvPr/>
+        </p:nvSpPr>
+        <p:spPr>
+          <a:xfrm>
+            <a:off x="2783401" y="3491831"/>
+            <a:ext cx="2045368" cy="435811"/>
+          </a:xfrm>
+          <a:prstGeom prst="roundRect">
+            <a:avLst/>
+          </a:prstGeom>
+        </p:spPr>
+        <p:style>
+          <a:lnRef idx="1">
+            <a:schemeClr val="accent1"/>
+          </a:lnRef>
+          <a:fillRef idx="3">
+            <a:schemeClr val="accent1"/>
+          </a:fillRef>
+          <a:effectRef idx="2">
+            <a:schemeClr val="accent1"/>
+          </a:effectRef>
+          <a:fontRef idx="minor">
+            <a:schemeClr val="lt1"/>
+          </a:fontRef>
+        </p:style>
+        <p:txBody>
+          <a:bodyPr rtlCol="0" anchor="ctr"/>
+          <a:lstStyle/>
+          <a:p>
+            <a:pPr algn="ctr"/>
+            <a:r>
+              <a:rPr lang="en-US"/>
+              <a:t>Obfuscator.ACY</a:t>
+            </a:r>
+          </a:p>
+        </p:txBody>
+      </p:sp>
+      <p:sp>
+        <p:nvSpPr>
+          <p:cNvPr id="13" name="Rounded Rectangle 12"/>
+          <p:cNvSpPr/>
+          <p:nvPr/>
+        </p:nvSpPr>
+        <p:spPr>
+          <a:xfrm>
+            <a:off x="2382252" y="2930358"/>
+            <a:ext cx="1291294" cy="435811"/>
+          </a:xfrm>
+          <a:prstGeom prst="roundRect">
+            <a:avLst/>
+          </a:prstGeom>
+        </p:spPr>
+        <p:style>
+          <a:lnRef idx="1">
+            <a:schemeClr val="accent1"/>
+          </a:lnRef>
+          <a:fillRef idx="3">
+            <a:schemeClr val="accent1"/>
+          </a:fillRef>
+          <a:effectRef idx="2">
+            <a:schemeClr val="accent1"/>
+          </a:effectRef>
+          <a:fontRef idx="minor">
+            <a:schemeClr val="lt1"/>
+          </a:fontRef>
+        </p:style>
+        <p:txBody>
+          <a:bodyPr rtlCol="0" anchor="ctr"/>
+          <a:lstStyle/>
+          <a:p>
+            <a:pPr algn="ctr"/>
+            <a:r>
+              <a:rPr lang="en-US"/>
+              <a:t>Gatak</a:t>
+            </a:r>
+          </a:p>
+        </p:txBody>
+      </p:sp>
+    </p:spTree>
+    <p:extLst>
+      <p:ext uri="{BB962C8B-B14F-4D97-AF65-F5344CB8AC3E}">
+        <p14:creationId xmlns:p14="http://schemas.microsoft.com/office/powerpoint/2010/main" val="2908390025"/>
+      </p:ext>
+    </p:extLst>
+  </p:cSld>
+  <p:clrMapOvr>
+    <a:masterClrMapping/>
+  </p:clrMapOvr>
+</p:sld>
+</file>
+
+<file path=ppt/slides/slide6.xml><?xml version="1.0" encoding="utf-8"?>
+<p:sld xmlns:a="http://schemas.openxmlformats.org/drawingml/2006/main" xmlns:r="http://schemas.openxmlformats.org/officeDocument/2006/relationships" xmlns:p="http://schemas.openxmlformats.org/presentationml/2006/main">
+  <p:cSld>
+    <p:spTree>
+      <p:nvGrpSpPr>
+        <p:cNvPr id="1" name=""/>
+        <p:cNvGrpSpPr/>
+        <p:nvPr/>
+      </p:nvGrpSpPr>
+      <p:grpSpPr>
+        <a:xfrm>
+          <a:off x="0" y="0"/>
+          <a:ext cx="0" cy="0"/>
+          <a:chOff x="0" y="0"/>
+          <a:chExt cx="0" cy="0"/>
+        </a:xfrm>
+      </p:grpSpPr>
+      <p:sp>
+        <p:nvSpPr>
+          <p:cNvPr id="2" name="Title 1"/>
+          <p:cNvSpPr>
+            <a:spLocks noGrp="1"/>
+          </p:cNvSpPr>
+          <p:nvPr>
+            <p:ph type="title"/>
+          </p:nvPr>
+        </p:nvSpPr>
+        <p:spPr/>
+        <p:txBody>
           <a:bodyPr>
             <a:normAutofit/>
           </a:bodyPr>
@@ -8116,7 +8205,7 @@
           </p:nvPr>
         </p:nvPicPr>
         <p:blipFill>
-          <a:blip r:embed="rId3">
+          <a:blip r:embed="rId3" cstate="email">
             <a:extLst>
               <a:ext uri="{28A0092B-C50C-407E-A947-70E740481C1C}">
                 <a14:useLocalDpi xmlns:a14="http://schemas.microsoft.com/office/drawing/2010/main" val="0"/>
@@ -8148,7 +8237,7 @@
 </p:sld>
 </file>
 
-<file path=ppt/slides/slide6.xml><?xml version="1.0" encoding="utf-8"?>
+<file path=ppt/slides/slide7.xml><?xml version="1.0" encoding="utf-8"?>
 <p:sld xmlns:a="http://schemas.openxmlformats.org/drawingml/2006/main" xmlns:r="http://schemas.openxmlformats.org/officeDocument/2006/relationships" xmlns:p="http://schemas.openxmlformats.org/presentationml/2006/main">
   <p:cSld>
     <p:spTree>
@@ -8582,78 +8671,6 @@
     <p:extLst>
       <p:ext uri="{BB962C8B-B14F-4D97-AF65-F5344CB8AC3E}">
         <p14:creationId xmlns:p14="http://schemas.microsoft.com/office/powerpoint/2010/main" val="3320620890"/>
-      </p:ext>
-    </p:extLst>
-  </p:cSld>
-  <p:clrMapOvr>
-    <a:masterClrMapping/>
-  </p:clrMapOvr>
-</p:sld>
-</file>
-
-<file path=ppt/slides/slide7.xml><?xml version="1.0" encoding="utf-8"?>
-<p:sld xmlns:a="http://schemas.openxmlformats.org/drawingml/2006/main" xmlns:r="http://schemas.openxmlformats.org/officeDocument/2006/relationships" xmlns:p="http://schemas.openxmlformats.org/presentationml/2006/main">
-  <p:cSld>
-    <p:spTree>
-      <p:nvGrpSpPr>
-        <p:cNvPr id="1" name=""/>
-        <p:cNvGrpSpPr/>
-        <p:nvPr/>
-      </p:nvGrpSpPr>
-      <p:grpSpPr>
-        <a:xfrm>
-          <a:off x="0" y="0"/>
-          <a:ext cx="0" cy="0"/>
-          <a:chOff x="0" y="0"/>
-          <a:chExt cx="0" cy="0"/>
-        </a:xfrm>
-      </p:grpSpPr>
-      <p:sp>
-        <p:nvSpPr>
-          <p:cNvPr id="2" name="Title 1"/>
-          <p:cNvSpPr>
-            <a:spLocks noGrp="1"/>
-          </p:cNvSpPr>
-          <p:nvPr>
-            <p:ph type="title"/>
-          </p:nvPr>
-        </p:nvSpPr>
-        <p:spPr/>
-        <p:txBody>
-          <a:bodyPr/>
-          <a:lstStyle/>
-          <a:p>
-            <a:r>
-              <a:rPr lang="en-US" dirty="0" smtClean="0"/>
-              <a:t>System Architecture</a:t>
-            </a:r>
-            <a:endParaRPr lang="en-US" dirty="0"/>
-          </a:p>
-        </p:txBody>
-      </p:sp>
-      <p:sp>
-        <p:nvSpPr>
-          <p:cNvPr id="3" name="Content Placeholder 2"/>
-          <p:cNvSpPr>
-            <a:spLocks noGrp="1"/>
-          </p:cNvSpPr>
-          <p:nvPr>
-            <p:ph idx="1"/>
-          </p:nvPr>
-        </p:nvSpPr>
-        <p:spPr/>
-        <p:txBody>
-          <a:bodyPr/>
-          <a:lstStyle/>
-          <a:p>
-            <a:endParaRPr lang="en-US" dirty="0"/>
-          </a:p>
-        </p:txBody>
-      </p:sp>
-    </p:spTree>
-    <p:extLst>
-      <p:ext uri="{BB962C8B-B14F-4D97-AF65-F5344CB8AC3E}">
-        <p14:creationId xmlns:p14="http://schemas.microsoft.com/office/powerpoint/2010/main" val="1958692622"/>
       </p:ext>
     </p:extLst>
   </p:cSld>
@@ -8695,40 +8712,37 @@
           <a:bodyPr/>
           <a:lstStyle/>
           <a:p>
-            <a:pPr algn="ctr"/>
-            <a:r>
-              <a:rPr lang="en-US"/>
-              <a:t>System Design (N-Grams)</a:t>
-            </a:r>
-          </a:p>
-        </p:txBody>
-      </p:sp>
-      <p:pic>
-        <p:nvPicPr>
-          <p:cNvPr id="4" name="Content Placeholder 3"/>
-          <p:cNvPicPr>
-            <a:picLocks noGrp="1" noChangeAspect="1"/>
-          </p:cNvPicPr>
+            <a:r>
+              <a:rPr lang="en-US" dirty="0" smtClean="0"/>
+              <a:t>System Architecture</a:t>
+            </a:r>
+            <a:endParaRPr lang="en-US" dirty="0"/>
+          </a:p>
+        </p:txBody>
+      </p:sp>
+      <p:sp>
+        <p:nvSpPr>
+          <p:cNvPr id="3" name="Content Placeholder 2"/>
+          <p:cNvSpPr>
+            <a:spLocks noGrp="1"/>
+          </p:cNvSpPr>
           <p:nvPr>
             <p:ph idx="1"/>
           </p:nvPr>
-        </p:nvPicPr>
-        <p:blipFill rotWithShape="1">
-          <a:blip r:embed="rId2"/>
-          <a:srcRect t="-12403" b="-4768"/>
-          <a:stretch/>
-        </p:blipFill>
-        <p:spPr>
-          <a:xfrm>
-            <a:off x="457200" y="1600200"/>
-            <a:ext cx="8229600" cy="4578436"/>
-          </a:xfrm>
-        </p:spPr>
-      </p:pic>
+        </p:nvSpPr>
+        <p:spPr/>
+        <p:txBody>
+          <a:bodyPr/>
+          <a:lstStyle/>
+          <a:p>
+            <a:endParaRPr lang="en-US" dirty="0"/>
+          </a:p>
+        </p:txBody>
+      </p:sp>
     </p:spTree>
     <p:extLst>
       <p:ext uri="{BB962C8B-B14F-4D97-AF65-F5344CB8AC3E}">
-        <p14:creationId xmlns:p14="http://schemas.microsoft.com/office/powerpoint/2010/main" val="3336908622"/>
+        <p14:creationId xmlns:p14="http://schemas.microsoft.com/office/powerpoint/2010/main" val="1958692622"/>
       </p:ext>
     </p:extLst>
   </p:cSld>
@@ -8788,19 +8802,22 @@
             <p:ph idx="1"/>
           </p:nvPr>
         </p:nvPicPr>
-        <p:blipFill>
+        <p:blipFill rotWithShape="1">
           <a:blip r:embed="rId2"/>
-          <a:srcRect l="-45254" r="-45254"/>
-          <a:stretch>
-            <a:fillRect/>
-          </a:stretch>
+          <a:srcRect t="-12403" b="-4768"/>
+          <a:stretch/>
         </p:blipFill>
-        <p:spPr/>
+        <p:spPr>
+          <a:xfrm>
+            <a:off x="457200" y="1600200"/>
+            <a:ext cx="8229600" cy="4578436"/>
+          </a:xfrm>
+        </p:spPr>
       </p:pic>
     </p:spTree>
     <p:extLst>
       <p:ext uri="{BB962C8B-B14F-4D97-AF65-F5344CB8AC3E}">
-        <p14:creationId xmlns:p14="http://schemas.microsoft.com/office/powerpoint/2010/main" val="2771607110"/>
+        <p14:creationId xmlns:p14="http://schemas.microsoft.com/office/powerpoint/2010/main" val="3336908622"/>
       </p:ext>
     </p:extLst>
   </p:cSld>

--- a/malwareSlides.pptx
+++ b/malwareSlides.pptx
@@ -8720,25 +8720,35 @@
           </a:p>
         </p:txBody>
       </p:sp>
-      <p:sp>
-        <p:nvSpPr>
-          <p:cNvPr id="3" name="Content Placeholder 2"/>
-          <p:cNvSpPr>
-            <a:spLocks noGrp="1"/>
-          </p:cNvSpPr>
+      <p:pic>
+        <p:nvPicPr>
+          <p:cNvPr id="4" name="Content Placeholder 3"/>
+          <p:cNvPicPr>
+            <a:picLocks noGrp="1" noChangeAspect="1"/>
+          </p:cNvPicPr>
           <p:nvPr>
             <p:ph idx="1"/>
           </p:nvPr>
-        </p:nvSpPr>
-        <p:spPr/>
-        <p:txBody>
-          <a:bodyPr/>
-          <a:lstStyle/>
-          <a:p>
-            <a:endParaRPr lang="en-US" dirty="0"/>
-          </a:p>
-        </p:txBody>
-      </p:sp>
+        </p:nvPicPr>
+        <p:blipFill>
+          <a:blip r:embed="rId2">
+            <a:extLst>
+              <a:ext uri="{28A0092B-C50C-407E-A947-70E740481C1C}">
+                <a14:useLocalDpi xmlns:a14="http://schemas.microsoft.com/office/drawing/2010/main" val="0"/>
+              </a:ext>
+            </a:extLst>
+          </a:blip>
+          <a:stretch>
+            <a:fillRect/>
+          </a:stretch>
+        </p:blipFill>
+        <p:spPr>
+          <a:xfrm>
+            <a:off x="1959269" y="2027584"/>
+            <a:ext cx="5225461" cy="3563808"/>
+          </a:xfrm>
+        </p:spPr>
+      </p:pic>
     </p:spTree>
     <p:extLst>
       <p:ext uri="{BB962C8B-B14F-4D97-AF65-F5344CB8AC3E}">

--- a/malwareSlides.pptx
+++ b/malwareSlides.pptx
@@ -4282,22 +4282,680 @@
           </a:p>
         </p:txBody>
       </p:sp>
-      <p:sp>
-        <p:nvSpPr>
-          <p:cNvPr id="3" name="Content Placeholder 2"/>
-          <p:cNvSpPr>
-            <a:spLocks noGrp="1"/>
-          </p:cNvSpPr>
+      <p:pic>
+        <p:nvPicPr>
+          <p:cNvPr id="5" name="Content Placeholder 4"/>
+          <p:cNvPicPr>
+            <a:picLocks noGrp="1" noChangeAspect="1"/>
+          </p:cNvPicPr>
           <p:nvPr>
             <p:ph idx="1"/>
           </p:nvPr>
-        </p:nvSpPr>
-        <p:spPr/>
-        <p:txBody>
-          <a:bodyPr/>
-          <a:lstStyle/>
-          <a:p>
-            <a:endParaRPr lang="en-US"/>
+        </p:nvPicPr>
+        <p:blipFill>
+          <a:blip r:embed="rId2"/>
+          <a:stretch>
+            <a:fillRect/>
+          </a:stretch>
+        </p:blipFill>
+        <p:spPr>
+          <a:xfrm>
+            <a:off x="1244464" y="2339114"/>
+            <a:ext cx="6655072" cy="1255022"/>
+          </a:xfrm>
+          <a:prstGeom prst="rect">
+            <a:avLst/>
+          </a:prstGeom>
+        </p:spPr>
+      </p:pic>
+      <p:sp>
+        <p:nvSpPr>
+          <p:cNvPr id="7" name="Content Placeholder 2"/>
+          <p:cNvSpPr txBox="1">
+            <a:spLocks/>
+          </p:cNvSpPr>
+          <p:nvPr/>
+        </p:nvSpPr>
+        <p:spPr>
+          <a:xfrm>
+            <a:off x="457200" y="3816626"/>
+            <a:ext cx="8229600" cy="2660373"/>
+          </a:xfrm>
+          <a:prstGeom prst="rect">
+            <a:avLst/>
+          </a:prstGeom>
+        </p:spPr>
+        <p:txBody>
+          <a:bodyPr vert="horz" lIns="91440" tIns="45720" rIns="91440" bIns="45720" rtlCol="0">
+            <a:normAutofit/>
+          </a:bodyPr>
+          <a:lstStyle>
+            <a:lvl1pPr marL="182880" indent="-182880" algn="l" defTabSz="914400" rtl="0" eaLnBrk="1" latinLnBrk="0" hangingPunct="1">
+              <a:spcBef>
+                <a:spcPct val="20000"/>
+              </a:spcBef>
+              <a:buClr>
+                <a:schemeClr val="accent1"/>
+              </a:buClr>
+              <a:buSzPct val="85000"/>
+              <a:buFont typeface="Arial" pitchFamily="34" charset="0"/>
+              <a:buChar char="•"/>
+              <a:defRPr sz="2400" kern="1200">
+                <a:solidFill>
+                  <a:schemeClr val="tx1"/>
+                </a:solidFill>
+                <a:latin typeface="+mn-lt"/>
+                <a:ea typeface="+mn-ea"/>
+                <a:cs typeface="+mn-cs"/>
+              </a:defRPr>
+            </a:lvl1pPr>
+            <a:lvl2pPr marL="457200" indent="-182880" algn="l" defTabSz="914400" rtl="0" eaLnBrk="1" latinLnBrk="0" hangingPunct="1">
+              <a:spcBef>
+                <a:spcPct val="20000"/>
+              </a:spcBef>
+              <a:buClr>
+                <a:schemeClr val="accent1"/>
+              </a:buClr>
+              <a:buSzPct val="85000"/>
+              <a:buFont typeface="Arial" pitchFamily="34" charset="0"/>
+              <a:buChar char="•"/>
+              <a:defRPr sz="2000" kern="1200">
+                <a:solidFill>
+                  <a:schemeClr val="tx1"/>
+                </a:solidFill>
+                <a:latin typeface="+mn-lt"/>
+                <a:ea typeface="+mn-ea"/>
+                <a:cs typeface="+mn-cs"/>
+              </a:defRPr>
+            </a:lvl2pPr>
+            <a:lvl3pPr marL="731520" indent="-182880" algn="l" defTabSz="914400" rtl="0" eaLnBrk="1" latinLnBrk="0" hangingPunct="1">
+              <a:spcBef>
+                <a:spcPct val="20000"/>
+              </a:spcBef>
+              <a:buClr>
+                <a:schemeClr val="accent1"/>
+              </a:buClr>
+              <a:buSzPct val="90000"/>
+              <a:buFont typeface="Arial" pitchFamily="34" charset="0"/>
+              <a:buChar char="•"/>
+              <a:defRPr sz="1800" kern="1200">
+                <a:solidFill>
+                  <a:schemeClr val="tx1"/>
+                </a:solidFill>
+                <a:latin typeface="+mn-lt"/>
+                <a:ea typeface="+mn-ea"/>
+                <a:cs typeface="+mn-cs"/>
+              </a:defRPr>
+            </a:lvl3pPr>
+            <a:lvl4pPr marL="1005840" indent="-182880" algn="l" defTabSz="914400" rtl="0" eaLnBrk="1" latinLnBrk="0" hangingPunct="1">
+              <a:spcBef>
+                <a:spcPct val="20000"/>
+              </a:spcBef>
+              <a:buClr>
+                <a:schemeClr val="accent1"/>
+              </a:buClr>
+              <a:buFont typeface="Arial" pitchFamily="34" charset="0"/>
+              <a:buChar char="•"/>
+              <a:defRPr sz="1600" kern="1200">
+                <a:solidFill>
+                  <a:schemeClr val="tx1"/>
+                </a:solidFill>
+                <a:latin typeface="+mn-lt"/>
+                <a:ea typeface="+mn-ea"/>
+                <a:cs typeface="+mn-cs"/>
+              </a:defRPr>
+            </a:lvl4pPr>
+            <a:lvl5pPr marL="1188720" indent="-137160" algn="l" defTabSz="914400" rtl="0" eaLnBrk="1" latinLnBrk="0" hangingPunct="1">
+              <a:spcBef>
+                <a:spcPct val="20000"/>
+              </a:spcBef>
+              <a:buClr>
+                <a:schemeClr val="accent1"/>
+              </a:buClr>
+              <a:buSzPct val="100000"/>
+              <a:buFont typeface="Arial" pitchFamily="34" charset="0"/>
+              <a:buChar char="•"/>
+              <a:defRPr sz="1400" kern="1200" baseline="0">
+                <a:solidFill>
+                  <a:schemeClr val="tx1"/>
+                </a:solidFill>
+                <a:latin typeface="+mn-lt"/>
+                <a:ea typeface="+mn-ea"/>
+                <a:cs typeface="+mn-cs"/>
+              </a:defRPr>
+            </a:lvl5pPr>
+            <a:lvl6pPr marL="1371600" indent="-182880" algn="l" defTabSz="914400" rtl="0" eaLnBrk="1" latinLnBrk="0" hangingPunct="1">
+              <a:spcBef>
+                <a:spcPct val="20000"/>
+              </a:spcBef>
+              <a:buClr>
+                <a:schemeClr val="accent1"/>
+              </a:buClr>
+              <a:buFont typeface="Arial" pitchFamily="34" charset="0"/>
+              <a:buChar char="•"/>
+              <a:defRPr sz="1300" kern="1200">
+                <a:solidFill>
+                  <a:schemeClr val="tx1"/>
+                </a:solidFill>
+                <a:latin typeface="+mn-lt"/>
+                <a:ea typeface="+mn-ea"/>
+                <a:cs typeface="+mn-cs"/>
+              </a:defRPr>
+            </a:lvl6pPr>
+            <a:lvl7pPr marL="1554480" indent="-182880" algn="l" defTabSz="914400" rtl="0" eaLnBrk="1" latinLnBrk="0" hangingPunct="1">
+              <a:spcBef>
+                <a:spcPct val="20000"/>
+              </a:spcBef>
+              <a:buClr>
+                <a:schemeClr val="accent1"/>
+              </a:buClr>
+              <a:buFont typeface="Arial" pitchFamily="34" charset="0"/>
+              <a:buChar char="•"/>
+              <a:defRPr sz="1300" kern="1200">
+                <a:solidFill>
+                  <a:schemeClr val="tx1"/>
+                </a:solidFill>
+                <a:latin typeface="+mn-lt"/>
+                <a:ea typeface="+mn-ea"/>
+                <a:cs typeface="+mn-cs"/>
+              </a:defRPr>
+            </a:lvl7pPr>
+            <a:lvl8pPr marL="1737360" indent="-182880" algn="l" defTabSz="914400" rtl="0" eaLnBrk="1" latinLnBrk="0" hangingPunct="1">
+              <a:spcBef>
+                <a:spcPct val="20000"/>
+              </a:spcBef>
+              <a:buClr>
+                <a:schemeClr val="accent1"/>
+              </a:buClr>
+              <a:buFont typeface="Arial" pitchFamily="34" charset="0"/>
+              <a:buChar char="•"/>
+              <a:defRPr sz="1300" kern="1200">
+                <a:solidFill>
+                  <a:schemeClr val="tx1"/>
+                </a:solidFill>
+                <a:latin typeface="+mn-lt"/>
+                <a:ea typeface="+mn-ea"/>
+                <a:cs typeface="+mn-cs"/>
+              </a:defRPr>
+            </a:lvl8pPr>
+            <a:lvl9pPr marL="1920240" indent="-182880" algn="l" defTabSz="914400" rtl="0" eaLnBrk="1" latinLnBrk="0" hangingPunct="1">
+              <a:spcBef>
+                <a:spcPct val="20000"/>
+              </a:spcBef>
+              <a:buClr>
+                <a:schemeClr val="accent1"/>
+              </a:buClr>
+              <a:buFont typeface="Arial" pitchFamily="34" charset="0"/>
+              <a:buChar char="•"/>
+              <a:defRPr sz="1300" kern="1200">
+                <a:solidFill>
+                  <a:schemeClr val="tx1"/>
+                </a:solidFill>
+                <a:latin typeface="+mn-lt"/>
+                <a:ea typeface="+mn-ea"/>
+                <a:cs typeface="+mn-cs"/>
+              </a:defRPr>
+            </a:lvl9pPr>
+          </a:lstStyle>
+          <a:p>
+            <a:r>
+              <a:rPr lang="en-US" sz="1900" i="1" dirty="0" smtClean="0"/>
+              <a:t>C</a:t>
+            </a:r>
+            <a:r>
+              <a:rPr lang="en-US" sz="1900" i="1" baseline="-25000" dirty="0" smtClean="0"/>
+              <a:t>i</a:t>
+            </a:r>
+            <a:r>
+              <a:rPr lang="en-US" sz="1900" i="1" dirty="0" smtClean="0"/>
+              <a:t> </a:t>
+            </a:r>
+            <a:r>
+              <a:rPr lang="en-US" sz="1900" dirty="0"/>
+              <a:t>is the </a:t>
+            </a:r>
+            <a:r>
+              <a:rPr lang="en-US" sz="1900" i="1" dirty="0" err="1"/>
+              <a:t>i</a:t>
+            </a:r>
+            <a:r>
+              <a:rPr lang="en-US" sz="1900" dirty="0" err="1"/>
+              <a:t>th</a:t>
+            </a:r>
+            <a:r>
+              <a:rPr lang="en-US" sz="1900" dirty="0"/>
+              <a:t> </a:t>
+            </a:r>
+            <a:r>
+              <a:rPr lang="en-US" sz="1900" dirty="0" smtClean="0"/>
+              <a:t>class (</a:t>
+            </a:r>
+            <a:r>
+              <a:rPr lang="en-US" sz="1900" i="1" dirty="0" smtClean="0"/>
+              <a:t>malware family</a:t>
+            </a:r>
+            <a:r>
+              <a:rPr lang="en-US" sz="1900" dirty="0" smtClean="0"/>
+              <a:t>)</a:t>
+            </a:r>
+          </a:p>
+          <a:p>
+            <a:r>
+              <a:rPr lang="en-US" sz="1900" i="1" dirty="0" err="1" smtClean="0"/>
+              <a:t>v</a:t>
+            </a:r>
+            <a:r>
+              <a:rPr lang="en-US" sz="1900" i="1" baseline="-25000" dirty="0" err="1" smtClean="0"/>
+              <a:t>j</a:t>
+            </a:r>
+            <a:r>
+              <a:rPr lang="en-US" sz="1900" i="1" dirty="0" smtClean="0"/>
+              <a:t> </a:t>
+            </a:r>
+            <a:r>
+              <a:rPr lang="en-US" sz="1900" dirty="0"/>
+              <a:t>is the value of the </a:t>
+            </a:r>
+            <a:r>
+              <a:rPr lang="en-US" sz="1900" i="1" dirty="0" err="1"/>
+              <a:t>j</a:t>
+            </a:r>
+            <a:r>
+              <a:rPr lang="en-US" sz="1900" dirty="0" err="1"/>
+              <a:t>th</a:t>
+            </a:r>
+            <a:r>
+              <a:rPr lang="en-US" sz="1900" dirty="0"/>
+              <a:t> </a:t>
+            </a:r>
+            <a:r>
+              <a:rPr lang="en-US" sz="1900" dirty="0" smtClean="0"/>
+              <a:t>attribute (n-gram)</a:t>
+            </a:r>
+          </a:p>
+          <a:p>
+            <a:r>
+              <a:rPr lang="en-US" sz="1900" i="1" dirty="0" smtClean="0"/>
+              <a:t>P</a:t>
+            </a:r>
+            <a:r>
+              <a:rPr lang="en-US" sz="1900" dirty="0" smtClean="0"/>
+              <a:t>(</a:t>
+            </a:r>
+            <a:r>
+              <a:rPr lang="en-US" sz="1900" i="1" dirty="0" err="1" smtClean="0"/>
+              <a:t>v</a:t>
+            </a:r>
+            <a:r>
+              <a:rPr lang="en-US" sz="1900" i="1" baseline="-25000" dirty="0" err="1" smtClean="0"/>
+              <a:t>j</a:t>
+            </a:r>
+            <a:r>
+              <a:rPr lang="en-US" sz="1900" dirty="0" smtClean="0"/>
+              <a:t>, </a:t>
+            </a:r>
+            <a:r>
+              <a:rPr lang="en-US" sz="1900" i="1" dirty="0" smtClean="0"/>
+              <a:t>C</a:t>
+            </a:r>
+            <a:r>
+              <a:rPr lang="en-US" sz="1900" i="1" baseline="-25000" dirty="0" smtClean="0"/>
+              <a:t>i</a:t>
+            </a:r>
+            <a:r>
+              <a:rPr lang="en-US" sz="1900" dirty="0"/>
+              <a:t>) is the proportion that the </a:t>
+            </a:r>
+            <a:r>
+              <a:rPr lang="en-US" sz="1900" i="1" dirty="0" err="1" smtClean="0"/>
+              <a:t>j</a:t>
+            </a:r>
+            <a:r>
+              <a:rPr lang="en-US" sz="1900" dirty="0" err="1" smtClean="0"/>
+              <a:t>th</a:t>
+            </a:r>
+            <a:r>
+              <a:rPr lang="en-US" sz="1900" dirty="0" smtClean="0"/>
+              <a:t> attribute </a:t>
+            </a:r>
+            <a:r>
+              <a:rPr lang="en-US" sz="1900" dirty="0"/>
+              <a:t>has the value </a:t>
+            </a:r>
+            <a:r>
+              <a:rPr lang="en-US" sz="1900" i="1" dirty="0" err="1" smtClean="0"/>
+              <a:t>v</a:t>
+            </a:r>
+            <a:r>
+              <a:rPr lang="en-US" sz="1900" i="1" baseline="-25000" dirty="0" err="1" smtClean="0"/>
+              <a:t>j</a:t>
+            </a:r>
+            <a:r>
+              <a:rPr lang="en-US" sz="1900" i="1" dirty="0" smtClean="0"/>
+              <a:t> </a:t>
+            </a:r>
+            <a:r>
+              <a:rPr lang="en-US" sz="1900" dirty="0"/>
+              <a:t>in the class </a:t>
+            </a:r>
+            <a:r>
+              <a:rPr lang="en-US" sz="1900" i="1" dirty="0" smtClean="0"/>
+              <a:t>C</a:t>
+            </a:r>
+            <a:r>
+              <a:rPr lang="en-US" sz="1900" i="1" baseline="-25000" dirty="0" smtClean="0"/>
+              <a:t>i</a:t>
+            </a:r>
+          </a:p>
+          <a:p>
+            <a:r>
+              <a:rPr lang="en-US" sz="1900" i="1" dirty="0" smtClean="0"/>
+              <a:t>P</a:t>
+            </a:r>
+            <a:r>
+              <a:rPr lang="en-US" sz="1900" dirty="0" smtClean="0"/>
+              <a:t>(</a:t>
+            </a:r>
+            <a:r>
+              <a:rPr lang="en-US" sz="1900" i="1" dirty="0" err="1" smtClean="0"/>
+              <a:t>v</a:t>
+            </a:r>
+            <a:r>
+              <a:rPr lang="en-US" sz="1900" i="1" baseline="-25000" dirty="0" err="1" smtClean="0"/>
+              <a:t>j</a:t>
+            </a:r>
+            <a:r>
+              <a:rPr lang="en-US" sz="1900" dirty="0"/>
+              <a:t>) is the proportion that the </a:t>
+            </a:r>
+            <a:r>
+              <a:rPr lang="en-US" sz="1900" i="1" dirty="0" err="1"/>
+              <a:t>j</a:t>
+            </a:r>
+            <a:r>
+              <a:rPr lang="en-US" sz="1900" dirty="0" err="1"/>
+              <a:t>th</a:t>
+            </a:r>
+            <a:r>
+              <a:rPr lang="en-US" sz="1900" dirty="0"/>
+              <a:t> </a:t>
+            </a:r>
+            <a:r>
+              <a:rPr lang="en-US" sz="1900" i="1" dirty="0"/>
+              <a:t>n</a:t>
+            </a:r>
+            <a:r>
+              <a:rPr lang="en-US" sz="1900" dirty="0"/>
+              <a:t>-gram takes the </a:t>
+            </a:r>
+            <a:r>
+              <a:rPr lang="en-US" sz="1900" dirty="0" smtClean="0"/>
+              <a:t>value </a:t>
+            </a:r>
+            <a:r>
+              <a:rPr lang="en-US" sz="1900" i="1" dirty="0" err="1" smtClean="0"/>
+              <a:t>v</a:t>
+            </a:r>
+            <a:r>
+              <a:rPr lang="en-US" sz="1900" i="1" baseline="-25000" dirty="0" err="1" smtClean="0"/>
+              <a:t>j</a:t>
+            </a:r>
+            <a:r>
+              <a:rPr lang="en-US" sz="1900" i="1" dirty="0" smtClean="0"/>
+              <a:t> </a:t>
+            </a:r>
+            <a:r>
+              <a:rPr lang="en-US" sz="1900" dirty="0"/>
+              <a:t>in the training </a:t>
+            </a:r>
+            <a:r>
+              <a:rPr lang="en-US" sz="1900" dirty="0" smtClean="0"/>
+              <a:t>data</a:t>
+            </a:r>
+          </a:p>
+          <a:p>
+            <a:r>
+              <a:rPr lang="en-US" sz="1900" i="1" dirty="0" smtClean="0"/>
+              <a:t>P</a:t>
+            </a:r>
+            <a:r>
+              <a:rPr lang="en-US" sz="1900" dirty="0" smtClean="0"/>
+              <a:t>(</a:t>
+            </a:r>
+            <a:r>
+              <a:rPr lang="en-US" sz="1900" i="1" dirty="0" smtClean="0"/>
+              <a:t>C</a:t>
+            </a:r>
+            <a:r>
+              <a:rPr lang="en-US" sz="1900" i="1" baseline="-25000" dirty="0" smtClean="0"/>
+              <a:t>i</a:t>
+            </a:r>
+            <a:r>
+              <a:rPr lang="en-US" sz="1900" dirty="0"/>
+              <a:t>) is the proportion of the training data belonging to the class </a:t>
+            </a:r>
+            <a:r>
+              <a:rPr lang="en-US" sz="1900" i="1" dirty="0" smtClean="0"/>
+              <a:t>C</a:t>
+            </a:r>
+            <a:r>
+              <a:rPr lang="en-US" sz="1900" i="1" baseline="-25000" dirty="0" smtClean="0"/>
+              <a:t>i</a:t>
+            </a:r>
+            <a:endParaRPr lang="en-US" sz="1900" dirty="0"/>
+          </a:p>
+        </p:txBody>
+      </p:sp>
+      <p:sp>
+        <p:nvSpPr>
+          <p:cNvPr id="8" name="Content Placeholder 2"/>
+          <p:cNvSpPr txBox="1">
+            <a:spLocks/>
+          </p:cNvSpPr>
+          <p:nvPr/>
+        </p:nvSpPr>
+        <p:spPr>
+          <a:xfrm>
+            <a:off x="457200" y="1648143"/>
+            <a:ext cx="8229600" cy="690042"/>
+          </a:xfrm>
+          <a:prstGeom prst="rect">
+            <a:avLst/>
+          </a:prstGeom>
+        </p:spPr>
+        <p:txBody>
+          <a:bodyPr vert="horz" lIns="91440" tIns="45720" rIns="91440" bIns="45720" rtlCol="0">
+            <a:normAutofit/>
+          </a:bodyPr>
+          <a:lstStyle>
+            <a:lvl1pPr marL="182880" indent="-182880" algn="l" defTabSz="914400" rtl="0" eaLnBrk="1" latinLnBrk="0" hangingPunct="1">
+              <a:spcBef>
+                <a:spcPct val="20000"/>
+              </a:spcBef>
+              <a:buClr>
+                <a:schemeClr val="accent1"/>
+              </a:buClr>
+              <a:buSzPct val="85000"/>
+              <a:buFont typeface="Arial" pitchFamily="34" charset="0"/>
+              <a:buChar char="•"/>
+              <a:defRPr sz="2400" kern="1200">
+                <a:solidFill>
+                  <a:schemeClr val="tx1"/>
+                </a:solidFill>
+                <a:latin typeface="+mn-lt"/>
+                <a:ea typeface="+mn-ea"/>
+                <a:cs typeface="+mn-cs"/>
+              </a:defRPr>
+            </a:lvl1pPr>
+            <a:lvl2pPr marL="457200" indent="-182880" algn="l" defTabSz="914400" rtl="0" eaLnBrk="1" latinLnBrk="0" hangingPunct="1">
+              <a:spcBef>
+                <a:spcPct val="20000"/>
+              </a:spcBef>
+              <a:buClr>
+                <a:schemeClr val="accent1"/>
+              </a:buClr>
+              <a:buSzPct val="85000"/>
+              <a:buFont typeface="Arial" pitchFamily="34" charset="0"/>
+              <a:buChar char="•"/>
+              <a:defRPr sz="2000" kern="1200">
+                <a:solidFill>
+                  <a:schemeClr val="tx1"/>
+                </a:solidFill>
+                <a:latin typeface="+mn-lt"/>
+                <a:ea typeface="+mn-ea"/>
+                <a:cs typeface="+mn-cs"/>
+              </a:defRPr>
+            </a:lvl2pPr>
+            <a:lvl3pPr marL="731520" indent="-182880" algn="l" defTabSz="914400" rtl="0" eaLnBrk="1" latinLnBrk="0" hangingPunct="1">
+              <a:spcBef>
+                <a:spcPct val="20000"/>
+              </a:spcBef>
+              <a:buClr>
+                <a:schemeClr val="accent1"/>
+              </a:buClr>
+              <a:buSzPct val="90000"/>
+              <a:buFont typeface="Arial" pitchFamily="34" charset="0"/>
+              <a:buChar char="•"/>
+              <a:defRPr sz="1800" kern="1200">
+                <a:solidFill>
+                  <a:schemeClr val="tx1"/>
+                </a:solidFill>
+                <a:latin typeface="+mn-lt"/>
+                <a:ea typeface="+mn-ea"/>
+                <a:cs typeface="+mn-cs"/>
+              </a:defRPr>
+            </a:lvl3pPr>
+            <a:lvl4pPr marL="1005840" indent="-182880" algn="l" defTabSz="914400" rtl="0" eaLnBrk="1" latinLnBrk="0" hangingPunct="1">
+              <a:spcBef>
+                <a:spcPct val="20000"/>
+              </a:spcBef>
+              <a:buClr>
+                <a:schemeClr val="accent1"/>
+              </a:buClr>
+              <a:buFont typeface="Arial" pitchFamily="34" charset="0"/>
+              <a:buChar char="•"/>
+              <a:defRPr sz="1600" kern="1200">
+                <a:solidFill>
+                  <a:schemeClr val="tx1"/>
+                </a:solidFill>
+                <a:latin typeface="+mn-lt"/>
+                <a:ea typeface="+mn-ea"/>
+                <a:cs typeface="+mn-cs"/>
+              </a:defRPr>
+            </a:lvl4pPr>
+            <a:lvl5pPr marL="1188720" indent="-137160" algn="l" defTabSz="914400" rtl="0" eaLnBrk="1" latinLnBrk="0" hangingPunct="1">
+              <a:spcBef>
+                <a:spcPct val="20000"/>
+              </a:spcBef>
+              <a:buClr>
+                <a:schemeClr val="accent1"/>
+              </a:buClr>
+              <a:buSzPct val="100000"/>
+              <a:buFont typeface="Arial" pitchFamily="34" charset="0"/>
+              <a:buChar char="•"/>
+              <a:defRPr sz="1400" kern="1200" baseline="0">
+                <a:solidFill>
+                  <a:schemeClr val="tx1"/>
+                </a:solidFill>
+                <a:latin typeface="+mn-lt"/>
+                <a:ea typeface="+mn-ea"/>
+                <a:cs typeface="+mn-cs"/>
+              </a:defRPr>
+            </a:lvl5pPr>
+            <a:lvl6pPr marL="1371600" indent="-182880" algn="l" defTabSz="914400" rtl="0" eaLnBrk="1" latinLnBrk="0" hangingPunct="1">
+              <a:spcBef>
+                <a:spcPct val="20000"/>
+              </a:spcBef>
+              <a:buClr>
+                <a:schemeClr val="accent1"/>
+              </a:buClr>
+              <a:buFont typeface="Arial" pitchFamily="34" charset="0"/>
+              <a:buChar char="•"/>
+              <a:defRPr sz="1300" kern="1200">
+                <a:solidFill>
+                  <a:schemeClr val="tx1"/>
+                </a:solidFill>
+                <a:latin typeface="+mn-lt"/>
+                <a:ea typeface="+mn-ea"/>
+                <a:cs typeface="+mn-cs"/>
+              </a:defRPr>
+            </a:lvl6pPr>
+            <a:lvl7pPr marL="1554480" indent="-182880" algn="l" defTabSz="914400" rtl="0" eaLnBrk="1" latinLnBrk="0" hangingPunct="1">
+              <a:spcBef>
+                <a:spcPct val="20000"/>
+              </a:spcBef>
+              <a:buClr>
+                <a:schemeClr val="accent1"/>
+              </a:buClr>
+              <a:buFont typeface="Arial" pitchFamily="34" charset="0"/>
+              <a:buChar char="•"/>
+              <a:defRPr sz="1300" kern="1200">
+                <a:solidFill>
+                  <a:schemeClr val="tx1"/>
+                </a:solidFill>
+                <a:latin typeface="+mn-lt"/>
+                <a:ea typeface="+mn-ea"/>
+                <a:cs typeface="+mn-cs"/>
+              </a:defRPr>
+            </a:lvl7pPr>
+            <a:lvl8pPr marL="1737360" indent="-182880" algn="l" defTabSz="914400" rtl="0" eaLnBrk="1" latinLnBrk="0" hangingPunct="1">
+              <a:spcBef>
+                <a:spcPct val="20000"/>
+              </a:spcBef>
+              <a:buClr>
+                <a:schemeClr val="accent1"/>
+              </a:buClr>
+              <a:buFont typeface="Arial" pitchFamily="34" charset="0"/>
+              <a:buChar char="•"/>
+              <a:defRPr sz="1300" kern="1200">
+                <a:solidFill>
+                  <a:schemeClr val="tx1"/>
+                </a:solidFill>
+                <a:latin typeface="+mn-lt"/>
+                <a:ea typeface="+mn-ea"/>
+                <a:cs typeface="+mn-cs"/>
+              </a:defRPr>
+            </a:lvl8pPr>
+            <a:lvl9pPr marL="1920240" indent="-182880" algn="l" defTabSz="914400" rtl="0" eaLnBrk="1" latinLnBrk="0" hangingPunct="1">
+              <a:spcBef>
+                <a:spcPct val="20000"/>
+              </a:spcBef>
+              <a:buClr>
+                <a:schemeClr val="accent1"/>
+              </a:buClr>
+              <a:buFont typeface="Arial" pitchFamily="34" charset="0"/>
+              <a:buChar char="•"/>
+              <a:defRPr sz="1300" kern="1200">
+                <a:solidFill>
+                  <a:schemeClr val="tx1"/>
+                </a:solidFill>
+                <a:latin typeface="+mn-lt"/>
+                <a:ea typeface="+mn-ea"/>
+                <a:cs typeface="+mn-cs"/>
+              </a:defRPr>
+            </a:lvl9pPr>
+          </a:lstStyle>
+          <a:p>
+            <a:pPr marL="0" indent="0">
+              <a:buNone/>
+            </a:pPr>
+            <a:r>
+              <a:rPr lang="en-US" sz="2200" dirty="0" smtClean="0"/>
+              <a:t>Average </a:t>
+            </a:r>
+            <a:r>
+              <a:rPr lang="en-US" sz="2200" dirty="0"/>
+              <a:t>mutual information</a:t>
+            </a:r>
+            <a:r>
+              <a:rPr lang="en-US" sz="2000" dirty="0"/>
+              <a:t> (Yang and Pederson, 1997</a:t>
+            </a:r>
+            <a:r>
+              <a:rPr lang="en-US" sz="2000" dirty="0" smtClean="0"/>
+              <a:t>)</a:t>
+            </a:r>
+            <a:endParaRPr lang="en-US" sz="1900" i="1" dirty="0" smtClean="0"/>
           </a:p>
         </p:txBody>
       </p:sp>
@@ -7412,21 +8070,33 @@
           <a:lstStyle/>
           <a:p>
             <a:r>
-              <a:rPr lang="en-US"/>
-              <a:t>Malicicous software (malware) </a:t>
+              <a:rPr lang="en-US" dirty="0" err="1"/>
+              <a:t>Malicicous</a:t>
+            </a:r>
+            <a:r>
+              <a:rPr lang="en-US" dirty="0"/>
+              <a:t> software (malware) </a:t>
             </a:r>
           </a:p>
           <a:p>
             <a:pPr lvl="1"/>
             <a:r>
-              <a:rPr lang="en-US"/>
-              <a:t>Internet worms, computer viruses, trojan horses, etc. </a:t>
+              <a:rPr lang="en-US" dirty="0"/>
+              <a:t>Internet worms, computer viruses, </a:t>
+            </a:r>
+            <a:r>
+              <a:rPr lang="en-US" dirty="0" err="1"/>
+              <a:t>trojan</a:t>
+            </a:r>
+            <a:r>
+              <a:rPr lang="en-US" dirty="0"/>
+              <a:t> horses, etc. </a:t>
             </a:r>
           </a:p>
           <a:p>
             <a:pPr lvl="1"/>
             <a:r>
-              <a:rPr lang="en-US"/>
+              <a:rPr lang="en-US" dirty="0"/>
               <a:t>Increasingly complex industry</a:t>
             </a:r>
           </a:p>
@@ -7434,18 +8104,18 @@
             <a:pPr marL="274320" lvl="1" indent="0">
               <a:buNone/>
             </a:pPr>
-            <a:endParaRPr lang="en-US"/>
-          </a:p>
-          <a:p>
-            <a:r>
-              <a:rPr lang="en-US"/>
+            <a:endParaRPr lang="en-US" dirty="0"/>
+          </a:p>
+          <a:p>
+            <a:r>
+              <a:rPr lang="en-US" dirty="0"/>
               <a:t>Malware programmers utilize “polymorphism” to obfuscate their code</a:t>
             </a:r>
           </a:p>
           <a:p>
             <a:pPr lvl="1"/>
             <a:r>
-              <a:rPr lang="en-US"/>
+              <a:rPr lang="en-US" dirty="0"/>
               <a:t>Creates numerous distinct variations of the same program</a:t>
             </a:r>
           </a:p>
@@ -7453,18 +8123,18 @@
             <a:pPr marL="274320" lvl="1" indent="0">
               <a:buNone/>
             </a:pPr>
-            <a:endParaRPr lang="en-US"/>
-          </a:p>
-          <a:p>
-            <a:r>
-              <a:rPr lang="en-US"/>
+            <a:endParaRPr lang="en-US" dirty="0"/>
+          </a:p>
+          <a:p>
+            <a:r>
+              <a:rPr lang="en-US" dirty="0"/>
               <a:t>Malware family</a:t>
             </a:r>
           </a:p>
           <a:p>
             <a:pPr lvl="1"/>
             <a:r>
-              <a:rPr lang="en-US"/>
+              <a:rPr lang="en-US" dirty="0"/>
               <a:t>Collection of obfuscated instances from the same origin program</a:t>
             </a:r>
           </a:p>
@@ -7472,11 +8142,11 @@
             <a:pPr marL="274320" lvl="1" indent="0">
               <a:buNone/>
             </a:pPr>
-            <a:endParaRPr lang="en-US"/>
-          </a:p>
-          <a:p>
-            <a:r>
-              <a:rPr lang="en-US"/>
+            <a:endParaRPr lang="en-US" dirty="0"/>
+          </a:p>
+          <a:p>
+            <a:r>
+              <a:rPr lang="en-US" dirty="0"/>
               <a:t>Given an instance of malware, can we classify it into an origin family based on its file content?</a:t>
             </a:r>
           </a:p>
@@ -8744,7 +9414,7 @@
         </p:blipFill>
         <p:spPr>
           <a:xfrm>
-            <a:off x="1959269" y="2027584"/>
+            <a:off x="1959269" y="2146853"/>
             <a:ext cx="5225461" cy="3563808"/>
           </a:xfrm>
         </p:spPr>

--- a/malwareSlides.pptx
+++ b/malwareSlides.pptx
@@ -7843,20 +7843,502 @@
       </p:sp>
       <p:sp>
         <p:nvSpPr>
-          <p:cNvPr id="3" name="Content Placeholder 2"/>
-          <p:cNvSpPr>
-            <a:spLocks noGrp="1"/>
-          </p:cNvSpPr>
-          <p:nvPr>
-            <p:ph idx="1"/>
-          </p:nvPr>
-        </p:nvSpPr>
-        <p:spPr/>
-        <p:txBody>
-          <a:bodyPr/>
+          <p:cNvPr id="5" name="Rectangle 4"/>
+          <p:cNvSpPr/>
+          <p:nvPr/>
+        </p:nvSpPr>
+        <p:spPr>
+          <a:xfrm>
+            <a:off x="457200" y="1524000"/>
+            <a:ext cx="8328991" cy="646331"/>
+          </a:xfrm>
+          <a:prstGeom prst="rect">
+            <a:avLst/>
+          </a:prstGeom>
+        </p:spPr>
+        <p:txBody>
+          <a:bodyPr wrap="square">
+            <a:spAutoFit/>
+          </a:bodyPr>
           <a:lstStyle/>
           <a:p>
-            <a:endParaRPr lang="en-US"/>
+            <a:r>
+              <a:rPr lang="en-US" dirty="0" smtClean="0">
+                <a:latin typeface="NimbusRomNo9L-Regu"/>
+              </a:rPr>
+              <a:t>[1] Mehmet </a:t>
+            </a:r>
+            <a:r>
+              <a:rPr lang="en-US" dirty="0" err="1" smtClean="0">
+                <a:latin typeface="NimbusRomNo9L-Regu"/>
+              </a:rPr>
+              <a:t>Eri</a:t>
+            </a:r>
+            <a:r>
+              <a:rPr lang="en-US" dirty="0" smtClean="0">
+                <a:latin typeface="NimbusRomNo9L-Regu"/>
+              </a:rPr>
+              <a:t> Abdurrahman </a:t>
+            </a:r>
+            <a:r>
+              <a:rPr lang="en-US" dirty="0" err="1" smtClean="0">
+                <a:latin typeface="NimbusRomNo9L-Regu"/>
+              </a:rPr>
+              <a:t>Pekta</a:t>
+            </a:r>
+            <a:r>
+              <a:rPr lang="en-US" dirty="0" smtClean="0">
+                <a:latin typeface="NimbusRomNo9L-Regu"/>
+              </a:rPr>
+              <a:t> and </a:t>
+            </a:r>
+            <a:r>
+              <a:rPr lang="en-US" dirty="0" err="1" smtClean="0">
+                <a:latin typeface="NimbusRomNo9L-Regu"/>
+              </a:rPr>
+              <a:t>Tankut</a:t>
+            </a:r>
+            <a:r>
+              <a:rPr lang="en-US" dirty="0" smtClean="0">
+                <a:latin typeface="NimbusRomNo9L-Regu"/>
+              </a:rPr>
+              <a:t> </a:t>
+            </a:r>
+            <a:r>
+              <a:rPr lang="en-US" dirty="0" err="1" smtClean="0">
+                <a:latin typeface="NimbusRomNo9L-Regu"/>
+              </a:rPr>
+              <a:t>Acarman</a:t>
+            </a:r>
+            <a:r>
+              <a:rPr lang="en-US" dirty="0" smtClean="0">
+                <a:latin typeface="NimbusRomNo9L-Regu"/>
+              </a:rPr>
+              <a:t>. 2011. Proposal of n-gram Based Algorithm for Malware Classification. (2011).</a:t>
+            </a:r>
+            <a:endParaRPr lang="en-US" dirty="0"/>
+          </a:p>
+        </p:txBody>
+      </p:sp>
+      <p:sp>
+        <p:nvSpPr>
+          <p:cNvPr id="6" name="Rectangle 5"/>
+          <p:cNvSpPr/>
+          <p:nvPr/>
+        </p:nvSpPr>
+        <p:spPr>
+          <a:xfrm>
+            <a:off x="457201" y="2238610"/>
+            <a:ext cx="8328990" cy="646331"/>
+          </a:xfrm>
+          <a:prstGeom prst="rect">
+            <a:avLst/>
+          </a:prstGeom>
+        </p:spPr>
+        <p:txBody>
+          <a:bodyPr wrap="square">
+            <a:spAutoFit/>
+          </a:bodyPr>
+          <a:lstStyle/>
+          <a:p>
+            <a:r>
+              <a:rPr lang="en-US" dirty="0" smtClean="0">
+                <a:latin typeface="NimbusRomNo9L-Regu"/>
+              </a:rPr>
+              <a:t>[2] J</a:t>
+            </a:r>
+            <a:r>
+              <a:rPr lang="en-US" dirty="0">
+                <a:latin typeface="NimbusRomNo9L-Regu"/>
+              </a:rPr>
+              <a:t>. Zico </a:t>
+            </a:r>
+            <a:r>
+              <a:rPr lang="en-US" dirty="0" err="1">
+                <a:latin typeface="NimbusRomNo9L-Regu"/>
+              </a:rPr>
+              <a:t>Kolter</a:t>
+            </a:r>
+            <a:r>
+              <a:rPr lang="en-US" dirty="0">
+                <a:latin typeface="NimbusRomNo9L-Regu"/>
+              </a:rPr>
+              <a:t> and Marcus A. Maloof. 2006. Learning to Detect and </a:t>
+            </a:r>
+            <a:r>
+              <a:rPr lang="en-US" dirty="0" smtClean="0">
+                <a:latin typeface="NimbusRomNo9L-Regu"/>
+              </a:rPr>
+              <a:t>Classify Malicious </a:t>
+            </a:r>
+            <a:r>
+              <a:rPr lang="en-US" dirty="0">
+                <a:latin typeface="NimbusRomNo9L-Regu"/>
+              </a:rPr>
+              <a:t>Executables in the Wild. 7, Article 19 (2006), 2721–2744.</a:t>
+            </a:r>
+            <a:endParaRPr lang="en-US" dirty="0"/>
+          </a:p>
+        </p:txBody>
+      </p:sp>
+      <p:sp>
+        <p:nvSpPr>
+          <p:cNvPr id="7" name="Rectangle 6"/>
+          <p:cNvSpPr/>
+          <p:nvPr/>
+        </p:nvSpPr>
+        <p:spPr>
+          <a:xfrm>
+            <a:off x="457201" y="2953220"/>
+            <a:ext cx="8328990" cy="646331"/>
+          </a:xfrm>
+          <a:prstGeom prst="rect">
+            <a:avLst/>
+          </a:prstGeom>
+        </p:spPr>
+        <p:txBody>
+          <a:bodyPr wrap="square">
+            <a:spAutoFit/>
+          </a:bodyPr>
+          <a:lstStyle/>
+          <a:p>
+            <a:r>
+              <a:rPr lang="en-US" dirty="0" smtClean="0">
+                <a:latin typeface="NimbusRomNo9L-Regu"/>
+              </a:rPr>
+              <a:t>[3] </a:t>
+            </a:r>
+            <a:r>
+              <a:rPr lang="en-US" dirty="0" err="1" smtClean="0">
+                <a:latin typeface="NimbusRomNo9L-Regu"/>
+              </a:rPr>
+              <a:t>Sanjit</a:t>
+            </a:r>
+            <a:r>
+              <a:rPr lang="en-US" dirty="0" smtClean="0">
+                <a:latin typeface="NimbusRomNo9L-Regu"/>
+              </a:rPr>
+              <a:t> </a:t>
+            </a:r>
+            <a:r>
+              <a:rPr lang="en-US" dirty="0">
+                <a:latin typeface="NimbusRomNo9L-Regu"/>
+              </a:rPr>
+              <a:t>A. </a:t>
+            </a:r>
+            <a:r>
+              <a:rPr lang="en-US" dirty="0" err="1">
+                <a:latin typeface="NimbusRomNo9L-Regu"/>
+              </a:rPr>
+              <a:t>Seshia</a:t>
+            </a:r>
+            <a:r>
+              <a:rPr lang="en-US" dirty="0">
+                <a:latin typeface="NimbusRomNo9L-Regu"/>
+              </a:rPr>
+              <a:t> Dawn Song Mihai </a:t>
+            </a:r>
+            <a:r>
+              <a:rPr lang="en-US" dirty="0" err="1">
+                <a:latin typeface="NimbusRomNo9L-Regu"/>
+              </a:rPr>
+              <a:t>Christodorescu</a:t>
+            </a:r>
+            <a:r>
+              <a:rPr lang="en-US" dirty="0">
+                <a:latin typeface="NimbusRomNo9L-Regu"/>
+              </a:rPr>
+              <a:t>, </a:t>
+            </a:r>
+            <a:r>
+              <a:rPr lang="en-US" dirty="0" err="1">
+                <a:latin typeface="NimbusRomNo9L-Regu"/>
+              </a:rPr>
+              <a:t>Somesh</a:t>
+            </a:r>
+            <a:r>
+              <a:rPr lang="en-US" dirty="0">
+                <a:latin typeface="NimbusRomNo9L-Regu"/>
+              </a:rPr>
+              <a:t> </a:t>
+            </a:r>
+            <a:r>
+              <a:rPr lang="en-US" dirty="0" err="1">
+                <a:latin typeface="NimbusRomNo9L-Regu"/>
+              </a:rPr>
+              <a:t>Jha</a:t>
+            </a:r>
+            <a:r>
+              <a:rPr lang="en-US" dirty="0">
+                <a:latin typeface="NimbusRomNo9L-Regu"/>
+              </a:rPr>
+              <a:t> and Randal</a:t>
+            </a:r>
+          </a:p>
+          <a:p>
+            <a:r>
+              <a:rPr lang="en-US" dirty="0">
+                <a:latin typeface="NimbusRomNo9L-Regu"/>
+              </a:rPr>
+              <a:t>E. Bryant. 2005. Semantics-Aware Malware Detection. (2005), </a:t>
+            </a:r>
+            <a:r>
+              <a:rPr lang="en-US" dirty="0" smtClean="0">
+                <a:latin typeface="NimbusRomNo9L-Regu"/>
+              </a:rPr>
+              <a:t>32–46</a:t>
+            </a:r>
+            <a:r>
+              <a:rPr lang="en-US" dirty="0">
+                <a:latin typeface="NimbusRomNo9L-Regu"/>
+              </a:rPr>
+              <a:t>.</a:t>
+            </a:r>
+            <a:endParaRPr lang="en-US" dirty="0"/>
+          </a:p>
+        </p:txBody>
+      </p:sp>
+      <p:sp>
+        <p:nvSpPr>
+          <p:cNvPr id="8" name="Rectangle 7"/>
+          <p:cNvSpPr/>
+          <p:nvPr/>
+        </p:nvSpPr>
+        <p:spPr>
+          <a:xfrm>
+            <a:off x="457201" y="3667830"/>
+            <a:ext cx="8229600" cy="646331"/>
+          </a:xfrm>
+          <a:prstGeom prst="rect">
+            <a:avLst/>
+          </a:prstGeom>
+        </p:spPr>
+        <p:txBody>
+          <a:bodyPr wrap="square">
+            <a:spAutoFit/>
+          </a:bodyPr>
+          <a:lstStyle/>
+          <a:p>
+            <a:r>
+              <a:rPr lang="en-US" dirty="0" smtClean="0">
+                <a:latin typeface="NimbusRomNo9L-Regu"/>
+              </a:rPr>
+              <a:t>[4] Y</a:t>
+            </a:r>
+            <a:r>
+              <a:rPr lang="en-US" dirty="0">
+                <a:latin typeface="NimbusRomNo9L-Regu"/>
+              </a:rPr>
+              <a:t>. Li N. </a:t>
+            </a:r>
+            <a:r>
+              <a:rPr lang="en-US" dirty="0" err="1">
+                <a:latin typeface="NimbusRomNo9L-Regu"/>
+              </a:rPr>
+              <a:t>Zhong</a:t>
+            </a:r>
+            <a:r>
+              <a:rPr lang="en-US" dirty="0">
+                <a:latin typeface="NimbusRomNo9L-Regu"/>
+              </a:rPr>
+              <a:t> and S. T. Wu. 2012. Effective Pattern Discovery for </a:t>
+            </a:r>
+            <a:r>
+              <a:rPr lang="en-US" dirty="0" smtClean="0">
+                <a:latin typeface="NimbusRomNo9L-Regu"/>
+              </a:rPr>
+              <a:t>Text Mining</a:t>
+            </a:r>
+            <a:r>
+              <a:rPr lang="en-US" dirty="0">
+                <a:latin typeface="NimbusRomNo9L-Regu"/>
+              </a:rPr>
+              <a:t>. 24, Issue 1 (2012), 30–44.</a:t>
+            </a:r>
+            <a:endParaRPr lang="en-US" dirty="0"/>
+          </a:p>
+        </p:txBody>
+      </p:sp>
+      <p:sp>
+        <p:nvSpPr>
+          <p:cNvPr id="9" name="Rectangle 8"/>
+          <p:cNvSpPr/>
+          <p:nvPr/>
+        </p:nvSpPr>
+        <p:spPr>
+          <a:xfrm>
+            <a:off x="457201" y="4382440"/>
+            <a:ext cx="8229600" cy="646331"/>
+          </a:xfrm>
+          <a:prstGeom prst="rect">
+            <a:avLst/>
+          </a:prstGeom>
+        </p:spPr>
+        <p:txBody>
+          <a:bodyPr wrap="square">
+            <a:spAutoFit/>
+          </a:bodyPr>
+          <a:lstStyle/>
+          <a:p>
+            <a:r>
+              <a:rPr lang="en-US" dirty="0" smtClean="0">
+                <a:latin typeface="NimbusRomNo9L-Regu"/>
+              </a:rPr>
+              <a:t>[5] Ohm </a:t>
+            </a:r>
+            <a:r>
+              <a:rPr lang="en-US" dirty="0" err="1">
+                <a:latin typeface="NimbusRomNo9L-Regu"/>
+              </a:rPr>
+              <a:t>Sornil</a:t>
+            </a:r>
+            <a:r>
+              <a:rPr lang="en-US" dirty="0">
+                <a:latin typeface="NimbusRomNo9L-Regu"/>
+              </a:rPr>
+              <a:t> and </a:t>
+            </a:r>
+            <a:r>
+              <a:rPr lang="en-US" dirty="0" err="1">
+                <a:latin typeface="NimbusRomNo9L-Regu"/>
+              </a:rPr>
+              <a:t>Chatchai</a:t>
+            </a:r>
+            <a:r>
+              <a:rPr lang="en-US" dirty="0">
+                <a:latin typeface="NimbusRomNo9L-Regu"/>
+              </a:rPr>
+              <a:t> </a:t>
+            </a:r>
+            <a:r>
+              <a:rPr lang="en-US" dirty="0" err="1">
+                <a:latin typeface="NimbusRomNo9L-Regu"/>
+              </a:rPr>
+              <a:t>Liangboonprakong</a:t>
+            </a:r>
+            <a:r>
+              <a:rPr lang="en-US" dirty="0">
+                <a:latin typeface="NimbusRomNo9L-Regu"/>
+              </a:rPr>
+              <a:t>. 2013. Malware </a:t>
+            </a:r>
+            <a:r>
+              <a:rPr lang="en-US" dirty="0" smtClean="0">
+                <a:latin typeface="NimbusRomNo9L-Regu"/>
+              </a:rPr>
+              <a:t>Classification Using </a:t>
+            </a:r>
+            <a:r>
+              <a:rPr lang="en-US" dirty="0">
+                <a:latin typeface="NimbusRomNo9L-Regu"/>
+              </a:rPr>
+              <a:t>N-grams Sequential Pattern Features. (2013).</a:t>
+            </a:r>
+            <a:endParaRPr lang="en-US" dirty="0"/>
+          </a:p>
+        </p:txBody>
+      </p:sp>
+      <p:sp>
+        <p:nvSpPr>
+          <p:cNvPr id="10" name="Rectangle 9"/>
+          <p:cNvSpPr/>
+          <p:nvPr/>
+        </p:nvSpPr>
+        <p:spPr>
+          <a:xfrm>
+            <a:off x="457201" y="5097050"/>
+            <a:ext cx="8328990" cy="646331"/>
+          </a:xfrm>
+          <a:prstGeom prst="rect">
+            <a:avLst/>
+          </a:prstGeom>
+        </p:spPr>
+        <p:txBody>
+          <a:bodyPr wrap="square">
+            <a:spAutoFit/>
+          </a:bodyPr>
+          <a:lstStyle/>
+          <a:p>
+            <a:r>
+              <a:rPr lang="en-US" dirty="0" smtClean="0">
+                <a:latin typeface="NimbusRomNo9L-Regu"/>
+              </a:rPr>
+              <a:t>[6] I</a:t>
+            </a:r>
+            <a:r>
+              <a:rPr lang="en-US" dirty="0">
+                <a:latin typeface="NimbusRomNo9L-Regu"/>
+              </a:rPr>
+              <a:t>. H. Witten and E. Frank. 2005. Data mining: Practical machine </a:t>
+            </a:r>
+            <a:r>
+              <a:rPr lang="en-US" dirty="0" smtClean="0">
+                <a:latin typeface="NimbusRomNo9L-Regu"/>
+              </a:rPr>
+              <a:t>learning tools </a:t>
+            </a:r>
+            <a:r>
+              <a:rPr lang="en-US" dirty="0">
+                <a:latin typeface="NimbusRomNo9L-Regu"/>
+              </a:rPr>
+              <a:t>and techniques. (2005). http://</a:t>
+            </a:r>
+            <a:r>
+              <a:rPr lang="en-US" dirty="0" smtClean="0">
+                <a:latin typeface="NimbusRomNo9L-Regu"/>
+              </a:rPr>
+              <a:t>www.cs.waikato.ac.nz/ml/weka/index.html</a:t>
+            </a:r>
+            <a:endParaRPr lang="en-US" dirty="0"/>
+          </a:p>
+        </p:txBody>
+      </p:sp>
+      <p:sp>
+        <p:nvSpPr>
+          <p:cNvPr id="11" name="Rectangle 10"/>
+          <p:cNvSpPr/>
+          <p:nvPr/>
+        </p:nvSpPr>
+        <p:spPr>
+          <a:xfrm>
+            <a:off x="457201" y="5811660"/>
+            <a:ext cx="8328990" cy="646331"/>
+          </a:xfrm>
+          <a:prstGeom prst="rect">
+            <a:avLst/>
+          </a:prstGeom>
+        </p:spPr>
+        <p:txBody>
+          <a:bodyPr wrap="square">
+            <a:spAutoFit/>
+          </a:bodyPr>
+          <a:lstStyle/>
+          <a:p>
+            <a:r>
+              <a:rPr lang="en-US" dirty="0" smtClean="0">
+                <a:latin typeface="NimbusRomNo9L-Regu"/>
+              </a:rPr>
+              <a:t>[7] Y</a:t>
+            </a:r>
+            <a:r>
+              <a:rPr lang="en-US" dirty="0">
+                <a:latin typeface="NimbusRomNo9L-Regu"/>
+              </a:rPr>
+              <a:t>. Yang and J. O. Pederson. 1997. A comparative study on feature </a:t>
+            </a:r>
+            <a:r>
+              <a:rPr lang="en-US" dirty="0" smtClean="0">
+                <a:latin typeface="NimbusRomNo9L-Regu"/>
+              </a:rPr>
+              <a:t>selection in </a:t>
+            </a:r>
+            <a:r>
+              <a:rPr lang="en-US" dirty="0">
+                <a:latin typeface="NimbusRomNo9L-Regu"/>
+              </a:rPr>
+              <a:t>text categorization. (1997), 412–420.</a:t>
+            </a:r>
+            <a:endParaRPr lang="en-US" dirty="0"/>
           </a:p>
         </p:txBody>
       </p:sp>

--- a/malwareSlides.pptx
+++ b/malwareSlides.pptx
@@ -8336,7 +8336,19 @@
               <a:rPr lang="en-US" dirty="0">
                 <a:latin typeface="NimbusRomNo9L-Regu"/>
               </a:rPr>
-              <a:t>text categorization. (1997), 412–420.</a:t>
+              <a:t>text categorization. (1997), </a:t>
+            </a:r>
+            <a:r>
+              <a:rPr lang="en-US">
+                <a:latin typeface="NimbusRomNo9L-Regu"/>
+              </a:rPr>
+              <a:t>412–420</a:t>
+            </a:r>
+            <a:r>
+              <a:rPr lang="en-US" smtClean="0">
+                <a:latin typeface="NimbusRomNo9L-Regu"/>
+              </a:rPr>
+              <a:t>. </a:t>
             </a:r>
             <a:endParaRPr lang="en-US" dirty="0"/>
           </a:p>

--- a/malwareSlides.pptx
+++ b/malwareSlides.pptx
@@ -124,7 +124,7 @@
   </p:defaultTextStyle>
   <p:extLst>
     <p:ext uri="{EFAFB233-063F-42B5-8137-9DF3F51BA10A}">
-      <p15:sldGuideLst xmlns:p15="http://schemas.microsoft.com/office/powerpoint/2012/main">
+      <p15:sldGuideLst xmlns:p15="http://schemas.microsoft.com/office/powerpoint/2012/main" xmlns="">
         <p15:guide id="1" orient="horz" pos="2160">
           <p15:clr>
             <a:srgbClr val="A4A3A4"/>
@@ -139,6 +139,318 @@
     </p:ext>
   </p:extLst>
 </p:presentation>
+</file>
+
+<file path=ppt/charts/chart1.xml><?xml version="1.0" encoding="utf-8"?>
+<c:chartSpace xmlns:c="http://schemas.openxmlformats.org/drawingml/2006/chart" xmlns:a="http://schemas.openxmlformats.org/drawingml/2006/main" xmlns:r="http://schemas.openxmlformats.org/officeDocument/2006/relationships">
+  <c:date1904 val="0"/>
+  <c:lang val="en-US"/>
+  <c:roundedCorners val="0"/>
+  <mc:AlternateContent xmlns:mc="http://schemas.openxmlformats.org/markup-compatibility/2006">
+    <mc:Choice xmlns:c14="http://schemas.microsoft.com/office/drawing/2007/8/2/chart" Requires="c14">
+      <c14:style val="118"/>
+    </mc:Choice>
+    <mc:Fallback>
+      <c:style val="18"/>
+    </mc:Fallback>
+  </mc:AlternateContent>
+  <c:chart>
+    <c:autoTitleDeleted val="0"/>
+    <c:plotArea>
+      <c:layout/>
+      <c:barChart>
+        <c:barDir val="col"/>
+        <c:grouping val="clustered"/>
+        <c:varyColors val="0"/>
+        <c:ser>
+          <c:idx val="0"/>
+          <c:order val="0"/>
+          <c:tx>
+            <c:strRef>
+              <c:f>Sheet1!$B$1</c:f>
+              <c:strCache>
+                <c:ptCount val="1"/>
+                <c:pt idx="0">
+                  <c:v>Naïve Bayes</c:v>
+                </c:pt>
+              </c:strCache>
+            </c:strRef>
+          </c:tx>
+          <c:invertIfNegative val="0"/>
+          <c:cat>
+            <c:numRef>
+              <c:f>Sheet1!$A$2:$A$10</c:f>
+              <c:numCache>
+                <c:formatCode>General</c:formatCode>
+                <c:ptCount val="9"/>
+                <c:pt idx="0">
+                  <c:v>1.0</c:v>
+                </c:pt>
+                <c:pt idx="1">
+                  <c:v>2.0</c:v>
+                </c:pt>
+                <c:pt idx="2">
+                  <c:v>3.0</c:v>
+                </c:pt>
+                <c:pt idx="3">
+                  <c:v>4.0</c:v>
+                </c:pt>
+                <c:pt idx="4">
+                  <c:v>5.0</c:v>
+                </c:pt>
+                <c:pt idx="5">
+                  <c:v>6.0</c:v>
+                </c:pt>
+                <c:pt idx="6">
+                  <c:v>7.0</c:v>
+                </c:pt>
+                <c:pt idx="7">
+                  <c:v>8.0</c:v>
+                </c:pt>
+                <c:pt idx="8">
+                  <c:v>9.0</c:v>
+                </c:pt>
+              </c:numCache>
+            </c:numRef>
+          </c:cat>
+          <c:val>
+            <c:numRef>
+              <c:f>Sheet1!$B$2:$B$10</c:f>
+              <c:numCache>
+                <c:formatCode>General</c:formatCode>
+                <c:ptCount val="9"/>
+                <c:pt idx="0">
+                  <c:v>4.3</c:v>
+                </c:pt>
+                <c:pt idx="1">
+                  <c:v>2.5</c:v>
+                </c:pt>
+                <c:pt idx="2">
+                  <c:v>3.5</c:v>
+                </c:pt>
+                <c:pt idx="3">
+                  <c:v>4.5</c:v>
+                </c:pt>
+              </c:numCache>
+            </c:numRef>
+          </c:val>
+        </c:ser>
+        <c:ser>
+          <c:idx val="1"/>
+          <c:order val="1"/>
+          <c:tx>
+            <c:strRef>
+              <c:f>Sheet1!$C$1</c:f>
+              <c:strCache>
+                <c:ptCount val="1"/>
+                <c:pt idx="0">
+                  <c:v>Decision Tree</c:v>
+                </c:pt>
+              </c:strCache>
+            </c:strRef>
+          </c:tx>
+          <c:invertIfNegative val="0"/>
+          <c:cat>
+            <c:numRef>
+              <c:f>Sheet1!$A$2:$A$10</c:f>
+              <c:numCache>
+                <c:formatCode>General</c:formatCode>
+                <c:ptCount val="9"/>
+                <c:pt idx="0">
+                  <c:v>1.0</c:v>
+                </c:pt>
+                <c:pt idx="1">
+                  <c:v>2.0</c:v>
+                </c:pt>
+                <c:pt idx="2">
+                  <c:v>3.0</c:v>
+                </c:pt>
+                <c:pt idx="3">
+                  <c:v>4.0</c:v>
+                </c:pt>
+                <c:pt idx="4">
+                  <c:v>5.0</c:v>
+                </c:pt>
+                <c:pt idx="5">
+                  <c:v>6.0</c:v>
+                </c:pt>
+                <c:pt idx="6">
+                  <c:v>7.0</c:v>
+                </c:pt>
+                <c:pt idx="7">
+                  <c:v>8.0</c:v>
+                </c:pt>
+                <c:pt idx="8">
+                  <c:v>9.0</c:v>
+                </c:pt>
+              </c:numCache>
+            </c:numRef>
+          </c:cat>
+          <c:val>
+            <c:numRef>
+              <c:f>Sheet1!$C$2:$C$10</c:f>
+              <c:numCache>
+                <c:formatCode>General</c:formatCode>
+                <c:ptCount val="9"/>
+                <c:pt idx="0">
+                  <c:v>2.4</c:v>
+                </c:pt>
+                <c:pt idx="1">
+                  <c:v>4.4</c:v>
+                </c:pt>
+                <c:pt idx="2">
+                  <c:v>1.8</c:v>
+                </c:pt>
+                <c:pt idx="3">
+                  <c:v>2.8</c:v>
+                </c:pt>
+              </c:numCache>
+            </c:numRef>
+          </c:val>
+        </c:ser>
+        <c:ser>
+          <c:idx val="2"/>
+          <c:order val="2"/>
+          <c:tx>
+            <c:strRef>
+              <c:f>Sheet1!$D$1</c:f>
+              <c:strCache>
+                <c:ptCount val="1"/>
+                <c:pt idx="0">
+                  <c:v>Linear SVM</c:v>
+                </c:pt>
+              </c:strCache>
+            </c:strRef>
+          </c:tx>
+          <c:invertIfNegative val="0"/>
+          <c:cat>
+            <c:numRef>
+              <c:f>Sheet1!$A$2:$A$10</c:f>
+              <c:numCache>
+                <c:formatCode>General</c:formatCode>
+                <c:ptCount val="9"/>
+                <c:pt idx="0">
+                  <c:v>1.0</c:v>
+                </c:pt>
+                <c:pt idx="1">
+                  <c:v>2.0</c:v>
+                </c:pt>
+                <c:pt idx="2">
+                  <c:v>3.0</c:v>
+                </c:pt>
+                <c:pt idx="3">
+                  <c:v>4.0</c:v>
+                </c:pt>
+                <c:pt idx="4">
+                  <c:v>5.0</c:v>
+                </c:pt>
+                <c:pt idx="5">
+                  <c:v>6.0</c:v>
+                </c:pt>
+                <c:pt idx="6">
+                  <c:v>7.0</c:v>
+                </c:pt>
+                <c:pt idx="7">
+                  <c:v>8.0</c:v>
+                </c:pt>
+                <c:pt idx="8">
+                  <c:v>9.0</c:v>
+                </c:pt>
+              </c:numCache>
+            </c:numRef>
+          </c:cat>
+          <c:val>
+            <c:numRef>
+              <c:f>Sheet1!$D$2:$D$10</c:f>
+              <c:numCache>
+                <c:formatCode>General</c:formatCode>
+                <c:ptCount val="9"/>
+                <c:pt idx="0">
+                  <c:v>2.0</c:v>
+                </c:pt>
+                <c:pt idx="1">
+                  <c:v>2.0</c:v>
+                </c:pt>
+                <c:pt idx="2">
+                  <c:v>3.0</c:v>
+                </c:pt>
+                <c:pt idx="3">
+                  <c:v>5.0</c:v>
+                </c:pt>
+              </c:numCache>
+            </c:numRef>
+          </c:val>
+        </c:ser>
+        <c:dLbls>
+          <c:showLegendKey val="0"/>
+          <c:showVal val="0"/>
+          <c:showCatName val="0"/>
+          <c:showSerName val="0"/>
+          <c:showPercent val="0"/>
+          <c:showBubbleSize val="0"/>
+        </c:dLbls>
+        <c:gapWidth val="150"/>
+        <c:axId val="-2135935832"/>
+        <c:axId val="-2131277720"/>
+      </c:barChart>
+      <c:catAx>
+        <c:axId val="-2135935832"/>
+        <c:scaling>
+          <c:orientation val="minMax"/>
+        </c:scaling>
+        <c:delete val="0"/>
+        <c:axPos val="b"/>
+        <c:numFmt formatCode="General" sourceLinked="1"/>
+        <c:majorTickMark val="out"/>
+        <c:minorTickMark val="none"/>
+        <c:tickLblPos val="nextTo"/>
+        <c:crossAx val="-2131277720"/>
+        <c:crosses val="autoZero"/>
+        <c:auto val="1"/>
+        <c:lblAlgn val="ctr"/>
+        <c:lblOffset val="100"/>
+        <c:noMultiLvlLbl val="0"/>
+      </c:catAx>
+      <c:valAx>
+        <c:axId val="-2131277720"/>
+        <c:scaling>
+          <c:orientation val="minMax"/>
+        </c:scaling>
+        <c:delete val="0"/>
+        <c:axPos val="l"/>
+        <c:majorGridlines/>
+        <c:numFmt formatCode="General" sourceLinked="1"/>
+        <c:majorTickMark val="out"/>
+        <c:minorTickMark val="none"/>
+        <c:tickLblPos val="nextTo"/>
+        <c:crossAx val="-2135935832"/>
+        <c:crosses val="autoZero"/>
+        <c:crossBetween val="between"/>
+      </c:valAx>
+    </c:plotArea>
+    <c:legend>
+      <c:legendPos val="r"/>
+      <c:layout/>
+      <c:overlay val="0"/>
+    </c:legend>
+    <c:plotVisOnly val="1"/>
+    <c:dispBlanksAs val="gap"/>
+    <c:showDLblsOverMax val="0"/>
+  </c:chart>
+  <c:txPr>
+    <a:bodyPr/>
+    <a:lstStyle/>
+    <a:p>
+      <a:pPr>
+        <a:defRPr sz="1800"/>
+      </a:pPr>
+      <a:endParaRPr lang="en-US"/>
+    </a:p>
+  </c:txPr>
+  <c:externalData r:id="rId1">
+    <c:autoUpdate val="0"/>
+  </c:externalData>
+</c:chartSpace>
 </file>
 
 <file path=ppt/notesMasters/notesMaster1.xml><?xml version="1.0" encoding="utf-8"?>
@@ -222,7 +534,7 @@
           </a:lstStyle>
           <a:p>
             <a:fld id="{39CE09AA-AD7C-FB46-BD3E-8A7CAFD3B56A}" type="datetimeFigureOut">
-              <a:t>4/19/2015</a:t>
+              <a:t>4/19/15</a:t>
             </a:fld>
             <a:endParaRPr lang="en-US"/>
           </a:p>
@@ -988,7 +1300,7 @@
           <a:p>
             <a:fld id="{6BFECD78-3C8E-49F2-8FAB-59489D168ABB}" type="datetimeFigureOut">
               <a:rPr lang="en-US" smtClean="0"/>
-              <a:t>4/19/2015</a:t>
+              <a:t>4/19/15</a:t>
             </a:fld>
             <a:endParaRPr lang="en-US"/>
           </a:p>
@@ -1188,7 +1500,7 @@
           <a:p>
             <a:fld id="{6BFECD78-3C8E-49F2-8FAB-59489D168ABB}" type="datetimeFigureOut">
               <a:rPr lang="en-US" smtClean="0"/>
-              <a:t>4/19/2015</a:t>
+              <a:t>4/19/15</a:t>
             </a:fld>
             <a:endParaRPr lang="en-US"/>
           </a:p>
@@ -1363,7 +1675,7 @@
           <a:p>
             <a:fld id="{6BFECD78-3C8E-49F2-8FAB-59489D168ABB}" type="datetimeFigureOut">
               <a:rPr lang="en-US" smtClean="0"/>
-              <a:t>4/19/2015</a:t>
+              <a:t>4/19/15</a:t>
             </a:fld>
             <a:endParaRPr lang="en-US"/>
           </a:p>
@@ -1528,7 +1840,7 @@
           <a:p>
             <a:fld id="{6BFECD78-3C8E-49F2-8FAB-59489D168ABB}" type="datetimeFigureOut">
               <a:rPr lang="en-US" smtClean="0"/>
-              <a:t>4/19/2015</a:t>
+              <a:t>4/19/15</a:t>
             </a:fld>
             <a:endParaRPr lang="en-US"/>
           </a:p>
@@ -1776,7 +2088,7 @@
           <a:p>
             <a:fld id="{6BFECD78-3C8E-49F2-8FAB-59489D168ABB}" type="datetimeFigureOut">
               <a:rPr lang="en-US" smtClean="0"/>
-              <a:t>4/19/2015</a:t>
+              <a:t>4/19/15</a:t>
             </a:fld>
             <a:endParaRPr lang="en-US"/>
           </a:p>
@@ -2094,7 +2406,7 @@
           <a:p>
             <a:fld id="{6BFECD78-3C8E-49F2-8FAB-59489D168ABB}" type="datetimeFigureOut">
               <a:rPr lang="en-US" smtClean="0"/>
-              <a:t>4/19/2015</a:t>
+              <a:t>4/19/15</a:t>
             </a:fld>
             <a:endParaRPr lang="en-US"/>
           </a:p>
@@ -2560,7 +2872,7 @@
           <a:p>
             <a:fld id="{6BFECD78-3C8E-49F2-8FAB-59489D168ABB}" type="datetimeFigureOut">
               <a:rPr lang="en-US" smtClean="0"/>
-              <a:t>4/19/2015</a:t>
+              <a:t>4/19/15</a:t>
             </a:fld>
             <a:endParaRPr lang="en-US"/>
           </a:p>
@@ -2708,7 +3020,7 @@
           <a:p>
             <a:fld id="{6BFECD78-3C8E-49F2-8FAB-59489D168ABB}" type="datetimeFigureOut">
               <a:rPr lang="en-US" smtClean="0"/>
-              <a:t>4/19/2015</a:t>
+              <a:t>4/19/15</a:t>
             </a:fld>
             <a:endParaRPr lang="en-US"/>
           </a:p>
@@ -2798,7 +3110,7 @@
           <a:p>
             <a:fld id="{6BFECD78-3C8E-49F2-8FAB-59489D168ABB}" type="datetimeFigureOut">
               <a:rPr lang="en-US" smtClean="0"/>
-              <a:t>4/19/2015</a:t>
+              <a:t>4/19/15</a:t>
             </a:fld>
             <a:endParaRPr lang="en-US"/>
           </a:p>
@@ -3072,7 +3384,7 @@
           <a:p>
             <a:fld id="{6BFECD78-3C8E-49F2-8FAB-59489D168ABB}" type="datetimeFigureOut">
               <a:rPr lang="en-US" smtClean="0"/>
-              <a:t>4/19/2015</a:t>
+              <a:t>4/19/15</a:t>
             </a:fld>
             <a:endParaRPr lang="en-US"/>
           </a:p>
@@ -3377,7 +3689,7 @@
           <a:p>
             <a:fld id="{6BFECD78-3C8E-49F2-8FAB-59489D168ABB}" type="datetimeFigureOut">
               <a:rPr lang="en-US" smtClean="0"/>
-              <a:t>4/19/2015</a:t>
+              <a:t>4/19/15</a:t>
             </a:fld>
             <a:endParaRPr lang="en-US"/>
           </a:p>
@@ -3675,7 +3987,7 @@
           <a:p>
             <a:fld id="{6BFECD78-3C8E-49F2-8FAB-59489D168ABB}" type="datetimeFigureOut">
               <a:rPr lang="en-US" smtClean="0"/>
-              <a:t>4/19/2015</a:t>
+              <a:t>4/19/15</a:t>
             </a:fld>
             <a:endParaRPr lang="en-US"/>
           </a:p>
@@ -5087,7 +5399,7 @@
       </p:sp>
       <p:graphicFrame>
         <p:nvGraphicFramePr>
-          <p:cNvPr id="9" name="Content Placeholder 8"/>
+          <p:cNvPr id="5" name="Content Placeholder 8"/>
           <p:cNvGraphicFramePr>
             <a:graphicFrameLocks noGrp="1"/>
           </p:cNvGraphicFramePr>
@@ -5095,14 +5407,14 @@
             <p:ph idx="1"/>
             <p:extLst>
               <p:ext uri="{D42A27DB-BD31-4B8C-83A1-F6EECF244321}">
-                <p14:modId xmlns:p14="http://schemas.microsoft.com/office/powerpoint/2010/main" val="257279169"/>
+                <p14:modId xmlns:p14="http://schemas.microsoft.com/office/powerpoint/2010/main" val="1215199859"/>
               </p:ext>
             </p:extLst>
           </p:nvPr>
         </p:nvGraphicFramePr>
         <p:xfrm>
-          <a:off x="251188" y="1909132"/>
-          <a:ext cx="8675351" cy="3876040"/>
+          <a:off x="589894" y="1865609"/>
+          <a:ext cx="7517098" cy="3667760"/>
         </p:xfrm>
         <a:graphic>
           <a:graphicData uri="http://schemas.openxmlformats.org/drawingml/2006/table">
@@ -5111,12 +5423,12 @@
                 <a:tableStyleId>{793D81CF-94F2-401A-BA57-92F5A7B2D0C5}</a:tableStyleId>
               </a:tblPr>
               <a:tblGrid>
-                <a:gridCol w="1280968"/>
-                <a:gridCol w="1122618"/>
-                <a:gridCol w="1308020"/>
-                <a:gridCol w="1745129"/>
-                <a:gridCol w="1609308"/>
-                <a:gridCol w="1609308"/>
+                <a:gridCol w="1401625"/>
+                <a:gridCol w="1228359"/>
+                <a:gridCol w="1431225"/>
+                <a:gridCol w="1147140"/>
+                <a:gridCol w="1260359"/>
+                <a:gridCol w="1048390"/>
               </a:tblGrid>
               <a:tr h="333484">
                 <a:tc>
@@ -5124,6 +5436,7 @@
                     <a:bodyPr/>
                     <a:lstStyle/>
                     <a:p>
+                      <a:pPr algn="ctr"/>
                       <a:r>
                         <a:rPr lang="en-US" b="0"/>
                         <a:t>Classifier</a:t>
@@ -5180,6 +5493,7 @@
                     <a:bodyPr/>
                     <a:lstStyle/>
                     <a:p>
+                      <a:pPr algn="ctr"/>
                       <a:r>
                         <a:rPr lang="en-US" b="0" dirty="0"/>
                         <a:t>File Type</a:t>
@@ -5304,6 +5618,7 @@
                     <a:bodyPr/>
                     <a:lstStyle/>
                     <a:p>
+                      <a:pPr algn="ctr"/>
                       <a:r>
                         <a:rPr lang="en-US" b="0" dirty="0" smtClean="0"/>
                         <a:t>AUC</a:t>
@@ -5358,6 +5673,7 @@
                     <a:bodyPr/>
                     <a:lstStyle/>
                     <a:p>
+                      <a:pPr algn="ctr"/>
                       <a:r>
                         <a:rPr lang="en-US" b="0" dirty="0" smtClean="0"/>
                         <a:t>Precision</a:t>
@@ -5412,6 +5728,7 @@
                     <a:bodyPr/>
                     <a:lstStyle/>
                     <a:p>
+                      <a:pPr algn="ctr"/>
                       <a:r>
                         <a:rPr lang="en-US" b="0" dirty="0" smtClean="0"/>
                         <a:t>Recall</a:t>
@@ -5524,6 +5841,7 @@
                     <a:bodyPr/>
                     <a:lstStyle/>
                     <a:p>
+                      <a:pPr algn="ctr"/>
                       <a:r>
                         <a:rPr lang="en-US"/>
                         <a:t>.asm</a:t>
@@ -5574,6 +5892,18 @@
                     <a:bodyPr/>
                     <a:lstStyle/>
                     <a:p>
+                      <a:pPr algn="ctr"/>
+                      <a:r>
+                        <a:rPr lang="en-US" dirty="0" smtClean="0"/>
+                        <a:t>15.1638</a:t>
+                      </a:r>
+                    </a:p>
+                    <a:p>
+                      <a:pPr algn="ctr"/>
+                      <a:r>
+                        <a:rPr lang="en-US" dirty="0" smtClean="0"/>
+                        <a:t>(0.9044)</a:t>
+                      </a:r>
                       <a:endParaRPr lang="en-US" dirty="0"/>
                     </a:p>
                   </a:txBody>
@@ -5621,6 +5951,18 @@
                     <a:bodyPr/>
                     <a:lstStyle/>
                     <a:p>
+                      <a:pPr algn="ctr"/>
+                      <a:r>
+                        <a:rPr lang="en-US" dirty="0" smtClean="0"/>
+                        <a:t>0.9543</a:t>
+                      </a:r>
+                    </a:p>
+                    <a:p>
+                      <a:pPr algn="ctr"/>
+                      <a:r>
+                        <a:rPr lang="en-US" dirty="0" smtClean="0"/>
+                        <a:t>(0.0042)</a:t>
+                      </a:r>
                       <a:endParaRPr lang="en-US" dirty="0"/>
                     </a:p>
                   </a:txBody>
@@ -5668,6 +6010,18 @@
                     <a:bodyPr/>
                     <a:lstStyle/>
                     <a:p>
+                      <a:pPr algn="ctr"/>
+                      <a:r>
+                        <a:rPr lang="en-US" dirty="0" smtClean="0"/>
+                        <a:t>0.6686</a:t>
+                      </a:r>
+                    </a:p>
+                    <a:p>
+                      <a:pPr algn="ctr"/>
+                      <a:r>
+                        <a:rPr lang="en-US" dirty="0" smtClean="0"/>
+                        <a:t>(0.0316)</a:t>
+                      </a:r>
                       <a:endParaRPr lang="en-US" dirty="0"/>
                     </a:p>
                   </a:txBody>
@@ -5715,6 +6069,18 @@
                     <a:bodyPr/>
                     <a:lstStyle/>
                     <a:p>
+                      <a:pPr algn="ctr"/>
+                      <a:r>
+                        <a:rPr lang="en-US" dirty="0" smtClean="0"/>
+                        <a:t>0.6314</a:t>
+                      </a:r>
+                    </a:p>
+                    <a:p>
+                      <a:pPr algn="ctr"/>
+                      <a:r>
+                        <a:rPr lang="en-US" dirty="0" smtClean="0"/>
+                        <a:t>(0.0335)</a:t>
+                      </a:r>
                       <a:endParaRPr lang="en-US" dirty="0"/>
                     </a:p>
                   </a:txBody>
@@ -5774,6 +6140,7 @@
                     <a:bodyPr/>
                     <a:lstStyle/>
                     <a:p>
+                      <a:pPr algn="ctr"/>
                       <a:r>
                         <a:rPr lang="en-US"/>
                         <a:t>.bytes</a:t>
@@ -5824,6 +6191,7 @@
                     <a:bodyPr/>
                     <a:lstStyle/>
                     <a:p>
+                      <a:pPr algn="ctr"/>
                       <a:endParaRPr lang="en-US"/>
                     </a:p>
                   </a:txBody>
@@ -5871,6 +6239,7 @@
                     <a:bodyPr/>
                     <a:lstStyle/>
                     <a:p>
+                      <a:pPr algn="ctr"/>
                       <a:endParaRPr lang="en-US"/>
                     </a:p>
                   </a:txBody>
@@ -5918,6 +6287,7 @@
                     <a:bodyPr/>
                     <a:lstStyle/>
                     <a:p>
+                      <a:pPr algn="ctr"/>
                       <a:endParaRPr lang="en-US" dirty="0"/>
                     </a:p>
                   </a:txBody>
@@ -5965,6 +6335,7 @@
                     <a:bodyPr/>
                     <a:lstStyle/>
                     <a:p>
+                      <a:pPr algn="ctr"/>
                       <a:endParaRPr lang="en-US" dirty="0"/>
                     </a:p>
                   </a:txBody>
@@ -6070,6 +6441,7 @@
                     <a:bodyPr/>
                     <a:lstStyle/>
                     <a:p>
+                      <a:pPr algn="ctr"/>
                       <a:r>
                         <a:rPr lang="en-US"/>
                         <a:t>.asm</a:t>
@@ -6120,6 +6492,18 @@
                     <a:bodyPr/>
                     <a:lstStyle/>
                     <a:p>
+                      <a:pPr algn="ctr"/>
+                      <a:r>
+                        <a:rPr lang="en-US" dirty="0" smtClean="0"/>
+                        <a:t>3.9107</a:t>
+                      </a:r>
+                    </a:p>
+                    <a:p>
+                      <a:pPr algn="ctr"/>
+                      <a:r>
+                        <a:rPr lang="en-US" dirty="0" smtClean="0"/>
+                        <a:t>(0.7488)</a:t>
+                      </a:r>
                       <a:endParaRPr lang="en-US" dirty="0"/>
                     </a:p>
                   </a:txBody>
@@ -6167,6 +6551,18 @@
                     <a:bodyPr/>
                     <a:lstStyle/>
                     <a:p>
+                      <a:pPr algn="ctr"/>
+                      <a:r>
+                        <a:rPr lang="en-US" dirty="0" smtClean="0"/>
+                        <a:t>0.9810</a:t>
+                      </a:r>
+                    </a:p>
+                    <a:p>
+                      <a:pPr algn="ctr"/>
+                      <a:r>
+                        <a:rPr lang="en-US" dirty="0" smtClean="0"/>
+                        <a:t>(0.0133)</a:t>
+                      </a:r>
                       <a:endParaRPr lang="en-US" dirty="0"/>
                     </a:p>
                   </a:txBody>
@@ -6214,7 +6610,19 @@
                     <a:bodyPr/>
                     <a:lstStyle/>
                     <a:p>
-                      <a:endParaRPr lang="en-US"/>
+                      <a:pPr algn="ctr"/>
+                      <a:r>
+                        <a:rPr lang="en-US" dirty="0" smtClean="0"/>
+                        <a:t>0.9538</a:t>
+                      </a:r>
+                    </a:p>
+                    <a:p>
+                      <a:pPr algn="ctr"/>
+                      <a:r>
+                        <a:rPr lang="en-US" dirty="0" smtClean="0"/>
+                        <a:t>(0.0170)</a:t>
+                      </a:r>
+                      <a:endParaRPr lang="en-US" dirty="0"/>
                     </a:p>
                   </a:txBody>
                   <a:tcPr anchor="ctr" anchorCtr="1">
@@ -6261,7 +6669,19 @@
                     <a:bodyPr/>
                     <a:lstStyle/>
                     <a:p>
-                      <a:endParaRPr lang="en-US"/>
+                      <a:pPr algn="ctr"/>
+                      <a:r>
+                        <a:rPr lang="en-US" dirty="0" smtClean="0"/>
+                        <a:t>0.9597</a:t>
+                      </a:r>
+                    </a:p>
+                    <a:p>
+                      <a:pPr algn="ctr"/>
+                      <a:r>
+                        <a:rPr lang="en-US" dirty="0" smtClean="0"/>
+                        <a:t>(0.0222)</a:t>
+                      </a:r>
+                      <a:endParaRPr lang="en-US" dirty="0"/>
                     </a:p>
                   </a:txBody>
                   <a:tcPr anchor="ctr" anchorCtr="1">
@@ -6320,6 +6740,7 @@
                     <a:bodyPr/>
                     <a:lstStyle/>
                     <a:p>
+                      <a:pPr algn="ctr"/>
                       <a:r>
                         <a:rPr lang="en-US"/>
                         <a:t>.bytes</a:t>
@@ -6370,6 +6791,7 @@
                     <a:bodyPr/>
                     <a:lstStyle/>
                     <a:p>
+                      <a:pPr algn="ctr"/>
                       <a:endParaRPr lang="en-US"/>
                     </a:p>
                   </a:txBody>
@@ -6417,6 +6839,7 @@
                     <a:bodyPr/>
                     <a:lstStyle/>
                     <a:p>
+                      <a:pPr algn="ctr"/>
                       <a:endParaRPr lang="en-US"/>
                     </a:p>
                   </a:txBody>
@@ -6464,6 +6887,7 @@
                     <a:bodyPr/>
                     <a:lstStyle/>
                     <a:p>
+                      <a:pPr algn="ctr"/>
                       <a:endParaRPr lang="en-US"/>
                     </a:p>
                   </a:txBody>
@@ -6511,6 +6935,7 @@
                     <a:bodyPr/>
                     <a:lstStyle/>
                     <a:p>
+                      <a:pPr algn="ctr"/>
                       <a:endParaRPr lang="en-US"/>
                     </a:p>
                   </a:txBody>
@@ -6611,6 +7036,7 @@
                     <a:bodyPr/>
                     <a:lstStyle/>
                     <a:p>
+                      <a:pPr algn="ctr"/>
                       <a:r>
                         <a:rPr lang="en-US"/>
                         <a:t>.asm</a:t>
@@ -6661,7 +7087,19 @@
                     <a:bodyPr/>
                     <a:lstStyle/>
                     <a:p>
-                      <a:endParaRPr lang="en-US"/>
+                      <a:pPr algn="ctr"/>
+                      <a:r>
+                        <a:rPr lang="en-US" dirty="0" smtClean="0"/>
+                        <a:t>2.7421</a:t>
+                      </a:r>
+                    </a:p>
+                    <a:p>
+                      <a:pPr algn="ctr"/>
+                      <a:r>
+                        <a:rPr lang="en-US" dirty="0" smtClean="0"/>
+                        <a:t>(0.7156)</a:t>
+                      </a:r>
+                      <a:endParaRPr lang="en-US" dirty="0"/>
                     </a:p>
                   </a:txBody>
                   <a:tcPr anchor="ctr" anchorCtr="1">
@@ -6708,7 +7146,19 @@
                     <a:bodyPr/>
                     <a:lstStyle/>
                     <a:p>
-                      <a:endParaRPr lang="en-US"/>
+                      <a:pPr algn="ctr"/>
+                      <a:r>
+                        <a:rPr lang="en-US" dirty="0" smtClean="0"/>
+                        <a:t>0.9809</a:t>
+                      </a:r>
+                    </a:p>
+                    <a:p>
+                      <a:pPr algn="ctr"/>
+                      <a:r>
+                        <a:rPr lang="en-US" dirty="0" smtClean="0"/>
+                        <a:t>(0.0105)</a:t>
+                      </a:r>
+                      <a:endParaRPr lang="en-US" dirty="0"/>
                     </a:p>
                   </a:txBody>
                   <a:tcPr anchor="ctr" anchorCtr="1">
@@ -6755,7 +7205,19 @@
                     <a:bodyPr/>
                     <a:lstStyle/>
                     <a:p>
-                      <a:endParaRPr lang="en-US"/>
+                      <a:pPr algn="ctr"/>
+                      <a:r>
+                        <a:rPr lang="en-US" dirty="0" smtClean="0"/>
+                        <a:t>0.9734</a:t>
+                      </a:r>
+                    </a:p>
+                    <a:p>
+                      <a:pPr algn="ctr"/>
+                      <a:r>
+                        <a:rPr lang="en-US" dirty="0" smtClean="0"/>
+                        <a:t>(0.0156)</a:t>
+                      </a:r>
+                      <a:endParaRPr lang="en-US" dirty="0"/>
                     </a:p>
                   </a:txBody>
                   <a:tcPr anchor="ctr" anchorCtr="1">
@@ -6802,7 +7264,19 @@
                     <a:bodyPr/>
                     <a:lstStyle/>
                     <a:p>
-                      <a:endParaRPr lang="en-US"/>
+                      <a:pPr algn="ctr"/>
+                      <a:r>
+                        <a:rPr lang="en-US" dirty="0" smtClean="0"/>
+                        <a:t>0.9662</a:t>
+                      </a:r>
+                    </a:p>
+                    <a:p>
+                      <a:pPr algn="ctr"/>
+                      <a:r>
+                        <a:rPr lang="en-US" dirty="0" smtClean="0"/>
+                        <a:t>(0.0210)</a:t>
+                      </a:r>
+                      <a:endParaRPr lang="en-US" dirty="0"/>
                     </a:p>
                   </a:txBody>
                   <a:tcPr anchor="ctr" anchorCtr="1">
@@ -6861,6 +7335,7 @@
                     <a:bodyPr/>
                     <a:lstStyle/>
                     <a:p>
+                      <a:pPr algn="ctr"/>
                       <a:r>
                         <a:rPr lang="en-US"/>
                         <a:t>.bytes</a:t>
@@ -6911,6 +7386,7 @@
                     <a:bodyPr/>
                     <a:lstStyle/>
                     <a:p>
+                      <a:pPr algn="ctr"/>
                       <a:endParaRPr lang="en-US"/>
                     </a:p>
                   </a:txBody>
@@ -6958,9 +7434,17 @@
                     <a:bodyPr/>
                     <a:lstStyle/>
                     <a:p>
+                      <a:pPr algn="ctr"/>
                       <a:r>
                         <a:rPr lang="en-US" dirty="0" smtClean="0"/>
-                        <a:t>0.9945(0.0038)</a:t>
+                        <a:t>0.9945</a:t>
+                      </a:r>
+                    </a:p>
+                    <a:p>
+                      <a:pPr algn="ctr"/>
+                      <a:r>
+                        <a:rPr lang="en-US" dirty="0" smtClean="0"/>
+                        <a:t>(0.0038)</a:t>
                       </a:r>
                       <a:endParaRPr lang="en-US" dirty="0"/>
                     </a:p>
@@ -7009,6 +7493,7 @@
                     <a:bodyPr/>
                     <a:lstStyle/>
                     <a:p>
+                      <a:pPr algn="ctr"/>
                       <a:endParaRPr lang="en-US"/>
                     </a:p>
                   </a:txBody>
@@ -7056,547 +7541,7 @@
                     <a:bodyPr/>
                     <a:lstStyle/>
                     <a:p>
-                      <a:endParaRPr lang="en-US"/>
-                    </a:p>
-                  </a:txBody>
-                  <a:tcPr anchor="ctr" anchorCtr="1">
-                    <a:lnL w="12700" cap="flat" cmpd="sng" algn="ctr">
-                      <a:solidFill>
-                        <a:scrgbClr r="0" g="0" b="0"/>
-                      </a:solidFill>
-                      <a:prstDash val="solid"/>
-                      <a:round/>
-                      <a:headEnd type="none" w="med" len="med"/>
-                      <a:tailEnd type="none" w="med" len="med"/>
-                    </a:lnL>
-                    <a:lnR w="12700" cap="flat" cmpd="sng" algn="ctr">
-                      <a:solidFill>
-                        <a:scrgbClr r="0" g="0" b="0"/>
-                      </a:solidFill>
-                      <a:prstDash val="solid"/>
-                      <a:round/>
-                      <a:headEnd type="none" w="med" len="med"/>
-                      <a:tailEnd type="none" w="med" len="med"/>
-                    </a:lnR>
-                    <a:lnT w="12700" cap="flat" cmpd="sng" algn="ctr">
-                      <a:solidFill>
-                        <a:scrgbClr r="0" g="0" b="0"/>
-                      </a:solidFill>
-                      <a:prstDash val="solid"/>
-                      <a:round/>
-                      <a:headEnd type="none" w="med" len="med"/>
-                      <a:tailEnd type="none" w="med" len="med"/>
-                    </a:lnT>
-                    <a:lnB w="12700" cap="flat" cmpd="sng" algn="ctr">
-                      <a:solidFill>
-                        <a:scrgbClr r="0" g="0" b="0"/>
-                      </a:solidFill>
-                      <a:prstDash val="solid"/>
-                      <a:round/>
-                      <a:headEnd type="none" w="med" len="med"/>
-                      <a:tailEnd type="none" w="med" len="med"/>
-                    </a:lnB>
-                  </a:tcPr>
-                </a:tc>
-              </a:tr>
-              <a:tr h="370840">
-                <a:tc rowSpan="2">
-                  <a:txBody>
-                    <a:bodyPr/>
-                    <a:lstStyle/>
-                    <a:p>
                       <a:pPr algn="ctr"/>
-                      <a:r>
-                        <a:rPr lang="en-US"/>
-                        <a:t>KNN</a:t>
-                      </a:r>
-                    </a:p>
-                  </a:txBody>
-                  <a:tcPr anchor="ctr" anchorCtr="1">
-                    <a:lnL w="12700" cap="flat" cmpd="sng" algn="ctr">
-                      <a:solidFill>
-                        <a:scrgbClr r="0" g="0" b="0"/>
-                      </a:solidFill>
-                      <a:prstDash val="solid"/>
-                      <a:round/>
-                      <a:headEnd type="none" w="med" len="med"/>
-                      <a:tailEnd type="none" w="med" len="med"/>
-                    </a:lnL>
-                    <a:lnR w="12700" cap="flat" cmpd="sng" algn="ctr">
-                      <a:solidFill>
-                        <a:scrgbClr r="0" g="0" b="0"/>
-                      </a:solidFill>
-                      <a:prstDash val="solid"/>
-                      <a:round/>
-                      <a:headEnd type="none" w="med" len="med"/>
-                      <a:tailEnd type="none" w="med" len="med"/>
-                    </a:lnR>
-                    <a:lnT w="12700" cap="flat" cmpd="sng" algn="ctr">
-                      <a:solidFill>
-                        <a:scrgbClr r="0" g="0" b="0"/>
-                      </a:solidFill>
-                      <a:prstDash val="solid"/>
-                      <a:round/>
-                      <a:headEnd type="none" w="med" len="med"/>
-                      <a:tailEnd type="none" w="med" len="med"/>
-                    </a:lnT>
-                    <a:lnB w="12700" cap="flat" cmpd="sng" algn="ctr">
-                      <a:solidFill>
-                        <a:scrgbClr r="0" g="0" b="0"/>
-                      </a:solidFill>
-                      <a:prstDash val="solid"/>
-                      <a:round/>
-                      <a:headEnd type="none" w="med" len="med"/>
-                      <a:tailEnd type="none" w="med" len="med"/>
-                    </a:lnB>
-                  </a:tcPr>
-                </a:tc>
-                <a:tc>
-                  <a:txBody>
-                    <a:bodyPr/>
-                    <a:lstStyle/>
-                    <a:p>
-                      <a:r>
-                        <a:rPr lang="en-US"/>
-                        <a:t>.asm</a:t>
-                      </a:r>
-                    </a:p>
-                  </a:txBody>
-                  <a:tcPr anchor="ctr" anchorCtr="1">
-                    <a:lnL w="12700" cap="flat" cmpd="sng" algn="ctr">
-                      <a:solidFill>
-                        <a:scrgbClr r="0" g="0" b="0"/>
-                      </a:solidFill>
-                      <a:prstDash val="solid"/>
-                      <a:round/>
-                      <a:headEnd type="none" w="med" len="med"/>
-                      <a:tailEnd type="none" w="med" len="med"/>
-                    </a:lnL>
-                    <a:lnR w="12700" cap="flat" cmpd="sng" algn="ctr">
-                      <a:solidFill>
-                        <a:scrgbClr r="0" g="0" b="0"/>
-                      </a:solidFill>
-                      <a:prstDash val="solid"/>
-                      <a:round/>
-                      <a:headEnd type="none" w="med" len="med"/>
-                      <a:tailEnd type="none" w="med" len="med"/>
-                    </a:lnR>
-                    <a:lnT w="12700" cap="flat" cmpd="sng" algn="ctr">
-                      <a:solidFill>
-                        <a:scrgbClr r="0" g="0" b="0"/>
-                      </a:solidFill>
-                      <a:prstDash val="solid"/>
-                      <a:round/>
-                      <a:headEnd type="none" w="med" len="med"/>
-                      <a:tailEnd type="none" w="med" len="med"/>
-                    </a:lnT>
-                    <a:lnB w="12700" cap="flat" cmpd="sng" algn="ctr">
-                      <a:solidFill>
-                        <a:scrgbClr r="0" g="0" b="0"/>
-                      </a:solidFill>
-                      <a:prstDash val="solid"/>
-                      <a:round/>
-                      <a:headEnd type="none" w="med" len="med"/>
-                      <a:tailEnd type="none" w="med" len="med"/>
-                    </a:lnB>
-                  </a:tcPr>
-                </a:tc>
-                <a:tc>
-                  <a:txBody>
-                    <a:bodyPr/>
-                    <a:lstStyle/>
-                    <a:p>
-                      <a:endParaRPr lang="en-US"/>
-                    </a:p>
-                  </a:txBody>
-                  <a:tcPr anchor="ctr" anchorCtr="1">
-                    <a:lnL w="12700" cap="flat" cmpd="sng" algn="ctr">
-                      <a:solidFill>
-                        <a:scrgbClr r="0" g="0" b="0"/>
-                      </a:solidFill>
-                      <a:prstDash val="solid"/>
-                      <a:round/>
-                      <a:headEnd type="none" w="med" len="med"/>
-                      <a:tailEnd type="none" w="med" len="med"/>
-                    </a:lnL>
-                    <a:lnR w="12700" cap="flat" cmpd="sng" algn="ctr">
-                      <a:solidFill>
-                        <a:scrgbClr r="0" g="0" b="0"/>
-                      </a:solidFill>
-                      <a:prstDash val="solid"/>
-                      <a:round/>
-                      <a:headEnd type="none" w="med" len="med"/>
-                      <a:tailEnd type="none" w="med" len="med"/>
-                    </a:lnR>
-                    <a:lnT w="12700" cap="flat" cmpd="sng" algn="ctr">
-                      <a:solidFill>
-                        <a:scrgbClr r="0" g="0" b="0"/>
-                      </a:solidFill>
-                      <a:prstDash val="solid"/>
-                      <a:round/>
-                      <a:headEnd type="none" w="med" len="med"/>
-                      <a:tailEnd type="none" w="med" len="med"/>
-                    </a:lnT>
-                    <a:lnB w="12700" cap="flat" cmpd="sng" algn="ctr">
-                      <a:solidFill>
-                        <a:scrgbClr r="0" g="0" b="0"/>
-                      </a:solidFill>
-                      <a:prstDash val="solid"/>
-                      <a:round/>
-                      <a:headEnd type="none" w="med" len="med"/>
-                      <a:tailEnd type="none" w="med" len="med"/>
-                    </a:lnB>
-                  </a:tcPr>
-                </a:tc>
-                <a:tc>
-                  <a:txBody>
-                    <a:bodyPr/>
-                    <a:lstStyle/>
-                    <a:p>
-                      <a:endParaRPr lang="en-US"/>
-                    </a:p>
-                  </a:txBody>
-                  <a:tcPr anchor="ctr" anchorCtr="1">
-                    <a:lnL w="12700" cap="flat" cmpd="sng" algn="ctr">
-                      <a:solidFill>
-                        <a:scrgbClr r="0" g="0" b="0"/>
-                      </a:solidFill>
-                      <a:prstDash val="solid"/>
-                      <a:round/>
-                      <a:headEnd type="none" w="med" len="med"/>
-                      <a:tailEnd type="none" w="med" len="med"/>
-                    </a:lnL>
-                    <a:lnR w="12700" cap="flat" cmpd="sng" algn="ctr">
-                      <a:solidFill>
-                        <a:scrgbClr r="0" g="0" b="0"/>
-                      </a:solidFill>
-                      <a:prstDash val="solid"/>
-                      <a:round/>
-                      <a:headEnd type="none" w="med" len="med"/>
-                      <a:tailEnd type="none" w="med" len="med"/>
-                    </a:lnR>
-                    <a:lnT w="12700" cap="flat" cmpd="sng" algn="ctr">
-                      <a:solidFill>
-                        <a:scrgbClr r="0" g="0" b="0"/>
-                      </a:solidFill>
-                      <a:prstDash val="solid"/>
-                      <a:round/>
-                      <a:headEnd type="none" w="med" len="med"/>
-                      <a:tailEnd type="none" w="med" len="med"/>
-                    </a:lnT>
-                    <a:lnB w="12700" cap="flat" cmpd="sng" algn="ctr">
-                      <a:solidFill>
-                        <a:scrgbClr r="0" g="0" b="0"/>
-                      </a:solidFill>
-                      <a:prstDash val="solid"/>
-                      <a:round/>
-                      <a:headEnd type="none" w="med" len="med"/>
-                      <a:tailEnd type="none" w="med" len="med"/>
-                    </a:lnB>
-                  </a:tcPr>
-                </a:tc>
-                <a:tc>
-                  <a:txBody>
-                    <a:bodyPr/>
-                    <a:lstStyle/>
-                    <a:p>
-                      <a:endParaRPr lang="en-US"/>
-                    </a:p>
-                  </a:txBody>
-                  <a:tcPr anchor="ctr" anchorCtr="1">
-                    <a:lnL w="12700" cap="flat" cmpd="sng" algn="ctr">
-                      <a:solidFill>
-                        <a:scrgbClr r="0" g="0" b="0"/>
-                      </a:solidFill>
-                      <a:prstDash val="solid"/>
-                      <a:round/>
-                      <a:headEnd type="none" w="med" len="med"/>
-                      <a:tailEnd type="none" w="med" len="med"/>
-                    </a:lnL>
-                    <a:lnR w="12700" cap="flat" cmpd="sng" algn="ctr">
-                      <a:solidFill>
-                        <a:scrgbClr r="0" g="0" b="0"/>
-                      </a:solidFill>
-                      <a:prstDash val="solid"/>
-                      <a:round/>
-                      <a:headEnd type="none" w="med" len="med"/>
-                      <a:tailEnd type="none" w="med" len="med"/>
-                    </a:lnR>
-                    <a:lnT w="12700" cap="flat" cmpd="sng" algn="ctr">
-                      <a:solidFill>
-                        <a:scrgbClr r="0" g="0" b="0"/>
-                      </a:solidFill>
-                      <a:prstDash val="solid"/>
-                      <a:round/>
-                      <a:headEnd type="none" w="med" len="med"/>
-                      <a:tailEnd type="none" w="med" len="med"/>
-                    </a:lnT>
-                    <a:lnB w="12700" cap="flat" cmpd="sng" algn="ctr">
-                      <a:solidFill>
-                        <a:scrgbClr r="0" g="0" b="0"/>
-                      </a:solidFill>
-                      <a:prstDash val="solid"/>
-                      <a:round/>
-                      <a:headEnd type="none" w="med" len="med"/>
-                      <a:tailEnd type="none" w="med" len="med"/>
-                    </a:lnB>
-                  </a:tcPr>
-                </a:tc>
-                <a:tc>
-                  <a:txBody>
-                    <a:bodyPr/>
-                    <a:lstStyle/>
-                    <a:p>
-                      <a:endParaRPr lang="en-US"/>
-                    </a:p>
-                  </a:txBody>
-                  <a:tcPr anchor="ctr" anchorCtr="1">
-                    <a:lnL w="12700" cap="flat" cmpd="sng" algn="ctr">
-                      <a:solidFill>
-                        <a:scrgbClr r="0" g="0" b="0"/>
-                      </a:solidFill>
-                      <a:prstDash val="solid"/>
-                      <a:round/>
-                      <a:headEnd type="none" w="med" len="med"/>
-                      <a:tailEnd type="none" w="med" len="med"/>
-                    </a:lnL>
-                    <a:lnR w="12700" cap="flat" cmpd="sng" algn="ctr">
-                      <a:solidFill>
-                        <a:scrgbClr r="0" g="0" b="0"/>
-                      </a:solidFill>
-                      <a:prstDash val="solid"/>
-                      <a:round/>
-                      <a:headEnd type="none" w="med" len="med"/>
-                      <a:tailEnd type="none" w="med" len="med"/>
-                    </a:lnR>
-                    <a:lnT w="12700" cap="flat" cmpd="sng" algn="ctr">
-                      <a:solidFill>
-                        <a:scrgbClr r="0" g="0" b="0"/>
-                      </a:solidFill>
-                      <a:prstDash val="solid"/>
-                      <a:round/>
-                      <a:headEnd type="none" w="med" len="med"/>
-                      <a:tailEnd type="none" w="med" len="med"/>
-                    </a:lnT>
-                    <a:lnB w="12700" cap="flat" cmpd="sng" algn="ctr">
-                      <a:solidFill>
-                        <a:scrgbClr r="0" g="0" b="0"/>
-                      </a:solidFill>
-                      <a:prstDash val="solid"/>
-                      <a:round/>
-                      <a:headEnd type="none" w="med" len="med"/>
-                      <a:tailEnd type="none" w="med" len="med"/>
-                    </a:lnB>
-                  </a:tcPr>
-                </a:tc>
-              </a:tr>
-              <a:tr h="370840">
-                <a:tc vMerge="1">
-                  <a:txBody>
-                    <a:bodyPr/>
-                    <a:lstStyle/>
-                    <a:p>
-                      <a:endParaRPr lang="en-US"/>
-                    </a:p>
-                  </a:txBody>
-                  <a:tcPr/>
-                </a:tc>
-                <a:tc>
-                  <a:txBody>
-                    <a:bodyPr/>
-                    <a:lstStyle/>
-                    <a:p>
-                      <a:r>
-                        <a:rPr lang="en-US"/>
-                        <a:t>.bytes</a:t>
-                      </a:r>
-                    </a:p>
-                  </a:txBody>
-                  <a:tcPr anchor="ctr" anchorCtr="1">
-                    <a:lnL w="12700" cap="flat" cmpd="sng" algn="ctr">
-                      <a:solidFill>
-                        <a:scrgbClr r="0" g="0" b="0"/>
-                      </a:solidFill>
-                      <a:prstDash val="solid"/>
-                      <a:round/>
-                      <a:headEnd type="none" w="med" len="med"/>
-                      <a:tailEnd type="none" w="med" len="med"/>
-                    </a:lnL>
-                    <a:lnR w="12700" cap="flat" cmpd="sng" algn="ctr">
-                      <a:solidFill>
-                        <a:scrgbClr r="0" g="0" b="0"/>
-                      </a:solidFill>
-                      <a:prstDash val="solid"/>
-                      <a:round/>
-                      <a:headEnd type="none" w="med" len="med"/>
-                      <a:tailEnd type="none" w="med" len="med"/>
-                    </a:lnR>
-                    <a:lnT w="12700" cap="flat" cmpd="sng" algn="ctr">
-                      <a:solidFill>
-                        <a:scrgbClr r="0" g="0" b="0"/>
-                      </a:solidFill>
-                      <a:prstDash val="solid"/>
-                      <a:round/>
-                      <a:headEnd type="none" w="med" len="med"/>
-                      <a:tailEnd type="none" w="med" len="med"/>
-                    </a:lnT>
-                    <a:lnB w="12700" cap="flat" cmpd="sng" algn="ctr">
-                      <a:solidFill>
-                        <a:scrgbClr r="0" g="0" b="0"/>
-                      </a:solidFill>
-                      <a:prstDash val="solid"/>
-                      <a:round/>
-                      <a:headEnd type="none" w="med" len="med"/>
-                      <a:tailEnd type="none" w="med" len="med"/>
-                    </a:lnB>
-                  </a:tcPr>
-                </a:tc>
-                <a:tc>
-                  <a:txBody>
-                    <a:bodyPr/>
-                    <a:lstStyle/>
-                    <a:p>
-                      <a:endParaRPr lang="en-US"/>
-                    </a:p>
-                  </a:txBody>
-                  <a:tcPr anchor="ctr" anchorCtr="1">
-                    <a:lnL w="12700" cap="flat" cmpd="sng" algn="ctr">
-                      <a:solidFill>
-                        <a:scrgbClr r="0" g="0" b="0"/>
-                      </a:solidFill>
-                      <a:prstDash val="solid"/>
-                      <a:round/>
-                      <a:headEnd type="none" w="med" len="med"/>
-                      <a:tailEnd type="none" w="med" len="med"/>
-                    </a:lnL>
-                    <a:lnR w="12700" cap="flat" cmpd="sng" algn="ctr">
-                      <a:solidFill>
-                        <a:scrgbClr r="0" g="0" b="0"/>
-                      </a:solidFill>
-                      <a:prstDash val="solid"/>
-                      <a:round/>
-                      <a:headEnd type="none" w="med" len="med"/>
-                      <a:tailEnd type="none" w="med" len="med"/>
-                    </a:lnR>
-                    <a:lnT w="12700" cap="flat" cmpd="sng" algn="ctr">
-                      <a:solidFill>
-                        <a:scrgbClr r="0" g="0" b="0"/>
-                      </a:solidFill>
-                      <a:prstDash val="solid"/>
-                      <a:round/>
-                      <a:headEnd type="none" w="med" len="med"/>
-                      <a:tailEnd type="none" w="med" len="med"/>
-                    </a:lnT>
-                    <a:lnB w="12700" cap="flat" cmpd="sng" algn="ctr">
-                      <a:solidFill>
-                        <a:scrgbClr r="0" g="0" b="0"/>
-                      </a:solidFill>
-                      <a:prstDash val="solid"/>
-                      <a:round/>
-                      <a:headEnd type="none" w="med" len="med"/>
-                      <a:tailEnd type="none" w="med" len="med"/>
-                    </a:lnB>
-                  </a:tcPr>
-                </a:tc>
-                <a:tc>
-                  <a:txBody>
-                    <a:bodyPr/>
-                    <a:lstStyle/>
-                    <a:p>
-                      <a:endParaRPr lang="en-US" dirty="0"/>
-                    </a:p>
-                  </a:txBody>
-                  <a:tcPr anchor="ctr" anchorCtr="1">
-                    <a:lnL w="12700" cap="flat" cmpd="sng" algn="ctr">
-                      <a:solidFill>
-                        <a:scrgbClr r="0" g="0" b="0"/>
-                      </a:solidFill>
-                      <a:prstDash val="solid"/>
-                      <a:round/>
-                      <a:headEnd type="none" w="med" len="med"/>
-                      <a:tailEnd type="none" w="med" len="med"/>
-                    </a:lnL>
-                    <a:lnR w="12700" cap="flat" cmpd="sng" algn="ctr">
-                      <a:solidFill>
-                        <a:scrgbClr r="0" g="0" b="0"/>
-                      </a:solidFill>
-                      <a:prstDash val="solid"/>
-                      <a:round/>
-                      <a:headEnd type="none" w="med" len="med"/>
-                      <a:tailEnd type="none" w="med" len="med"/>
-                    </a:lnR>
-                    <a:lnT w="12700" cap="flat" cmpd="sng" algn="ctr">
-                      <a:solidFill>
-                        <a:scrgbClr r="0" g="0" b="0"/>
-                      </a:solidFill>
-                      <a:prstDash val="solid"/>
-                      <a:round/>
-                      <a:headEnd type="none" w="med" len="med"/>
-                      <a:tailEnd type="none" w="med" len="med"/>
-                    </a:lnT>
-                    <a:lnB w="12700" cap="flat" cmpd="sng" algn="ctr">
-                      <a:solidFill>
-                        <a:scrgbClr r="0" g="0" b="0"/>
-                      </a:solidFill>
-                      <a:prstDash val="solid"/>
-                      <a:round/>
-                      <a:headEnd type="none" w="med" len="med"/>
-                      <a:tailEnd type="none" w="med" len="med"/>
-                    </a:lnB>
-                  </a:tcPr>
-                </a:tc>
-                <a:tc>
-                  <a:txBody>
-                    <a:bodyPr/>
-                    <a:lstStyle/>
-                    <a:p>
-                      <a:endParaRPr lang="en-US" dirty="0"/>
-                    </a:p>
-                  </a:txBody>
-                  <a:tcPr anchor="ctr" anchorCtr="1">
-                    <a:lnL w="12700" cap="flat" cmpd="sng" algn="ctr">
-                      <a:solidFill>
-                        <a:scrgbClr r="0" g="0" b="0"/>
-                      </a:solidFill>
-                      <a:prstDash val="solid"/>
-                      <a:round/>
-                      <a:headEnd type="none" w="med" len="med"/>
-                      <a:tailEnd type="none" w="med" len="med"/>
-                    </a:lnL>
-                    <a:lnR w="12700" cap="flat" cmpd="sng" algn="ctr">
-                      <a:solidFill>
-                        <a:scrgbClr r="0" g="0" b="0"/>
-                      </a:solidFill>
-                      <a:prstDash val="solid"/>
-                      <a:round/>
-                      <a:headEnd type="none" w="med" len="med"/>
-                      <a:tailEnd type="none" w="med" len="med"/>
-                    </a:lnR>
-                    <a:lnT w="12700" cap="flat" cmpd="sng" algn="ctr">
-                      <a:solidFill>
-                        <a:scrgbClr r="0" g="0" b="0"/>
-                      </a:solidFill>
-                      <a:prstDash val="solid"/>
-                      <a:round/>
-                      <a:headEnd type="none" w="med" len="med"/>
-                      <a:tailEnd type="none" w="med" len="med"/>
-                    </a:lnT>
-                    <a:lnB w="12700" cap="flat" cmpd="sng" algn="ctr">
-                      <a:solidFill>
-                        <a:scrgbClr r="0" g="0" b="0"/>
-                      </a:solidFill>
-                      <a:prstDash val="solid"/>
-                      <a:round/>
-                      <a:headEnd type="none" w="med" len="med"/>
-                      <a:tailEnd type="none" w="med" len="med"/>
-                    </a:lnB>
-                  </a:tcPr>
-                </a:tc>
-                <a:tc>
-                  <a:txBody>
-                    <a:bodyPr/>
-                    <a:lstStyle/>
-                    <a:p>
                       <a:endParaRPr lang="en-US" dirty="0"/>
                     </a:p>
                   </a:txBody>
@@ -7716,6 +7661,30 @@
           </a:p>
         </p:txBody>
       </p:sp>
+      <p:graphicFrame>
+        <p:nvGraphicFramePr>
+          <p:cNvPr id="4" name="Content Placeholder 3"/>
+          <p:cNvGraphicFramePr>
+            <a:graphicFrameLocks/>
+          </p:cNvGraphicFramePr>
+          <p:nvPr>
+            <p:extLst>
+              <p:ext uri="{D42A27DB-BD31-4B8C-83A1-F6EECF244321}">
+                <p14:modId xmlns:p14="http://schemas.microsoft.com/office/powerpoint/2010/main" val="2790578419"/>
+              </p:ext>
+            </p:extLst>
+          </p:nvPr>
+        </p:nvGraphicFramePr>
+        <p:xfrm>
+          <a:off x="457200" y="1600200"/>
+          <a:ext cx="8229600" cy="4525963"/>
+        </p:xfrm>
+        <a:graphic>
+          <a:graphicData uri="http://schemas.openxmlformats.org/drawingml/2006/chart">
+            <c:chart xmlns:c="http://schemas.openxmlformats.org/drawingml/2006/chart" xmlns:r="http://schemas.openxmlformats.org/officeDocument/2006/relationships" r:id="rId2"/>
+          </a:graphicData>
+        </a:graphic>
+      </p:graphicFrame>
     </p:spTree>
     <p:extLst>
       <p:ext uri="{BB962C8B-B14F-4D97-AF65-F5344CB8AC3E}">

--- a/malwareSlides.pptx
+++ b/malwareSlides.pptx
@@ -124,7 +124,7 @@
   </p:defaultTextStyle>
   <p:extLst>
     <p:ext uri="{EFAFB233-063F-42B5-8137-9DF3F51BA10A}">
-      <p15:sldGuideLst xmlns:p15="http://schemas.microsoft.com/office/powerpoint/2012/main" xmlns="">
+      <p15:sldGuideLst xmlns:p15="http://schemas.microsoft.com/office/powerpoint/2012/main">
         <p15:guide id="1" orient="horz" pos="2160">
           <p15:clr>
             <a:srgbClr val="A4A3A4"/>
@@ -184,31 +184,31 @@
                 <c:formatCode>General</c:formatCode>
                 <c:ptCount val="9"/>
                 <c:pt idx="0">
-                  <c:v>1.0</c:v>
+                  <c:v>1</c:v>
                 </c:pt>
                 <c:pt idx="1">
-                  <c:v>2.0</c:v>
+                  <c:v>2</c:v>
                 </c:pt>
                 <c:pt idx="2">
-                  <c:v>3.0</c:v>
+                  <c:v>3</c:v>
                 </c:pt>
                 <c:pt idx="3">
-                  <c:v>4.0</c:v>
+                  <c:v>4</c:v>
                 </c:pt>
                 <c:pt idx="4">
-                  <c:v>5.0</c:v>
+                  <c:v>5</c:v>
                 </c:pt>
                 <c:pt idx="5">
-                  <c:v>6.0</c:v>
+                  <c:v>6</c:v>
                 </c:pt>
                 <c:pt idx="6">
-                  <c:v>7.0</c:v>
+                  <c:v>7</c:v>
                 </c:pt>
                 <c:pt idx="7">
-                  <c:v>8.0</c:v>
+                  <c:v>8</c:v>
                 </c:pt>
                 <c:pt idx="8">
-                  <c:v>9.0</c:v>
+                  <c:v>9</c:v>
                 </c:pt>
               </c:numCache>
             </c:numRef>
@@ -257,31 +257,31 @@
                 <c:formatCode>General</c:formatCode>
                 <c:ptCount val="9"/>
                 <c:pt idx="0">
-                  <c:v>1.0</c:v>
+                  <c:v>1</c:v>
                 </c:pt>
                 <c:pt idx="1">
-                  <c:v>2.0</c:v>
+                  <c:v>2</c:v>
                 </c:pt>
                 <c:pt idx="2">
-                  <c:v>3.0</c:v>
+                  <c:v>3</c:v>
                 </c:pt>
                 <c:pt idx="3">
-                  <c:v>4.0</c:v>
+                  <c:v>4</c:v>
                 </c:pt>
                 <c:pt idx="4">
-                  <c:v>5.0</c:v>
+                  <c:v>5</c:v>
                 </c:pt>
                 <c:pt idx="5">
-                  <c:v>6.0</c:v>
+                  <c:v>6</c:v>
                 </c:pt>
                 <c:pt idx="6">
-                  <c:v>7.0</c:v>
+                  <c:v>7</c:v>
                 </c:pt>
                 <c:pt idx="7">
-                  <c:v>8.0</c:v>
+                  <c:v>8</c:v>
                 </c:pt>
                 <c:pt idx="8">
-                  <c:v>9.0</c:v>
+                  <c:v>9</c:v>
                 </c:pt>
               </c:numCache>
             </c:numRef>
@@ -296,7 +296,7 @@
                   <c:v>2.4</c:v>
                 </c:pt>
                 <c:pt idx="1">
-                  <c:v>4.4</c:v>
+                  <c:v>4.4000000000000004</c:v>
                 </c:pt>
                 <c:pt idx="2">
                   <c:v>1.8</c:v>
@@ -330,31 +330,31 @@
                 <c:formatCode>General</c:formatCode>
                 <c:ptCount val="9"/>
                 <c:pt idx="0">
-                  <c:v>1.0</c:v>
+                  <c:v>1</c:v>
                 </c:pt>
                 <c:pt idx="1">
-                  <c:v>2.0</c:v>
+                  <c:v>2</c:v>
                 </c:pt>
                 <c:pt idx="2">
-                  <c:v>3.0</c:v>
+                  <c:v>3</c:v>
                 </c:pt>
                 <c:pt idx="3">
-                  <c:v>4.0</c:v>
+                  <c:v>4</c:v>
                 </c:pt>
                 <c:pt idx="4">
-                  <c:v>5.0</c:v>
+                  <c:v>5</c:v>
                 </c:pt>
                 <c:pt idx="5">
-                  <c:v>6.0</c:v>
+                  <c:v>6</c:v>
                 </c:pt>
                 <c:pt idx="6">
-                  <c:v>7.0</c:v>
+                  <c:v>7</c:v>
                 </c:pt>
                 <c:pt idx="7">
-                  <c:v>8.0</c:v>
+                  <c:v>8</c:v>
                 </c:pt>
                 <c:pt idx="8">
-                  <c:v>9.0</c:v>
+                  <c:v>9</c:v>
                 </c:pt>
               </c:numCache>
             </c:numRef>
@@ -366,16 +366,16 @@
                 <c:formatCode>General</c:formatCode>
                 <c:ptCount val="9"/>
                 <c:pt idx="0">
-                  <c:v>2.0</c:v>
+                  <c:v>2</c:v>
                 </c:pt>
                 <c:pt idx="1">
-                  <c:v>2.0</c:v>
+                  <c:v>2</c:v>
                 </c:pt>
                 <c:pt idx="2">
-                  <c:v>3.0</c:v>
+                  <c:v>3</c:v>
                 </c:pt>
                 <c:pt idx="3">
-                  <c:v>5.0</c:v>
+                  <c:v>5</c:v>
                 </c:pt>
               </c:numCache>
             </c:numRef>
@@ -390,11 +390,11 @@
           <c:showBubbleSize val="0"/>
         </c:dLbls>
         <c:gapWidth val="150"/>
-        <c:axId val="-2135935832"/>
-        <c:axId val="-2131277720"/>
+        <c:axId val="258599392"/>
+        <c:axId val="258601744"/>
       </c:barChart>
       <c:catAx>
-        <c:axId val="-2135935832"/>
+        <c:axId val="258599392"/>
         <c:scaling>
           <c:orientation val="minMax"/>
         </c:scaling>
@@ -404,7 +404,7 @@
         <c:majorTickMark val="out"/>
         <c:minorTickMark val="none"/>
         <c:tickLblPos val="nextTo"/>
-        <c:crossAx val="-2131277720"/>
+        <c:crossAx val="258601744"/>
         <c:crosses val="autoZero"/>
         <c:auto val="1"/>
         <c:lblAlgn val="ctr"/>
@@ -412,7 +412,7 @@
         <c:noMultiLvlLbl val="0"/>
       </c:catAx>
       <c:valAx>
-        <c:axId val="-2131277720"/>
+        <c:axId val="258601744"/>
         <c:scaling>
           <c:orientation val="minMax"/>
         </c:scaling>
@@ -423,7 +423,7 @@
         <c:majorTickMark val="out"/>
         <c:minorTickMark val="none"/>
         <c:tickLblPos val="nextTo"/>
-        <c:crossAx val="-2135935832"/>
+        <c:crossAx val="258599392"/>
         <c:crosses val="autoZero"/>
         <c:crossBetween val="between"/>
       </c:valAx>
@@ -534,7 +534,7 @@
           </a:lstStyle>
           <a:p>
             <a:fld id="{39CE09AA-AD7C-FB46-BD3E-8A7CAFD3B56A}" type="datetimeFigureOut">
-              <a:t>4/19/15</a:t>
+              <a:t>4/19/2015</a:t>
             </a:fld>
             <a:endParaRPr lang="en-US"/>
           </a:p>
@@ -1300,7 +1300,7 @@
           <a:p>
             <a:fld id="{6BFECD78-3C8E-49F2-8FAB-59489D168ABB}" type="datetimeFigureOut">
               <a:rPr lang="en-US" smtClean="0"/>
-              <a:t>4/19/15</a:t>
+              <a:t>4/19/2015</a:t>
             </a:fld>
             <a:endParaRPr lang="en-US"/>
           </a:p>
@@ -1500,7 +1500,7 @@
           <a:p>
             <a:fld id="{6BFECD78-3C8E-49F2-8FAB-59489D168ABB}" type="datetimeFigureOut">
               <a:rPr lang="en-US" smtClean="0"/>
-              <a:t>4/19/15</a:t>
+              <a:t>4/19/2015</a:t>
             </a:fld>
             <a:endParaRPr lang="en-US"/>
           </a:p>
@@ -1675,7 +1675,7 @@
           <a:p>
             <a:fld id="{6BFECD78-3C8E-49F2-8FAB-59489D168ABB}" type="datetimeFigureOut">
               <a:rPr lang="en-US" smtClean="0"/>
-              <a:t>4/19/15</a:t>
+              <a:t>4/19/2015</a:t>
             </a:fld>
             <a:endParaRPr lang="en-US"/>
           </a:p>
@@ -1840,7 +1840,7 @@
           <a:p>
             <a:fld id="{6BFECD78-3C8E-49F2-8FAB-59489D168ABB}" type="datetimeFigureOut">
               <a:rPr lang="en-US" smtClean="0"/>
-              <a:t>4/19/15</a:t>
+              <a:t>4/19/2015</a:t>
             </a:fld>
             <a:endParaRPr lang="en-US"/>
           </a:p>
@@ -2088,7 +2088,7 @@
           <a:p>
             <a:fld id="{6BFECD78-3C8E-49F2-8FAB-59489D168ABB}" type="datetimeFigureOut">
               <a:rPr lang="en-US" smtClean="0"/>
-              <a:t>4/19/15</a:t>
+              <a:t>4/19/2015</a:t>
             </a:fld>
             <a:endParaRPr lang="en-US"/>
           </a:p>
@@ -2406,7 +2406,7 @@
           <a:p>
             <a:fld id="{6BFECD78-3C8E-49F2-8FAB-59489D168ABB}" type="datetimeFigureOut">
               <a:rPr lang="en-US" smtClean="0"/>
-              <a:t>4/19/15</a:t>
+              <a:t>4/19/2015</a:t>
             </a:fld>
             <a:endParaRPr lang="en-US"/>
           </a:p>
@@ -2872,7 +2872,7 @@
           <a:p>
             <a:fld id="{6BFECD78-3C8E-49F2-8FAB-59489D168ABB}" type="datetimeFigureOut">
               <a:rPr lang="en-US" smtClean="0"/>
-              <a:t>4/19/15</a:t>
+              <a:t>4/19/2015</a:t>
             </a:fld>
             <a:endParaRPr lang="en-US"/>
           </a:p>
@@ -3020,7 +3020,7 @@
           <a:p>
             <a:fld id="{6BFECD78-3C8E-49F2-8FAB-59489D168ABB}" type="datetimeFigureOut">
               <a:rPr lang="en-US" smtClean="0"/>
-              <a:t>4/19/15</a:t>
+              <a:t>4/19/2015</a:t>
             </a:fld>
             <a:endParaRPr lang="en-US"/>
           </a:p>
@@ -3110,7 +3110,7 @@
           <a:p>
             <a:fld id="{6BFECD78-3C8E-49F2-8FAB-59489D168ABB}" type="datetimeFigureOut">
               <a:rPr lang="en-US" smtClean="0"/>
-              <a:t>4/19/15</a:t>
+              <a:t>4/19/2015</a:t>
             </a:fld>
             <a:endParaRPr lang="en-US"/>
           </a:p>
@@ -3384,7 +3384,7 @@
           <a:p>
             <a:fld id="{6BFECD78-3C8E-49F2-8FAB-59489D168ABB}" type="datetimeFigureOut">
               <a:rPr lang="en-US" smtClean="0"/>
-              <a:t>4/19/15</a:t>
+              <a:t>4/19/2015</a:t>
             </a:fld>
             <a:endParaRPr lang="en-US"/>
           </a:p>
@@ -3689,7 +3689,7 @@
           <a:p>
             <a:fld id="{6BFECD78-3C8E-49F2-8FAB-59489D168ABB}" type="datetimeFigureOut">
               <a:rPr lang="en-US" smtClean="0"/>
-              <a:t>4/19/15</a:t>
+              <a:t>4/19/2015</a:t>
             </a:fld>
             <a:endParaRPr lang="en-US"/>
           </a:p>
@@ -3987,7 +3987,7 @@
           <a:p>
             <a:fld id="{6BFECD78-3C8E-49F2-8FAB-59489D168ABB}" type="datetimeFigureOut">
               <a:rPr lang="en-US" smtClean="0"/>
-              <a:t>4/19/15</a:t>
+              <a:t>4/19/2015</a:t>
             </a:fld>
             <a:endParaRPr lang="en-US"/>
           </a:p>
@@ -5414,7 +5414,7 @@
         </p:nvGraphicFramePr>
         <p:xfrm>
           <a:off x="589894" y="1865609"/>
-          <a:ext cx="7517098" cy="3667760"/>
+          <a:ext cx="7517098" cy="4490720"/>
         </p:xfrm>
         <a:graphic>
           <a:graphicData uri="http://schemas.openxmlformats.org/drawingml/2006/table">
@@ -5438,7 +5438,7 @@
                     <a:p>
                       <a:pPr algn="ctr"/>
                       <a:r>
-                        <a:rPr lang="en-US" b="0"/>
+                        <a:rPr lang="en-US" b="0" dirty="0"/>
                         <a:t>Classifier</a:t>
                       </a:r>
                     </a:p>
@@ -5787,14 +5787,14 @@
                     <a:p>
                       <a:pPr algn="ctr"/>
                       <a:r>
-                        <a:rPr lang="en-US"/>
+                        <a:rPr lang="en-US" dirty="0"/>
                         <a:t>Naïve</a:t>
                       </a:r>
                       <a:r>
-                        <a:rPr lang="en-US" baseline="0"/>
+                        <a:rPr lang="en-US" baseline="0" dirty="0"/>
                         <a:t> Bayes</a:t>
                       </a:r>
-                      <a:endParaRPr lang="en-US"/>
+                      <a:endParaRPr lang="en-US" dirty="0"/>
                     </a:p>
                   </a:txBody>
                   <a:tcPr anchor="ctr" anchorCtr="1">
@@ -7819,7 +7819,7 @@
         <p:spPr>
           <a:xfrm>
             <a:off x="457200" y="1524000"/>
-            <a:ext cx="8328991" cy="646331"/>
+            <a:ext cx="8328991" cy="584775"/>
           </a:xfrm>
           <a:prstGeom prst="rect">
             <a:avLst/>
@@ -7832,60 +7832,47 @@
           <a:lstStyle/>
           <a:p>
             <a:r>
-              <a:rPr lang="en-US" dirty="0" smtClean="0">
-                <a:latin typeface="NimbusRomNo9L-Regu"/>
-              </a:rPr>
-              <a:t>[1] Mehmet </a:t>
-            </a:r>
-            <a:r>
-              <a:rPr lang="en-US" dirty="0" err="1" smtClean="0">
-                <a:latin typeface="NimbusRomNo9L-Regu"/>
-              </a:rPr>
+              <a:rPr lang="en-US" sz="1600" dirty="0"/>
+              <a:t>[1] Abdurrahman </a:t>
+            </a:r>
+            <a:r>
+              <a:rPr lang="en-US" sz="1600" dirty="0" err="1"/>
+              <a:t>Pekta</a:t>
+            </a:r>
+            <a:r>
+              <a:rPr lang="en-US" sz="1600" dirty="0"/>
+              <a:t>, Mehmet </a:t>
+            </a:r>
+            <a:r>
+              <a:rPr lang="en-US" sz="1600" dirty="0" err="1"/>
               <a:t>Eri</a:t>
             </a:r>
             <a:r>
-              <a:rPr lang="en-US" dirty="0" smtClean="0">
-                <a:latin typeface="NimbusRomNo9L-Regu"/>
-              </a:rPr>
-              <a:t> Abdurrahman </a:t>
-            </a:r>
-            <a:r>
-              <a:rPr lang="en-US" dirty="0" err="1" smtClean="0">
-                <a:latin typeface="NimbusRomNo9L-Regu"/>
-              </a:rPr>
-              <a:t>Pekta</a:t>
-            </a:r>
-            <a:r>
-              <a:rPr lang="en-US" dirty="0" smtClean="0">
-                <a:latin typeface="NimbusRomNo9L-Regu"/>
-              </a:rPr>
-              <a:t> and </a:t>
-            </a:r>
-            <a:r>
-              <a:rPr lang="en-US" dirty="0" err="1" smtClean="0">
-                <a:latin typeface="NimbusRomNo9L-Regu"/>
-              </a:rPr>
+              <a:rPr lang="en-US" sz="1600" dirty="0"/>
+              <a:t>, and </a:t>
+            </a:r>
+            <a:r>
+              <a:rPr lang="en-US" sz="1600" dirty="0" err="1"/>
               <a:t>Tankut</a:t>
             </a:r>
             <a:r>
-              <a:rPr lang="en-US" dirty="0" smtClean="0">
-                <a:latin typeface="NimbusRomNo9L-Regu"/>
-              </a:rPr>
+              <a:rPr lang="en-US" sz="1600" dirty="0"/>
               <a:t> </a:t>
             </a:r>
             <a:r>
-              <a:rPr lang="en-US" dirty="0" err="1" smtClean="0">
-                <a:latin typeface="NimbusRomNo9L-Regu"/>
-              </a:rPr>
+              <a:rPr lang="en-US" sz="1600" dirty="0" err="1"/>
               <a:t>Acarman</a:t>
             </a:r>
             <a:r>
-              <a:rPr lang="en-US" dirty="0" smtClean="0">
-                <a:latin typeface="NimbusRomNo9L-Regu"/>
-              </a:rPr>
-              <a:t>. 2011. Proposal of n-gram Based Algorithm for Malware Classification. (2011).</a:t>
-            </a:r>
-            <a:endParaRPr lang="en-US" dirty="0"/>
+              <a:rPr lang="en-US" sz="1600" dirty="0"/>
+              <a:t>. 2011. Proposal of</a:t>
+            </a:r>
+          </a:p>
+          <a:p>
+            <a:r>
+              <a:rPr lang="en-US" sz="1600" dirty="0"/>
+              <a:t>n-gram Based Algorithm for Malware Classification. (2011).</a:t>
+            </a:r>
           </a:p>
         </p:txBody>
       </p:sp>
@@ -7898,7 +7885,7 @@
         <p:spPr>
           <a:xfrm>
             <a:off x="457201" y="2238610"/>
-            <a:ext cx="8328990" cy="646331"/>
+            <a:ext cx="8328990" cy="584775"/>
           </a:xfrm>
           <a:prstGeom prst="rect">
             <a:avLst/>
@@ -7911,42 +7898,33 @@
           <a:lstStyle/>
           <a:p>
             <a:r>
-              <a:rPr lang="en-US" dirty="0" smtClean="0">
-                <a:latin typeface="NimbusRomNo9L-Regu"/>
-              </a:rPr>
-              <a:t>[2] J</a:t>
-            </a:r>
-            <a:r>
-              <a:rPr lang="en-US" dirty="0">
-                <a:latin typeface="NimbusRomNo9L-Regu"/>
-              </a:rPr>
+              <a:rPr lang="en-US" sz="1600" dirty="0"/>
+              <a:t>[2] </a:t>
+            </a:r>
+            <a:r>
+              <a:rPr lang="en-US" sz="1600" dirty="0" smtClean="0"/>
+              <a:t>J</a:t>
+            </a:r>
+            <a:r>
+              <a:rPr lang="en-US" sz="1600" dirty="0"/>
               <a:t>. Zico </a:t>
             </a:r>
             <a:r>
-              <a:rPr lang="en-US" dirty="0" err="1">
-                <a:latin typeface="NimbusRomNo9L-Regu"/>
-              </a:rPr>
+              <a:rPr lang="en-US" sz="1600" dirty="0" err="1"/>
               <a:t>Kolter</a:t>
             </a:r>
             <a:r>
-              <a:rPr lang="en-US" dirty="0">
-                <a:latin typeface="NimbusRomNo9L-Regu"/>
-              </a:rPr>
-              <a:t> and Marcus A. Maloof. 2006. Learning to Detect and </a:t>
-            </a:r>
-            <a:r>
-              <a:rPr lang="en-US" dirty="0" smtClean="0">
-                <a:latin typeface="NimbusRomNo9L-Regu"/>
-              </a:rPr>
-              <a:t>Classify Malicious </a:t>
-            </a:r>
-            <a:r>
-              <a:rPr lang="en-US" dirty="0">
-                <a:latin typeface="NimbusRomNo9L-Regu"/>
-              </a:rPr>
+              <a:rPr lang="en-US" sz="1600" dirty="0"/>
+              <a:t> and Marcus A. Maloof. 2006. Learning to Detect </a:t>
+            </a:r>
+            <a:r>
+              <a:rPr lang="en-US" sz="1600" dirty="0" smtClean="0"/>
+              <a:t>and Classify Malicious </a:t>
+            </a:r>
+            <a:r>
+              <a:rPr lang="en-US" sz="1600" dirty="0"/>
               <a:t>Executables in the Wild. 7, Article 19 (2006), 2721–2744.</a:t>
             </a:r>
-            <a:endParaRPr lang="en-US" dirty="0"/>
           </a:p>
         </p:txBody>
       </p:sp>
@@ -7959,7 +7937,7 @@
         <p:spPr>
           <a:xfrm>
             <a:off x="457201" y="2953220"/>
-            <a:ext cx="8328990" cy="646331"/>
+            <a:ext cx="8328990" cy="584775"/>
           </a:xfrm>
           <a:prstGeom prst="rect">
             <a:avLst/>
@@ -7972,98 +7950,69 @@
           <a:lstStyle/>
           <a:p>
             <a:r>
-              <a:rPr lang="en-US" dirty="0" smtClean="0">
-                <a:latin typeface="NimbusRomNo9L-Regu"/>
-              </a:rPr>
+              <a:rPr lang="en-US" sz="1600" dirty="0"/>
               <a:t>[3] </a:t>
             </a:r>
             <a:r>
-              <a:rPr lang="en-US" dirty="0" err="1" smtClean="0">
-                <a:latin typeface="NimbusRomNo9L-Regu"/>
-              </a:rPr>
+              <a:rPr lang="en-US" sz="1600" dirty="0" smtClean="0"/>
+              <a:t>Mihai </a:t>
+            </a:r>
+            <a:r>
+              <a:rPr lang="en-US" sz="1600" dirty="0" err="1"/>
+              <a:t>Christodorescu</a:t>
+            </a:r>
+            <a:r>
+              <a:rPr lang="en-US" sz="1600" dirty="0"/>
+              <a:t>, </a:t>
+            </a:r>
+            <a:r>
+              <a:rPr lang="en-US" sz="1600" dirty="0" err="1"/>
+              <a:t>Somesh</a:t>
+            </a:r>
+            <a:r>
+              <a:rPr lang="en-US" sz="1600" dirty="0"/>
+              <a:t> </a:t>
+            </a:r>
+            <a:r>
+              <a:rPr lang="en-US" sz="1600" dirty="0" err="1"/>
+              <a:t>Jha</a:t>
+            </a:r>
+            <a:r>
+              <a:rPr lang="en-US" sz="1600" dirty="0"/>
+              <a:t>, </a:t>
+            </a:r>
+            <a:r>
+              <a:rPr lang="en-US" sz="1600" dirty="0" err="1"/>
               <a:t>Sanjit</a:t>
             </a:r>
             <a:r>
-              <a:rPr lang="en-US" dirty="0" smtClean="0">
-                <a:latin typeface="NimbusRomNo9L-Regu"/>
-              </a:rPr>
-              <a:t> </a:t>
-            </a:r>
-            <a:r>
-              <a:rPr lang="en-US" dirty="0">
-                <a:latin typeface="NimbusRomNo9L-Regu"/>
-              </a:rPr>
-              <a:t>A. </a:t>
-            </a:r>
-            <a:r>
-              <a:rPr lang="en-US" dirty="0" err="1">
-                <a:latin typeface="NimbusRomNo9L-Regu"/>
-              </a:rPr>
+              <a:rPr lang="en-US" sz="1600" dirty="0"/>
+              <a:t> A. </a:t>
+            </a:r>
+            <a:r>
+              <a:rPr lang="en-US" sz="1600" dirty="0" err="1"/>
               <a:t>Seshia</a:t>
             </a:r>
             <a:r>
-              <a:rPr lang="en-US" dirty="0">
-                <a:latin typeface="NimbusRomNo9L-Regu"/>
-              </a:rPr>
-              <a:t> Dawn Song Mihai </a:t>
-            </a:r>
-            <a:r>
-              <a:rPr lang="en-US" dirty="0" err="1">
-                <a:latin typeface="NimbusRomNo9L-Regu"/>
-              </a:rPr>
-              <a:t>Christodorescu</a:t>
-            </a:r>
-            <a:r>
-              <a:rPr lang="en-US" dirty="0">
-                <a:latin typeface="NimbusRomNo9L-Regu"/>
-              </a:rPr>
-              <a:t>, </a:t>
-            </a:r>
-            <a:r>
-              <a:rPr lang="en-US" dirty="0" err="1">
-                <a:latin typeface="NimbusRomNo9L-Regu"/>
-              </a:rPr>
-              <a:t>Somesh</a:t>
-            </a:r>
-            <a:r>
-              <a:rPr lang="en-US" dirty="0">
-                <a:latin typeface="NimbusRomNo9L-Regu"/>
-              </a:rPr>
-              <a:t> </a:t>
-            </a:r>
-            <a:r>
-              <a:rPr lang="en-US" dirty="0" err="1">
-                <a:latin typeface="NimbusRomNo9L-Regu"/>
-              </a:rPr>
-              <a:t>Jha</a:t>
-            </a:r>
-            <a:r>
-              <a:rPr lang="en-US" dirty="0">
-                <a:latin typeface="NimbusRomNo9L-Regu"/>
-              </a:rPr>
-              <a:t> and Randal</a:t>
-            </a:r>
-          </a:p>
-          <a:p>
-            <a:r>
-              <a:rPr lang="en-US" dirty="0">
-                <a:latin typeface="NimbusRomNo9L-Regu"/>
-              </a:rPr>
-              <a:t>E. Bryant. 2005. Semantics-Aware Malware Detection. (2005), </a:t>
-            </a:r>
-            <a:r>
-              <a:rPr lang="en-US" dirty="0" smtClean="0">
-                <a:latin typeface="NimbusRomNo9L-Regu"/>
-              </a:rPr>
-              <a:t>32–46</a:t>
-            </a:r>
-            <a:r>
-              <a:rPr lang="en-US" dirty="0">
-                <a:latin typeface="NimbusRomNo9L-Regu"/>
-              </a:rPr>
+              <a:rPr lang="en-US" sz="1600" dirty="0"/>
+              <a:t>, Dawn Song, and </a:t>
+            </a:r>
+            <a:r>
+              <a:rPr lang="en-US" sz="1600" dirty="0" smtClean="0"/>
+              <a:t>Randal E</a:t>
+            </a:r>
+            <a:r>
+              <a:rPr lang="en-US" sz="1600" dirty="0"/>
+              <a:t>. Bryant. 2005. Semantics-Aware Malware Detection. (2005), </a:t>
+            </a:r>
+            <a:r>
+              <a:rPr lang="en-US" sz="1600" dirty="0" smtClean="0"/>
+              <a:t>32– 46</a:t>
+            </a:r>
+            <a:r>
+              <a:rPr lang="en-US" sz="1600" dirty="0"/>
               <a:t>.</a:t>
             </a:r>
-            <a:endParaRPr lang="en-US" dirty="0"/>
           </a:p>
         </p:txBody>
       </p:sp>
@@ -8076,7 +8025,7 @@
         <p:spPr>
           <a:xfrm>
             <a:off x="457201" y="3667830"/>
-            <a:ext cx="8229600" cy="646331"/>
+            <a:ext cx="8229600" cy="584775"/>
           </a:xfrm>
           <a:prstGeom prst="rect">
             <a:avLst/>
@@ -8089,42 +8038,25 @@
           <a:lstStyle/>
           <a:p>
             <a:r>
-              <a:rPr lang="en-US" dirty="0" smtClean="0">
-                <a:latin typeface="NimbusRomNo9L-Regu"/>
-              </a:rPr>
-              <a:t>[4] Y</a:t>
-            </a:r>
-            <a:r>
-              <a:rPr lang="en-US" dirty="0">
-                <a:latin typeface="NimbusRomNo9L-Regu"/>
-              </a:rPr>
-              <a:t>. Li N. </a:t>
-            </a:r>
-            <a:r>
-              <a:rPr lang="en-US" dirty="0" err="1">
-                <a:latin typeface="NimbusRomNo9L-Regu"/>
-              </a:rPr>
+              <a:rPr lang="en-US" sz="1600" dirty="0"/>
+              <a:t>[4] N. </a:t>
+            </a:r>
+            <a:r>
+              <a:rPr lang="en-US" sz="1600" dirty="0" err="1"/>
               <a:t>Zhong</a:t>
             </a:r>
             <a:r>
-              <a:rPr lang="en-US" dirty="0">
-                <a:latin typeface="NimbusRomNo9L-Regu"/>
-              </a:rPr>
-              <a:t> and S. T. Wu. 2012. Effective Pattern Discovery for </a:t>
-            </a:r>
-            <a:r>
-              <a:rPr lang="en-US" dirty="0" smtClean="0">
-                <a:latin typeface="NimbusRomNo9L-Regu"/>
-              </a:rPr>
+              <a:rPr lang="en-US" sz="1600" dirty="0"/>
+              <a:t>, Y. Li, and S. T. Wu. 2012. Effective Pattern Discovery for </a:t>
+            </a:r>
+            <a:r>
+              <a:rPr lang="en-US" sz="1600" dirty="0" smtClean="0"/>
               <a:t>Text Mining</a:t>
             </a:r>
             <a:r>
-              <a:rPr lang="en-US" dirty="0">
-                <a:latin typeface="NimbusRomNo9L-Regu"/>
-              </a:rPr>
+              <a:rPr lang="en-US" sz="1600" dirty="0"/>
               <a:t>. 24, Issue 1 (2012), 30–44.</a:t>
             </a:r>
-            <a:endParaRPr lang="en-US" dirty="0"/>
           </a:p>
         </p:txBody>
       </p:sp>
@@ -8137,7 +8069,7 @@
         <p:spPr>
           <a:xfrm>
             <a:off x="457201" y="4382440"/>
-            <a:ext cx="8229600" cy="646331"/>
+            <a:ext cx="8229600" cy="584775"/>
           </a:xfrm>
           <a:prstGeom prst="rect">
             <a:avLst/>
@@ -8150,60 +8082,33 @@
           <a:lstStyle/>
           <a:p>
             <a:r>
-              <a:rPr lang="en-US" dirty="0" smtClean="0">
-                <a:latin typeface="NimbusRomNo9L-Regu"/>
-              </a:rPr>
+              <a:rPr lang="en-US" sz="1600" dirty="0"/>
               <a:t>[5] Ohm </a:t>
             </a:r>
             <a:r>
-              <a:rPr lang="en-US" dirty="0" err="1">
-                <a:latin typeface="NimbusRomNo9L-Regu"/>
-              </a:rPr>
+              <a:rPr lang="en-US" sz="1600" dirty="0" err="1"/>
               <a:t>Sornil</a:t>
             </a:r>
             <a:r>
-              <a:rPr lang="en-US" dirty="0">
-                <a:latin typeface="NimbusRomNo9L-Regu"/>
-              </a:rPr>
+              <a:rPr lang="en-US" sz="1600" dirty="0"/>
               <a:t> and </a:t>
             </a:r>
             <a:r>
-              <a:rPr lang="en-US" dirty="0" err="1">
-                <a:latin typeface="NimbusRomNo9L-Regu"/>
-              </a:rPr>
+              <a:rPr lang="en-US" sz="1600" dirty="0" err="1"/>
               <a:t>Chatchai</a:t>
             </a:r>
             <a:r>
-              <a:rPr lang="en-US" dirty="0">
-                <a:latin typeface="NimbusRomNo9L-Regu"/>
-              </a:rPr>
+              <a:rPr lang="en-US" sz="1600" dirty="0"/>
               <a:t> </a:t>
             </a:r>
             <a:r>
-              <a:rPr lang="en-US" dirty="0" err="1">
-                <a:latin typeface="NimbusRomNo9L-Regu"/>
-              </a:rPr>
+              <a:rPr lang="en-US" sz="1600" dirty="0" err="1"/>
               <a:t>Liangboonprakong</a:t>
             </a:r>
             <a:r>
-              <a:rPr lang="en-US" dirty="0">
-                <a:latin typeface="NimbusRomNo9L-Regu"/>
-              </a:rPr>
-              <a:t>. 2013. Malware </a:t>
-            </a:r>
-            <a:r>
-              <a:rPr lang="en-US" dirty="0" smtClean="0">
-                <a:latin typeface="NimbusRomNo9L-Regu"/>
-              </a:rPr>
-              <a:t>Classification Using </a:t>
-            </a:r>
-            <a:r>
-              <a:rPr lang="en-US" dirty="0">
-                <a:latin typeface="NimbusRomNo9L-Regu"/>
-              </a:rPr>
-              <a:t>N-grams Sequential Pattern Features. (2013).</a:t>
-            </a:r>
-            <a:endParaRPr lang="en-US" dirty="0"/>
+              <a:rPr lang="en-US" sz="1600" dirty="0"/>
+              <a:t>. 2013. Malware Classification Using N-grams Sequential Pattern Features. (2013).</a:t>
+            </a:r>
           </a:p>
         </p:txBody>
       </p:sp>
@@ -8216,7 +8121,7 @@
         <p:spPr>
           <a:xfrm>
             <a:off x="457201" y="5097050"/>
-            <a:ext cx="8328990" cy="646331"/>
+            <a:ext cx="8328990" cy="584775"/>
           </a:xfrm>
           <a:prstGeom prst="rect">
             <a:avLst/>
@@ -8229,36 +8134,9 @@
           <a:lstStyle/>
           <a:p>
             <a:r>
-              <a:rPr lang="en-US" dirty="0" smtClean="0">
-                <a:latin typeface="NimbusRomNo9L-Regu"/>
-              </a:rPr>
-              <a:t>[6] I</a:t>
-            </a:r>
-            <a:r>
-              <a:rPr lang="en-US" dirty="0">
-                <a:latin typeface="NimbusRomNo9L-Regu"/>
-              </a:rPr>
-              <a:t>. H. Witten and E. Frank. 2005. Data mining: Practical machine </a:t>
-            </a:r>
-            <a:r>
-              <a:rPr lang="en-US" dirty="0" smtClean="0">
-                <a:latin typeface="NimbusRomNo9L-Regu"/>
-              </a:rPr>
-              <a:t>learning tools </a:t>
-            </a:r>
-            <a:r>
-              <a:rPr lang="en-US" dirty="0">
-                <a:latin typeface="NimbusRomNo9L-Regu"/>
-              </a:rPr>
-              <a:t>and techniques. (2005). http://</a:t>
-            </a:r>
-            <a:r>
-              <a:rPr lang="en-US" dirty="0" smtClean="0">
-                <a:latin typeface="NimbusRomNo9L-Regu"/>
-              </a:rPr>
-              <a:t>www.cs.waikato.ac.nz/ml/weka/index.html</a:t>
-            </a:r>
-            <a:endParaRPr lang="en-US" dirty="0"/>
+              <a:rPr lang="en-US" sz="1600" dirty="0"/>
+              <a:t>[6] I. H. Witten and E. Frank. 2005. Data mining: Practical machine learning tools and techniques. (2005). http://www.cs.waikato.ac.nz/ml/weka/index.html</a:t>
+            </a:r>
           </a:p>
         </p:txBody>
       </p:sp>
@@ -8271,7 +8149,7 @@
         <p:spPr>
           <a:xfrm>
             <a:off x="457201" y="5811660"/>
-            <a:ext cx="8328990" cy="646331"/>
+            <a:ext cx="8328990" cy="584775"/>
           </a:xfrm>
           <a:prstGeom prst="rect">
             <a:avLst/>
@@ -8284,30 +8162,9 @@
           <a:lstStyle/>
           <a:p>
             <a:r>
-              <a:rPr lang="en-US" dirty="0" smtClean="0">
-                <a:latin typeface="NimbusRomNo9L-Regu"/>
-              </a:rPr>
-              <a:t>[7] Y</a:t>
-            </a:r>
-            <a:r>
-              <a:rPr lang="en-US" dirty="0">
-                <a:latin typeface="NimbusRomNo9L-Regu"/>
-              </a:rPr>
-              <a:t>. Yang and J. O. Pederson. 1997. A comparative study on feature </a:t>
-            </a:r>
-            <a:r>
-              <a:rPr lang="en-US" dirty="0" smtClean="0">
-                <a:latin typeface="NimbusRomNo9L-Regu"/>
-              </a:rPr>
-              <a:t>selection in </a:t>
-            </a:r>
-            <a:r>
-              <a:rPr lang="en-US" dirty="0">
-                <a:latin typeface="NimbusRomNo9L-Regu"/>
-              </a:rPr>
-              <a:t>text categorization. (1997), 412–420.</a:t>
-            </a:r>
-            <a:endParaRPr lang="en-US" dirty="0"/>
+              <a:rPr lang="en-US" sz="1600" dirty="0"/>
+              <a:t>[7] Y. Yang and J. O. Pederson. 1997. A comparative study on feature selection in text categorization. (1997), 412–420.</a:t>
+            </a:r>
           </a:p>
         </p:txBody>
       </p:sp>
@@ -8666,12 +8523,143 @@
             <p:ph idx="1"/>
           </p:nvPr>
         </p:nvSpPr>
-        <p:spPr/>
-        <p:txBody>
-          <a:bodyPr/>
+        <p:spPr>
+          <a:xfrm>
+            <a:off x="457199" y="1600200"/>
+            <a:ext cx="8328991" cy="4876800"/>
+          </a:xfrm>
+        </p:spPr>
+        <p:txBody>
+          <a:bodyPr>
+            <a:normAutofit lnSpcReduction="10000"/>
+          </a:bodyPr>
           <a:lstStyle/>
           <a:p>
-            <a:endParaRPr lang="en-US"/>
+            <a:r>
+              <a:rPr lang="en-US" sz="2200" dirty="0"/>
+              <a:t>“Semantics-Aware Malware </a:t>
+            </a:r>
+            <a:r>
+              <a:rPr lang="en-US" sz="2200" dirty="0" smtClean="0"/>
+              <a:t>Detection” [3]</a:t>
+            </a:r>
+          </a:p>
+          <a:p>
+            <a:pPr lvl="1"/>
+            <a:r>
+              <a:rPr lang="en-US" sz="1800" dirty="0"/>
+              <a:t>Requires knowledge of malwares behaviors</a:t>
+            </a:r>
+          </a:p>
+          <a:p>
+            <a:pPr lvl="1"/>
+            <a:r>
+              <a:rPr lang="en-US" sz="1800" dirty="0"/>
+              <a:t>Pre-defined templates of sequence of instructions</a:t>
+            </a:r>
+          </a:p>
+          <a:p>
+            <a:pPr lvl="1"/>
+            <a:r>
+              <a:rPr lang="en-US" sz="1800" dirty="0"/>
+              <a:t>Resilient to obfuscation, but only works with a limited set of transformations used by </a:t>
+            </a:r>
+            <a:r>
+              <a:rPr lang="en-US" sz="1800" dirty="0" smtClean="0"/>
+              <a:t>hackers</a:t>
+            </a:r>
+          </a:p>
+          <a:p>
+            <a:pPr lvl="1"/>
+            <a:endParaRPr lang="en-US" sz="1800" dirty="0" smtClean="0"/>
+          </a:p>
+          <a:p>
+            <a:r>
+              <a:rPr lang="en-US" sz="2200" dirty="0" smtClean="0"/>
+              <a:t>“</a:t>
+            </a:r>
+            <a:r>
+              <a:rPr lang="en-US" sz="2200" dirty="0"/>
+              <a:t>Proposal </a:t>
+            </a:r>
+            <a:r>
+              <a:rPr lang="en-US" sz="2200" dirty="0" smtClean="0"/>
+              <a:t>of N-gram </a:t>
+            </a:r>
+            <a:r>
+              <a:rPr lang="en-US" sz="2200" dirty="0"/>
+              <a:t>Based Algorithm for Malware </a:t>
+            </a:r>
+            <a:r>
+              <a:rPr lang="en-US" sz="2200" dirty="0" smtClean="0"/>
+              <a:t>Classification” [1]</a:t>
+            </a:r>
+          </a:p>
+          <a:p>
+            <a:pPr lvl="1"/>
+            <a:r>
+              <a:rPr lang="en-US" sz="1800" dirty="0" smtClean="0"/>
+              <a:t>Centroid formed using most frequent N-grams</a:t>
+            </a:r>
+          </a:p>
+          <a:p>
+            <a:pPr lvl="1"/>
+            <a:r>
+              <a:rPr lang="en-US" sz="1800" dirty="0" smtClean="0"/>
+              <a:t>Most frequent N-grams can be irrelevant to the malware family</a:t>
+            </a:r>
+          </a:p>
+          <a:p>
+            <a:pPr lvl="1"/>
+            <a:endParaRPr lang="en-US" sz="1800" dirty="0" smtClean="0"/>
+          </a:p>
+          <a:p>
+            <a:r>
+              <a:rPr lang="en-US" sz="2200" dirty="0" smtClean="0"/>
+              <a:t>“</a:t>
+            </a:r>
+            <a:r>
+              <a:rPr lang="en-US" sz="2200" dirty="0"/>
+              <a:t>Learning to Detect and Classify </a:t>
+            </a:r>
+            <a:r>
+              <a:rPr lang="en-US" sz="2200" dirty="0" smtClean="0"/>
+              <a:t>Malicious Executables </a:t>
+            </a:r>
+            <a:r>
+              <a:rPr lang="en-US" sz="2200" dirty="0"/>
+              <a:t>in </a:t>
+            </a:r>
+            <a:r>
+              <a:rPr lang="en-US" sz="2200" dirty="0" smtClean="0"/>
+              <a:t>the Wild” [2]</a:t>
+            </a:r>
+          </a:p>
+          <a:p>
+            <a:pPr lvl="1"/>
+            <a:r>
+              <a:rPr lang="en-US" sz="1800" dirty="0" smtClean="0"/>
+              <a:t>Selecting N-grams based on information gain</a:t>
+            </a:r>
+          </a:p>
+          <a:p>
+            <a:pPr lvl="1"/>
+            <a:r>
+              <a:rPr lang="en-US" sz="1800" dirty="0" smtClean="0"/>
+              <a:t>Several classifiers applied: </a:t>
+            </a:r>
+            <a:r>
+              <a:rPr lang="en-US" sz="1800" dirty="0" err="1" smtClean="0"/>
+              <a:t>IBk</a:t>
+            </a:r>
+            <a:r>
+              <a:rPr lang="en-US" sz="1800" dirty="0" smtClean="0"/>
+              <a:t>, Naïve Bayes, SVM, Decision Tree (J48)</a:t>
+            </a:r>
+          </a:p>
+          <a:p>
+            <a:pPr lvl="1"/>
+            <a:endParaRPr lang="en-US" sz="1800" dirty="0" smtClean="0"/>
           </a:p>
         </p:txBody>
       </p:sp>

--- a/malwareSlides.pptx
+++ b/malwareSlides.pptx
@@ -5,7 +5,7 @@
     <p:sldMasterId id="2147483672" r:id="rId1"/>
   </p:sldMasterIdLst>
   <p:notesMasterIdLst>
-    <p:notesMasterId r:id="rId18"/>
+    <p:notesMasterId r:id="rId19"/>
   </p:notesMasterIdLst>
   <p:sldIdLst>
     <p:sldId id="256" r:id="rId2"/>
@@ -22,8 +22,9 @@
     <p:sldId id="264" r:id="rId13"/>
     <p:sldId id="265" r:id="rId14"/>
     <p:sldId id="268" r:id="rId15"/>
-    <p:sldId id="270" r:id="rId16"/>
+    <p:sldId id="272" r:id="rId16"/>
     <p:sldId id="271" r:id="rId17"/>
+    <p:sldId id="270" r:id="rId18"/>
   </p:sldIdLst>
   <p:sldSz cx="9144000" cy="6858000" type="screen4x3"/>
   <p:notesSz cx="6858000" cy="9144000"/>
@@ -124,7 +125,7 @@
   </p:defaultTextStyle>
   <p:extLst>
     <p:ext uri="{EFAFB233-063F-42B5-8137-9DF3F51BA10A}">
-      <p15:sldGuideLst xmlns:p15="http://schemas.microsoft.com/office/powerpoint/2012/main">
+      <p15:sldGuideLst xmlns:p15="http://schemas.microsoft.com/office/powerpoint/2012/main" xmlns="">
         <p15:guide id="1" orient="horz" pos="2160">
           <p15:clr>
             <a:srgbClr val="A4A3A4"/>
@@ -184,31 +185,31 @@
                 <c:formatCode>General</c:formatCode>
                 <c:ptCount val="9"/>
                 <c:pt idx="0">
-                  <c:v>1</c:v>
+                  <c:v>1.0</c:v>
                 </c:pt>
                 <c:pt idx="1">
-                  <c:v>2</c:v>
+                  <c:v>2.0</c:v>
                 </c:pt>
                 <c:pt idx="2">
-                  <c:v>3</c:v>
+                  <c:v>3.0</c:v>
                 </c:pt>
                 <c:pt idx="3">
-                  <c:v>4</c:v>
+                  <c:v>4.0</c:v>
                 </c:pt>
                 <c:pt idx="4">
-                  <c:v>5</c:v>
+                  <c:v>5.0</c:v>
                 </c:pt>
                 <c:pt idx="5">
-                  <c:v>6</c:v>
+                  <c:v>6.0</c:v>
                 </c:pt>
                 <c:pt idx="6">
-                  <c:v>7</c:v>
+                  <c:v>7.0</c:v>
                 </c:pt>
                 <c:pt idx="7">
-                  <c:v>8</c:v>
+                  <c:v>8.0</c:v>
                 </c:pt>
                 <c:pt idx="8">
-                  <c:v>9</c:v>
+                  <c:v>9.0</c:v>
                 </c:pt>
               </c:numCache>
             </c:numRef>
@@ -220,16 +221,31 @@
                 <c:formatCode>General</c:formatCode>
                 <c:ptCount val="9"/>
                 <c:pt idx="0">
-                  <c:v>4.3</c:v>
+                  <c:v>0.565557729941292</c:v>
                 </c:pt>
                 <c:pt idx="1">
-                  <c:v>2.5</c:v>
+                  <c:v>0.924132364810331</c:v>
                 </c:pt>
                 <c:pt idx="2">
-                  <c:v>3.5</c:v>
+                  <c:v>0.959496255956433</c:v>
                 </c:pt>
                 <c:pt idx="3">
-                  <c:v>4.5</c:v>
+                  <c:v>0.995789473684211</c:v>
+                </c:pt>
+                <c:pt idx="4">
+                  <c:v>0.904761904761905</c:v>
+                </c:pt>
+                <c:pt idx="5">
+                  <c:v>0.696404793608522</c:v>
+                </c:pt>
+                <c:pt idx="6">
+                  <c:v>0.876262626262626</c:v>
+                </c:pt>
+                <c:pt idx="7">
+                  <c:v>0.852605863192182</c:v>
+                </c:pt>
+                <c:pt idx="8">
+                  <c:v>0.605133267522211</c:v>
                 </c:pt>
               </c:numCache>
             </c:numRef>
@@ -257,31 +273,31 @@
                 <c:formatCode>General</c:formatCode>
                 <c:ptCount val="9"/>
                 <c:pt idx="0">
-                  <c:v>1</c:v>
+                  <c:v>1.0</c:v>
                 </c:pt>
                 <c:pt idx="1">
-                  <c:v>2</c:v>
+                  <c:v>2.0</c:v>
                 </c:pt>
                 <c:pt idx="2">
-                  <c:v>3</c:v>
+                  <c:v>3.0</c:v>
                 </c:pt>
                 <c:pt idx="3">
-                  <c:v>4</c:v>
+                  <c:v>4.0</c:v>
                 </c:pt>
                 <c:pt idx="4">
-                  <c:v>5</c:v>
+                  <c:v>5.0</c:v>
                 </c:pt>
                 <c:pt idx="5">
-                  <c:v>6</c:v>
+                  <c:v>6.0</c:v>
                 </c:pt>
                 <c:pt idx="6">
-                  <c:v>7</c:v>
+                  <c:v>7.0</c:v>
                 </c:pt>
                 <c:pt idx="7">
-                  <c:v>8</c:v>
+                  <c:v>8.0</c:v>
                 </c:pt>
                 <c:pt idx="8">
-                  <c:v>9</c:v>
+                  <c:v>9.0</c:v>
                 </c:pt>
               </c:numCache>
             </c:numRef>
@@ -293,16 +309,31 @@
                 <c:formatCode>General</c:formatCode>
                 <c:ptCount val="9"/>
                 <c:pt idx="0">
-                  <c:v>2.4</c:v>
+                  <c:v>0.980430528375734</c:v>
                 </c:pt>
                 <c:pt idx="1">
-                  <c:v>4.4000000000000004</c:v>
+                  <c:v>0.990718321226796</c:v>
                 </c:pt>
                 <c:pt idx="2">
-                  <c:v>1.8</c:v>
+                  <c:v>0.996936691626957</c:v>
                 </c:pt>
                 <c:pt idx="3">
-                  <c:v>2.8</c:v>
+                  <c:v>0.983157894736842</c:v>
+                </c:pt>
+                <c:pt idx="4">
+                  <c:v>0.833333333333333</c:v>
+                </c:pt>
+                <c:pt idx="5">
+                  <c:v>0.958721704394141</c:v>
+                </c:pt>
+                <c:pt idx="6">
+                  <c:v>0.962121212121212</c:v>
+                </c:pt>
+                <c:pt idx="7">
+                  <c:v>0.945439739413681</c:v>
+                </c:pt>
+                <c:pt idx="8">
+                  <c:v>0.961500493583416</c:v>
                 </c:pt>
               </c:numCache>
             </c:numRef>
@@ -330,31 +361,31 @@
                 <c:formatCode>General</c:formatCode>
                 <c:ptCount val="9"/>
                 <c:pt idx="0">
-                  <c:v>1</c:v>
+                  <c:v>1.0</c:v>
                 </c:pt>
                 <c:pt idx="1">
-                  <c:v>2</c:v>
+                  <c:v>2.0</c:v>
                 </c:pt>
                 <c:pt idx="2">
-                  <c:v>3</c:v>
+                  <c:v>3.0</c:v>
                 </c:pt>
                 <c:pt idx="3">
-                  <c:v>4</c:v>
+                  <c:v>4.0</c:v>
                 </c:pt>
                 <c:pt idx="4">
-                  <c:v>5</c:v>
+                  <c:v>5.0</c:v>
                 </c:pt>
                 <c:pt idx="5">
-                  <c:v>6</c:v>
+                  <c:v>6.0</c:v>
                 </c:pt>
                 <c:pt idx="6">
-                  <c:v>7</c:v>
+                  <c:v>7.0</c:v>
                 </c:pt>
                 <c:pt idx="7">
-                  <c:v>8</c:v>
+                  <c:v>8.0</c:v>
                 </c:pt>
                 <c:pt idx="8">
-                  <c:v>9</c:v>
+                  <c:v>9.0</c:v>
                 </c:pt>
               </c:numCache>
             </c:numRef>
@@ -366,16 +397,31 @@
                 <c:formatCode>General</c:formatCode>
                 <c:ptCount val="9"/>
                 <c:pt idx="0">
-                  <c:v>2</c:v>
+                  <c:v>0.990867579908676</c:v>
                 </c:pt>
                 <c:pt idx="1">
-                  <c:v>2</c:v>
+                  <c:v>0.995560936238902</c:v>
                 </c:pt>
                 <c:pt idx="2">
-                  <c:v>3</c:v>
+                  <c:v>1.0</c:v>
                 </c:pt>
                 <c:pt idx="3">
-                  <c:v>5</c:v>
+                  <c:v>0.989473684210526</c:v>
+                </c:pt>
+                <c:pt idx="4">
+                  <c:v>0.952380952380952</c:v>
+                </c:pt>
+                <c:pt idx="5">
+                  <c:v>0.978695073235686</c:v>
+                </c:pt>
+                <c:pt idx="6">
+                  <c:v>0.96969696969697</c:v>
+                </c:pt>
+                <c:pt idx="7">
+                  <c:v>0.95928338762215</c:v>
+                </c:pt>
+                <c:pt idx="8">
+                  <c:v>0.977295162882527</c:v>
                 </c:pt>
               </c:numCache>
             </c:numRef>
@@ -390,11 +436,11 @@
           <c:showBubbleSize val="0"/>
         </c:dLbls>
         <c:gapWidth val="150"/>
-        <c:axId val="258599392"/>
-        <c:axId val="258601744"/>
+        <c:axId val="2108701368"/>
+        <c:axId val="2029359720"/>
       </c:barChart>
       <c:catAx>
-        <c:axId val="258599392"/>
+        <c:axId val="2108701368"/>
         <c:scaling>
           <c:orientation val="minMax"/>
         </c:scaling>
@@ -404,7 +450,7 @@
         <c:majorTickMark val="out"/>
         <c:minorTickMark val="none"/>
         <c:tickLblPos val="nextTo"/>
-        <c:crossAx val="258601744"/>
+        <c:crossAx val="2029359720"/>
         <c:crosses val="autoZero"/>
         <c:auto val="1"/>
         <c:lblAlgn val="ctr"/>
@@ -412,7 +458,7 @@
         <c:noMultiLvlLbl val="0"/>
       </c:catAx>
       <c:valAx>
-        <c:axId val="258601744"/>
+        <c:axId val="2029359720"/>
         <c:scaling>
           <c:orientation val="minMax"/>
         </c:scaling>
@@ -423,7 +469,7 @@
         <c:majorTickMark val="out"/>
         <c:minorTickMark val="none"/>
         <c:tickLblPos val="nextTo"/>
-        <c:crossAx val="258599392"/>
+        <c:crossAx val="2108701368"/>
         <c:crosses val="autoZero"/>
         <c:crossBetween val="between"/>
       </c:valAx>
@@ -453,6 +499,364 @@
 </c:chartSpace>
 </file>
 
+<file path=ppt/charts/chart2.xml><?xml version="1.0" encoding="utf-8"?>
+<c:chartSpace xmlns:c="http://schemas.openxmlformats.org/drawingml/2006/chart" xmlns:a="http://schemas.openxmlformats.org/drawingml/2006/main" xmlns:r="http://schemas.openxmlformats.org/officeDocument/2006/relationships">
+  <c:date1904 val="0"/>
+  <c:lang val="en-US"/>
+  <c:roundedCorners val="0"/>
+  <mc:AlternateContent xmlns:mc="http://schemas.openxmlformats.org/markup-compatibility/2006">
+    <mc:Choice xmlns:c14="http://schemas.microsoft.com/office/drawing/2007/8/2/chart" Requires="c14">
+      <c14:style val="118"/>
+    </mc:Choice>
+    <mc:Fallback>
+      <c:style val="18"/>
+    </mc:Fallback>
+  </mc:AlternateContent>
+  <c:clrMapOvr bg1="lt1" tx1="dk1" bg2="lt2" tx2="dk2" accent1="accent1" accent2="accent2" accent3="accent3" accent4="accent4" accent5="accent5" accent6="accent6" hlink="hlink" folHlink="folHlink"/>
+  <c:chart>
+    <c:autoTitleDeleted val="0"/>
+    <c:plotArea>
+      <c:layout/>
+      <c:barChart>
+        <c:barDir val="col"/>
+        <c:grouping val="clustered"/>
+        <c:varyColors val="0"/>
+        <c:ser>
+          <c:idx val="0"/>
+          <c:order val="0"/>
+          <c:tx>
+            <c:strRef>
+              <c:f>Sheet1!$B$1</c:f>
+              <c:strCache>
+                <c:ptCount val="1"/>
+                <c:pt idx="0">
+                  <c:v>Naïve Bayes</c:v>
+                </c:pt>
+              </c:strCache>
+            </c:strRef>
+          </c:tx>
+          <c:invertIfNegative val="0"/>
+          <c:cat>
+            <c:numRef>
+              <c:f>Sheet1!$A$2:$A$10</c:f>
+              <c:numCache>
+                <c:formatCode>General</c:formatCode>
+                <c:ptCount val="9"/>
+                <c:pt idx="0">
+                  <c:v>1.0</c:v>
+                </c:pt>
+                <c:pt idx="1">
+                  <c:v>2.0</c:v>
+                </c:pt>
+                <c:pt idx="2">
+                  <c:v>3.0</c:v>
+                </c:pt>
+                <c:pt idx="3">
+                  <c:v>4.0</c:v>
+                </c:pt>
+                <c:pt idx="4">
+                  <c:v>5.0</c:v>
+                </c:pt>
+                <c:pt idx="5">
+                  <c:v>6.0</c:v>
+                </c:pt>
+                <c:pt idx="6">
+                  <c:v>7.0</c:v>
+                </c:pt>
+                <c:pt idx="7">
+                  <c:v>8.0</c:v>
+                </c:pt>
+                <c:pt idx="8">
+                  <c:v>9.0</c:v>
+                </c:pt>
+              </c:numCache>
+            </c:numRef>
+          </c:cat>
+          <c:val>
+            <c:numRef>
+              <c:f>Sheet1!$B$2:$B$10</c:f>
+              <c:numCache>
+                <c:formatCode>General</c:formatCode>
+                <c:ptCount val="9"/>
+                <c:pt idx="0">
+                  <c:v>0.63140817650876</c:v>
+                </c:pt>
+                <c:pt idx="1">
+                  <c:v>0.953591606133979</c:v>
+                </c:pt>
+                <c:pt idx="2">
+                  <c:v>0.987083616587356</c:v>
+                </c:pt>
+                <c:pt idx="3">
+                  <c:v>0.995789473684211</c:v>
+                </c:pt>
+                <c:pt idx="4">
+                  <c:v>0.714285714285714</c:v>
+                </c:pt>
+                <c:pt idx="5">
+                  <c:v>0.716378162450067</c:v>
+                </c:pt>
+                <c:pt idx="6">
+                  <c:v>0.811557788944724</c:v>
+                </c:pt>
+                <c:pt idx="7">
+                  <c:v>0.649022801302931</c:v>
+                </c:pt>
+                <c:pt idx="8">
+                  <c:v>0.808489634748272</c:v>
+                </c:pt>
+              </c:numCache>
+            </c:numRef>
+          </c:val>
+        </c:ser>
+        <c:ser>
+          <c:idx val="1"/>
+          <c:order val="1"/>
+          <c:tx>
+            <c:strRef>
+              <c:f>Sheet1!$C$1</c:f>
+              <c:strCache>
+                <c:ptCount val="1"/>
+                <c:pt idx="0">
+                  <c:v>Decision Tree</c:v>
+                </c:pt>
+              </c:strCache>
+            </c:strRef>
+          </c:tx>
+          <c:invertIfNegative val="0"/>
+          <c:cat>
+            <c:numRef>
+              <c:f>Sheet1!$A$2:$A$10</c:f>
+              <c:numCache>
+                <c:formatCode>General</c:formatCode>
+                <c:ptCount val="9"/>
+                <c:pt idx="0">
+                  <c:v>1.0</c:v>
+                </c:pt>
+                <c:pt idx="1">
+                  <c:v>2.0</c:v>
+                </c:pt>
+                <c:pt idx="2">
+                  <c:v>3.0</c:v>
+                </c:pt>
+                <c:pt idx="3">
+                  <c:v>4.0</c:v>
+                </c:pt>
+                <c:pt idx="4">
+                  <c:v>5.0</c:v>
+                </c:pt>
+                <c:pt idx="5">
+                  <c:v>6.0</c:v>
+                </c:pt>
+                <c:pt idx="6">
+                  <c:v>7.0</c:v>
+                </c:pt>
+                <c:pt idx="7">
+                  <c:v>8.0</c:v>
+                </c:pt>
+                <c:pt idx="8">
+                  <c:v>9.0</c:v>
+                </c:pt>
+              </c:numCache>
+            </c:numRef>
+          </c:cat>
+          <c:val>
+            <c:numRef>
+              <c:f>Sheet1!$C$2:$C$10</c:f>
+              <c:numCache>
+                <c:formatCode>General</c:formatCode>
+                <c:ptCount val="9"/>
+                <c:pt idx="0">
+                  <c:v>0.959766385463984</c:v>
+                </c:pt>
+                <c:pt idx="1">
+                  <c:v>0.985068603712671</c:v>
+                </c:pt>
+                <c:pt idx="2">
+                  <c:v>0.99524133242692</c:v>
+                </c:pt>
+                <c:pt idx="3">
+                  <c:v>0.972631578947368</c:v>
+                </c:pt>
+                <c:pt idx="4">
+                  <c:v>0.523809523809524</c:v>
+                </c:pt>
+                <c:pt idx="5">
+                  <c:v>0.910785619174434</c:v>
+                </c:pt>
+                <c:pt idx="6">
+                  <c:v>0.899497487437186</c:v>
+                </c:pt>
+                <c:pt idx="7">
+                  <c:v>0.877850162866449</c:v>
+                </c:pt>
+                <c:pt idx="8">
+                  <c:v>0.978282329713722</c:v>
+                </c:pt>
+              </c:numCache>
+            </c:numRef>
+          </c:val>
+        </c:ser>
+        <c:ser>
+          <c:idx val="2"/>
+          <c:order val="2"/>
+          <c:tx>
+            <c:strRef>
+              <c:f>Sheet1!$D$1</c:f>
+              <c:strCache>
+                <c:ptCount val="1"/>
+                <c:pt idx="0">
+                  <c:v>Linear SVM</c:v>
+                </c:pt>
+              </c:strCache>
+            </c:strRef>
+          </c:tx>
+          <c:invertIfNegative val="0"/>
+          <c:cat>
+            <c:numRef>
+              <c:f>Sheet1!$A$2:$A$10</c:f>
+              <c:numCache>
+                <c:formatCode>General</c:formatCode>
+                <c:ptCount val="9"/>
+                <c:pt idx="0">
+                  <c:v>1.0</c:v>
+                </c:pt>
+                <c:pt idx="1">
+                  <c:v>2.0</c:v>
+                </c:pt>
+                <c:pt idx="2">
+                  <c:v>3.0</c:v>
+                </c:pt>
+                <c:pt idx="3">
+                  <c:v>4.0</c:v>
+                </c:pt>
+                <c:pt idx="4">
+                  <c:v>5.0</c:v>
+                </c:pt>
+                <c:pt idx="5">
+                  <c:v>6.0</c:v>
+                </c:pt>
+                <c:pt idx="6">
+                  <c:v>7.0</c:v>
+                </c:pt>
+                <c:pt idx="7">
+                  <c:v>8.0</c:v>
+                </c:pt>
+                <c:pt idx="8">
+                  <c:v>9.0</c:v>
+                </c:pt>
+              </c:numCache>
+            </c:numRef>
+          </c:cat>
+          <c:val>
+            <c:numRef>
+              <c:f>Sheet1!$D$2:$D$10</c:f>
+              <c:numCache>
+                <c:formatCode>General</c:formatCode>
+                <c:ptCount val="9"/>
+                <c:pt idx="0">
+                  <c:v>0.966255678131084</c:v>
+                </c:pt>
+                <c:pt idx="1">
+                  <c:v>0.991121872477805</c:v>
+                </c:pt>
+                <c:pt idx="2">
+                  <c:v>0.99762066621346</c:v>
+                </c:pt>
+                <c:pt idx="3">
+                  <c:v>0.981052631578947</c:v>
+                </c:pt>
+                <c:pt idx="4">
+                  <c:v>0.785714285714286</c:v>
+                </c:pt>
+                <c:pt idx="5">
+                  <c:v>0.92410119840213</c:v>
+                </c:pt>
+                <c:pt idx="6">
+                  <c:v>0.937185929648241</c:v>
+                </c:pt>
+                <c:pt idx="7">
+                  <c:v>0.912866449511401</c:v>
+                </c:pt>
+                <c:pt idx="8">
+                  <c:v>0.990128331688055</c:v>
+                </c:pt>
+              </c:numCache>
+            </c:numRef>
+          </c:val>
+        </c:ser>
+        <c:dLbls>
+          <c:showLegendKey val="0"/>
+          <c:showVal val="0"/>
+          <c:showCatName val="0"/>
+          <c:showSerName val="0"/>
+          <c:showPercent val="0"/>
+          <c:showBubbleSize val="0"/>
+        </c:dLbls>
+        <c:gapWidth val="150"/>
+        <c:axId val="2129467848"/>
+        <c:axId val="2129542424"/>
+      </c:barChart>
+      <c:catAx>
+        <c:axId val="2129467848"/>
+        <c:scaling>
+          <c:orientation val="minMax"/>
+        </c:scaling>
+        <c:delete val="0"/>
+        <c:axPos val="b"/>
+        <c:numFmt formatCode="General" sourceLinked="1"/>
+        <c:majorTickMark val="out"/>
+        <c:minorTickMark val="none"/>
+        <c:tickLblPos val="nextTo"/>
+        <c:crossAx val="2129542424"/>
+        <c:crosses val="autoZero"/>
+        <c:auto val="1"/>
+        <c:lblAlgn val="ctr"/>
+        <c:lblOffset val="100"/>
+        <c:noMultiLvlLbl val="0"/>
+      </c:catAx>
+      <c:valAx>
+        <c:axId val="2129542424"/>
+        <c:scaling>
+          <c:orientation val="minMax"/>
+        </c:scaling>
+        <c:delete val="0"/>
+        <c:axPos val="l"/>
+        <c:majorGridlines/>
+        <c:numFmt formatCode="General" sourceLinked="1"/>
+        <c:majorTickMark val="out"/>
+        <c:minorTickMark val="none"/>
+        <c:tickLblPos val="nextTo"/>
+        <c:crossAx val="2129467848"/>
+        <c:crosses val="autoZero"/>
+        <c:crossBetween val="between"/>
+      </c:valAx>
+    </c:plotArea>
+    <c:legend>
+      <c:legendPos val="r"/>
+      <c:layout/>
+      <c:overlay val="0"/>
+    </c:legend>
+    <c:plotVisOnly val="1"/>
+    <c:dispBlanksAs val="gap"/>
+    <c:showDLblsOverMax val="0"/>
+  </c:chart>
+  <c:txPr>
+    <a:bodyPr/>
+    <a:lstStyle/>
+    <a:p>
+      <a:pPr>
+        <a:defRPr sz="1800"/>
+      </a:pPr>
+      <a:endParaRPr lang="en-US"/>
+    </a:p>
+  </c:txPr>
+  <c:externalData r:id="rId2">
+    <c:autoUpdate val="0"/>
+  </c:externalData>
+</c:chartSpace>
+</file>
+
 <file path=ppt/notesMasters/notesMaster1.xml><?xml version="1.0" encoding="utf-8"?>
 <p:notesMaster xmlns:a="http://schemas.openxmlformats.org/drawingml/2006/main" xmlns:r="http://schemas.openxmlformats.org/officeDocument/2006/relationships" xmlns:p="http://schemas.openxmlformats.org/presentationml/2006/main">
   <p:cSld>
@@ -534,7 +938,7 @@
           </a:lstStyle>
           <a:p>
             <a:fld id="{39CE09AA-AD7C-FB46-BD3E-8A7CAFD3B56A}" type="datetimeFigureOut">
-              <a:t>4/19/2015</a:t>
+              <a:t>4/20/15</a:t>
             </a:fld>
             <a:endParaRPr lang="en-US"/>
           </a:p>
@@ -1112,6 +1516,90 @@
 </p:notes>
 </file>
 
+<file path=ppt/notesSlides/notesSlide4.xml><?xml version="1.0" encoding="utf-8"?>
+<p:notes xmlns:a="http://schemas.openxmlformats.org/drawingml/2006/main" xmlns:r="http://schemas.openxmlformats.org/officeDocument/2006/relationships" xmlns:p="http://schemas.openxmlformats.org/presentationml/2006/main">
+  <p:cSld>
+    <p:spTree>
+      <p:nvGrpSpPr>
+        <p:cNvPr id="1" name=""/>
+        <p:cNvGrpSpPr/>
+        <p:nvPr/>
+      </p:nvGrpSpPr>
+      <p:grpSpPr>
+        <a:xfrm>
+          <a:off x="0" y="0"/>
+          <a:ext cx="0" cy="0"/>
+          <a:chOff x="0" y="0"/>
+          <a:chExt cx="0" cy="0"/>
+        </a:xfrm>
+      </p:grpSpPr>
+      <p:sp>
+        <p:nvSpPr>
+          <p:cNvPr id="2" name="Slide Image Placeholder 1"/>
+          <p:cNvSpPr>
+            <a:spLocks noGrp="1" noRot="1" noChangeAspect="1"/>
+          </p:cNvSpPr>
+          <p:nvPr>
+            <p:ph type="sldImg"/>
+          </p:nvPr>
+        </p:nvSpPr>
+        <p:spPr/>
+      </p:sp>
+      <p:sp>
+        <p:nvSpPr>
+          <p:cNvPr id="3" name="Notes Placeholder 2"/>
+          <p:cNvSpPr>
+            <a:spLocks noGrp="1"/>
+          </p:cNvSpPr>
+          <p:nvPr>
+            <p:ph type="body" idx="1"/>
+          </p:nvPr>
+        </p:nvSpPr>
+        <p:spPr/>
+        <p:txBody>
+          <a:bodyPr/>
+          <a:lstStyle/>
+          <a:p>
+            <a:endParaRPr lang="en-US" dirty="0"/>
+          </a:p>
+        </p:txBody>
+      </p:sp>
+      <p:sp>
+        <p:nvSpPr>
+          <p:cNvPr id="4" name="Slide Number Placeholder 3"/>
+          <p:cNvSpPr>
+            <a:spLocks noGrp="1"/>
+          </p:cNvSpPr>
+          <p:nvPr>
+            <p:ph type="sldNum" sz="quarter" idx="10"/>
+          </p:nvPr>
+        </p:nvSpPr>
+        <p:spPr/>
+        <p:txBody>
+          <a:bodyPr/>
+          <a:lstStyle/>
+          <a:p>
+            <a:fld id="{105E4F03-3A6B-1C4F-BA6D-3251BD796185}" type="slidenum">
+              <a:rPr lang="en-US" smtClean="0"/>
+              <a:t>14</a:t>
+            </a:fld>
+            <a:endParaRPr lang="en-US"/>
+          </a:p>
+        </p:txBody>
+      </p:sp>
+    </p:spTree>
+    <p:extLst>
+      <p:ext uri="{BB962C8B-B14F-4D97-AF65-F5344CB8AC3E}">
+        <p14:creationId xmlns:p14="http://schemas.microsoft.com/office/powerpoint/2010/main" val="160932342"/>
+      </p:ext>
+    </p:extLst>
+  </p:cSld>
+  <p:clrMapOvr>
+    <a:masterClrMapping/>
+  </p:clrMapOvr>
+</p:notes>
+</file>
+
 <file path=ppt/slideLayouts/slideLayout1.xml><?xml version="1.0" encoding="utf-8"?>
 <p:sldLayout xmlns:a="http://schemas.openxmlformats.org/drawingml/2006/main" xmlns:r="http://schemas.openxmlformats.org/officeDocument/2006/relationships" xmlns:p="http://schemas.openxmlformats.org/presentationml/2006/main" type="title" preserve="1">
   <p:cSld name="Title Slide">
@@ -1300,7 +1788,7 @@
           <a:p>
             <a:fld id="{6BFECD78-3C8E-49F2-8FAB-59489D168ABB}" type="datetimeFigureOut">
               <a:rPr lang="en-US" smtClean="0"/>
-              <a:t>4/19/2015</a:t>
+              <a:t>4/20/15</a:t>
             </a:fld>
             <a:endParaRPr lang="en-US"/>
           </a:p>
@@ -1500,7 +1988,7 @@
           <a:p>
             <a:fld id="{6BFECD78-3C8E-49F2-8FAB-59489D168ABB}" type="datetimeFigureOut">
               <a:rPr lang="en-US" smtClean="0"/>
-              <a:t>4/19/2015</a:t>
+              <a:t>4/20/15</a:t>
             </a:fld>
             <a:endParaRPr lang="en-US"/>
           </a:p>
@@ -1675,7 +2163,7 @@
           <a:p>
             <a:fld id="{6BFECD78-3C8E-49F2-8FAB-59489D168ABB}" type="datetimeFigureOut">
               <a:rPr lang="en-US" smtClean="0"/>
-              <a:t>4/19/2015</a:t>
+              <a:t>4/20/15</a:t>
             </a:fld>
             <a:endParaRPr lang="en-US"/>
           </a:p>
@@ -1840,7 +2328,7 @@
           <a:p>
             <a:fld id="{6BFECD78-3C8E-49F2-8FAB-59489D168ABB}" type="datetimeFigureOut">
               <a:rPr lang="en-US" smtClean="0"/>
-              <a:t>4/19/2015</a:t>
+              <a:t>4/20/15</a:t>
             </a:fld>
             <a:endParaRPr lang="en-US"/>
           </a:p>
@@ -2088,7 +2576,7 @@
           <a:p>
             <a:fld id="{6BFECD78-3C8E-49F2-8FAB-59489D168ABB}" type="datetimeFigureOut">
               <a:rPr lang="en-US" smtClean="0"/>
-              <a:t>4/19/2015</a:t>
+              <a:t>4/20/15</a:t>
             </a:fld>
             <a:endParaRPr lang="en-US"/>
           </a:p>
@@ -2406,7 +2894,7 @@
           <a:p>
             <a:fld id="{6BFECD78-3C8E-49F2-8FAB-59489D168ABB}" type="datetimeFigureOut">
               <a:rPr lang="en-US" smtClean="0"/>
-              <a:t>4/19/2015</a:t>
+              <a:t>4/20/15</a:t>
             </a:fld>
             <a:endParaRPr lang="en-US"/>
           </a:p>
@@ -2872,7 +3360,7 @@
           <a:p>
             <a:fld id="{6BFECD78-3C8E-49F2-8FAB-59489D168ABB}" type="datetimeFigureOut">
               <a:rPr lang="en-US" smtClean="0"/>
-              <a:t>4/19/2015</a:t>
+              <a:t>4/20/15</a:t>
             </a:fld>
             <a:endParaRPr lang="en-US"/>
           </a:p>
@@ -3020,7 +3508,7 @@
           <a:p>
             <a:fld id="{6BFECD78-3C8E-49F2-8FAB-59489D168ABB}" type="datetimeFigureOut">
               <a:rPr lang="en-US" smtClean="0"/>
-              <a:t>4/19/2015</a:t>
+              <a:t>4/20/15</a:t>
             </a:fld>
             <a:endParaRPr lang="en-US"/>
           </a:p>
@@ -3110,7 +3598,7 @@
           <a:p>
             <a:fld id="{6BFECD78-3C8E-49F2-8FAB-59489D168ABB}" type="datetimeFigureOut">
               <a:rPr lang="en-US" smtClean="0"/>
-              <a:t>4/19/2015</a:t>
+              <a:t>4/20/15</a:t>
             </a:fld>
             <a:endParaRPr lang="en-US"/>
           </a:p>
@@ -3384,7 +3872,7 @@
           <a:p>
             <a:fld id="{6BFECD78-3C8E-49F2-8FAB-59489D168ABB}" type="datetimeFigureOut">
               <a:rPr lang="en-US" smtClean="0"/>
-              <a:t>4/19/2015</a:t>
+              <a:t>4/20/15</a:t>
             </a:fld>
             <a:endParaRPr lang="en-US"/>
           </a:p>
@@ -3689,7 +4177,7 @@
           <a:p>
             <a:fld id="{6BFECD78-3C8E-49F2-8FAB-59489D168ABB}" type="datetimeFigureOut">
               <a:rPr lang="en-US" smtClean="0"/>
-              <a:t>4/19/2015</a:t>
+              <a:t>4/20/15</a:t>
             </a:fld>
             <a:endParaRPr lang="en-US"/>
           </a:p>
@@ -3987,7 +4475,7 @@
           <a:p>
             <a:fld id="{6BFECD78-3C8E-49F2-8FAB-59489D168ABB}" type="datetimeFigureOut">
               <a:rPr lang="en-US" smtClean="0"/>
-              <a:t>4/19/2015</a:t>
+              <a:t>4/20/15</a:t>
             </a:fld>
             <a:endParaRPr lang="en-US"/>
           </a:p>
@@ -5399,7 +5887,7 @@
       </p:sp>
       <p:graphicFrame>
         <p:nvGraphicFramePr>
-          <p:cNvPr id="5" name="Content Placeholder 8"/>
+          <p:cNvPr id="6" name="Content Placeholder 8"/>
           <p:cNvGraphicFramePr>
             <a:graphicFrameLocks noGrp="1"/>
           </p:cNvGraphicFramePr>
@@ -5407,14 +5895,14 @@
             <p:ph idx="1"/>
             <p:extLst>
               <p:ext uri="{D42A27DB-BD31-4B8C-83A1-F6EECF244321}">
-                <p14:modId xmlns:p14="http://schemas.microsoft.com/office/powerpoint/2010/main" val="1215199859"/>
+                <p14:modId xmlns:p14="http://schemas.microsoft.com/office/powerpoint/2010/main" val="1660855915"/>
               </p:ext>
             </p:extLst>
           </p:nvPr>
         </p:nvGraphicFramePr>
         <p:xfrm>
-          <a:off x="589894" y="1865609"/>
-          <a:ext cx="7517098" cy="4490720"/>
+          <a:off x="804319" y="1865609"/>
+          <a:ext cx="7517098" cy="4206240"/>
         </p:xfrm>
         <a:graphic>
           <a:graphicData uri="http://schemas.openxmlformats.org/drawingml/2006/table">
@@ -5438,7 +5926,7 @@
                     <a:p>
                       <a:pPr algn="ctr"/>
                       <a:r>
-                        <a:rPr lang="en-US" b="0" dirty="0"/>
+                        <a:rPr lang="en-US" b="0"/>
                         <a:t>Classifier</a:t>
                       </a:r>
                     </a:p>
@@ -5787,14 +6275,14 @@
                     <a:p>
                       <a:pPr algn="ctr"/>
                       <a:r>
-                        <a:rPr lang="en-US" dirty="0"/>
+                        <a:rPr lang="en-US"/>
                         <a:t>Naïve</a:t>
                       </a:r>
                       <a:r>
-                        <a:rPr lang="en-US" baseline="0" dirty="0"/>
+                        <a:rPr lang="en-US" baseline="0"/>
                         <a:t> Bayes</a:t>
                       </a:r>
-                      <a:endParaRPr lang="en-US" dirty="0"/>
+                      <a:endParaRPr lang="en-US"/>
                     </a:p>
                   </a:txBody>
                   <a:tcPr anchor="ctr" anchorCtr="1">
@@ -6192,7 +6680,18 @@
                     <a:lstStyle/>
                     <a:p>
                       <a:pPr algn="ctr"/>
-                      <a:endParaRPr lang="en-US"/>
+                      <a:r>
+                        <a:rPr lang="en-US" dirty="0" smtClean="0"/>
+                        <a:t>16.9246</a:t>
+                      </a:r>
+                    </a:p>
+                    <a:p>
+                      <a:pPr algn="ctr"/>
+                      <a:r>
+                        <a:rPr lang="en-US" dirty="0" smtClean="0"/>
+                        <a:t>(1.0734)</a:t>
+                      </a:r>
+                      <a:endParaRPr lang="en-US" dirty="0"/>
                     </a:p>
                   </a:txBody>
                   <a:tcPr anchor="ctr" anchorCtr="1">
@@ -6240,7 +6739,18 @@
                     <a:lstStyle/>
                     <a:p>
                       <a:pPr algn="ctr"/>
-                      <a:endParaRPr lang="en-US"/>
+                      <a:r>
+                        <a:rPr lang="en-US" dirty="0" smtClean="0"/>
+                        <a:t>0.9190</a:t>
+                      </a:r>
+                    </a:p>
+                    <a:p>
+                      <a:pPr algn="ctr"/>
+                      <a:r>
+                        <a:rPr lang="en-US" dirty="0" smtClean="0"/>
+                        <a:t>(0.0183)</a:t>
+                      </a:r>
+                      <a:endParaRPr lang="en-US" dirty="0"/>
                     </a:p>
                   </a:txBody>
                   <a:tcPr anchor="ctr" anchorCtr="1">
@@ -6288,6 +6798,17 @@
                     <a:lstStyle/>
                     <a:p>
                       <a:pPr algn="ctr"/>
+                      <a:r>
+                        <a:rPr lang="en-US" dirty="0" smtClean="0"/>
+                        <a:t>0.8712</a:t>
+                      </a:r>
+                    </a:p>
+                    <a:p>
+                      <a:pPr algn="ctr"/>
+                      <a:r>
+                        <a:rPr lang="en-US" dirty="0" smtClean="0"/>
+                        <a:t>(0.0440)</a:t>
+                      </a:r>
                       <a:endParaRPr lang="en-US" dirty="0"/>
                     </a:p>
                   </a:txBody>
@@ -6336,6 +6857,17 @@
                     <a:lstStyle/>
                     <a:p>
                       <a:pPr algn="ctr"/>
+                      <a:r>
+                        <a:rPr lang="en-US" dirty="0" smtClean="0"/>
+                        <a:t>0.5656</a:t>
+                      </a:r>
+                    </a:p>
+                    <a:p>
+                      <a:pPr algn="ctr"/>
+                      <a:r>
+                        <a:rPr lang="en-US" dirty="0" smtClean="0"/>
+                        <a:t>(0.0694)</a:t>
+                      </a:r>
                       <a:endParaRPr lang="en-US" dirty="0"/>
                     </a:p>
                   </a:txBody>
@@ -6443,9 +6975,14 @@
                     <a:p>
                       <a:pPr algn="ctr"/>
                       <a:r>
-                        <a:rPr lang="en-US"/>
-                        <a:t>.asm</a:t>
+                        <a:rPr lang="en-US" dirty="0"/>
+                        <a:t>.</a:t>
                       </a:r>
+                      <a:r>
+                        <a:rPr lang="en-US" dirty="0" err="1"/>
+                        <a:t>asm</a:t>
+                      </a:r>
+                      <a:endParaRPr lang="en-US" dirty="0"/>
                     </a:p>
                   </a:txBody>
                   <a:tcPr anchor="ctr" anchorCtr="1">
@@ -6792,7 +7329,18 @@
                     <a:lstStyle/>
                     <a:p>
                       <a:pPr algn="ctr"/>
-                      <a:endParaRPr lang="en-US"/>
+                      <a:r>
+                        <a:rPr lang="en-US" dirty="0" smtClean="0"/>
+                        <a:t>2.1099</a:t>
+                      </a:r>
+                    </a:p>
+                    <a:p>
+                      <a:pPr algn="ctr"/>
+                      <a:r>
+                        <a:rPr lang="en-US" dirty="0" smtClean="0"/>
+                        <a:t>(0.3327)</a:t>
+                      </a:r>
+                      <a:endParaRPr lang="en-US" dirty="0"/>
                     </a:p>
                   </a:txBody>
                   <a:tcPr anchor="ctr" anchorCtr="1">
@@ -6840,7 +7388,18 @@
                     <a:lstStyle/>
                     <a:p>
                       <a:pPr algn="ctr"/>
-                      <a:endParaRPr lang="en-US"/>
+                      <a:r>
+                        <a:rPr lang="en-US" dirty="0" smtClean="0"/>
+                        <a:t>0.9923</a:t>
+                      </a:r>
+                    </a:p>
+                    <a:p>
+                      <a:pPr algn="ctr"/>
+                      <a:r>
+                        <a:rPr lang="en-US" dirty="0" smtClean="0"/>
+                        <a:t>(0.0092)</a:t>
+                      </a:r>
+                      <a:endParaRPr lang="en-US" dirty="0"/>
                     </a:p>
                   </a:txBody>
                   <a:tcPr anchor="ctr" anchorCtr="1">
@@ -6888,7 +7447,18 @@
                     <a:lstStyle/>
                     <a:p>
                       <a:pPr algn="ctr"/>
-                      <a:endParaRPr lang="en-US"/>
+                      <a:r>
+                        <a:rPr lang="en-US" dirty="0" smtClean="0"/>
+                        <a:t>0.9831</a:t>
+                      </a:r>
+                    </a:p>
+                    <a:p>
+                      <a:pPr algn="ctr"/>
+                      <a:r>
+                        <a:rPr lang="en-US" dirty="0" smtClean="0"/>
+                        <a:t>(0.0102)</a:t>
+                      </a:r>
+                      <a:endParaRPr lang="en-US" dirty="0"/>
                     </a:p>
                   </a:txBody>
                   <a:tcPr anchor="ctr" anchorCtr="1">
@@ -6936,7 +7506,18 @@
                     <a:lstStyle/>
                     <a:p>
                       <a:pPr algn="ctr"/>
-                      <a:endParaRPr lang="en-US"/>
+                      <a:r>
+                        <a:rPr lang="en-US" dirty="0" smtClean="0"/>
+                        <a:t>0.9804</a:t>
+                      </a:r>
+                    </a:p>
+                    <a:p>
+                      <a:pPr algn="ctr"/>
+                      <a:r>
+                        <a:rPr lang="en-US" dirty="0" smtClean="0"/>
+                        <a:t>(0.0157)</a:t>
+                      </a:r>
+                      <a:endParaRPr lang="en-US" dirty="0"/>
                     </a:p>
                   </a:txBody>
                   <a:tcPr anchor="ctr" anchorCtr="1">
@@ -7387,7 +7968,22 @@
                     <a:lstStyle/>
                     <a:p>
                       <a:pPr algn="ctr"/>
-                      <a:endParaRPr lang="en-US"/>
+                      <a:r>
+                        <a:rPr lang="en-US" smtClean="0"/>
+                        <a:t>1.2254</a:t>
+                      </a:r>
+                    </a:p>
+                    <a:p>
+                      <a:pPr algn="ctr"/>
+                      <a:r>
+                        <a:rPr lang="en-US" smtClean="0"/>
+                        <a:t>(</a:t>
+                      </a:r>
+                      <a:r>
+                        <a:rPr lang="en-US" dirty="0" smtClean="0"/>
+                        <a:t>0.1235)</a:t>
+                      </a:r>
+                      <a:endParaRPr lang="en-US" dirty="0"/>
                     </a:p>
                   </a:txBody>
                   <a:tcPr anchor="ctr" anchorCtr="1">
@@ -7494,7 +8090,18 @@
                     <a:lstStyle/>
                     <a:p>
                       <a:pPr algn="ctr"/>
-                      <a:endParaRPr lang="en-US"/>
+                      <a:r>
+                        <a:rPr lang="en-US" dirty="0" smtClean="0"/>
+                        <a:t>0.9890</a:t>
+                      </a:r>
+                    </a:p>
+                    <a:p>
+                      <a:pPr algn="ctr"/>
+                      <a:r>
+                        <a:rPr lang="en-US" dirty="0" smtClean="0"/>
+                        <a:t>(0.0081)</a:t>
+                      </a:r>
+                      <a:endParaRPr lang="en-US" dirty="0"/>
                     </a:p>
                   </a:txBody>
                   <a:tcPr anchor="ctr" anchorCtr="1">
@@ -7542,6 +8149,17 @@
                     <a:lstStyle/>
                     <a:p>
                       <a:pPr algn="ctr"/>
+                      <a:r>
+                        <a:rPr lang="en-US" dirty="0" smtClean="0"/>
+                        <a:t>0.9909</a:t>
+                      </a:r>
+                    </a:p>
+                    <a:p>
+                      <a:pPr algn="ctr"/>
+                      <a:r>
+                        <a:rPr lang="en-US" dirty="0" smtClean="0"/>
+                        <a:t>(0.0077)</a:t>
+                      </a:r>
                       <a:endParaRPr lang="en-US" dirty="0"/>
                     </a:p>
                   </a:txBody>
@@ -7629,35 +8247,24 @@
             <p:ph type="title"/>
           </p:nvPr>
         </p:nvSpPr>
-        <p:spPr/>
-        <p:txBody>
-          <a:bodyPr/>
+        <p:spPr>
+          <a:xfrm>
+            <a:off x="457200" y="549895"/>
+            <a:ext cx="8229600" cy="990600"/>
+          </a:xfrm>
+        </p:spPr>
+        <p:txBody>
+          <a:bodyPr>
+            <a:normAutofit/>
+          </a:bodyPr>
           <a:lstStyle/>
           <a:p>
+            <a:pPr algn="ctr"/>
             <a:r>
               <a:rPr lang="en-US" dirty="0" smtClean="0"/>
-              <a:t>Histogram (Label/Classifier)</a:t>
+              <a:t>Class Accuracy (N-Grams)</a:t>
             </a:r>
             <a:endParaRPr lang="en-US" dirty="0"/>
-          </a:p>
-        </p:txBody>
-      </p:sp>
-      <p:sp>
-        <p:nvSpPr>
-          <p:cNvPr id="3" name="Content Placeholder 2"/>
-          <p:cNvSpPr>
-            <a:spLocks noGrp="1"/>
-          </p:cNvSpPr>
-          <p:nvPr>
-            <p:ph idx="1"/>
-          </p:nvPr>
-        </p:nvSpPr>
-        <p:spPr/>
-        <p:txBody>
-          <a:bodyPr/>
-          <a:lstStyle/>
-          <a:p>
-            <a:endParaRPr lang="en-US"/>
           </a:p>
         </p:txBody>
       </p:sp>
@@ -7670,18 +8277,18 @@
           <p:nvPr>
             <p:extLst>
               <p:ext uri="{D42A27DB-BD31-4B8C-83A1-F6EECF244321}">
-                <p14:modId xmlns:p14="http://schemas.microsoft.com/office/powerpoint/2010/main" val="2790578419"/>
+                <p14:modId xmlns:p14="http://schemas.microsoft.com/office/powerpoint/2010/main" val="2781463604"/>
               </p:ext>
             </p:extLst>
           </p:nvPr>
         </p:nvGraphicFramePr>
         <p:xfrm>
-          <a:off x="457200" y="1600200"/>
+          <a:off x="457200" y="1854047"/>
           <a:ext cx="8229600" cy="4525963"/>
         </p:xfrm>
         <a:graphic>
           <a:graphicData uri="http://schemas.openxmlformats.org/drawingml/2006/chart">
-            <c:chart xmlns:c="http://schemas.openxmlformats.org/drawingml/2006/chart" xmlns:r="http://schemas.openxmlformats.org/officeDocument/2006/relationships" r:id="rId2"/>
+            <c:chart xmlns:c="http://schemas.openxmlformats.org/drawingml/2006/chart" xmlns:r="http://schemas.openxmlformats.org/officeDocument/2006/relationships" r:id="rId3"/>
           </a:graphicData>
         </a:graphic>
       </p:graphicFrame>
@@ -7727,40 +8334,48 @@
         </p:nvSpPr>
         <p:spPr/>
         <p:txBody>
-          <a:bodyPr/>
+          <a:bodyPr>
+            <a:normAutofit/>
+          </a:bodyPr>
           <a:lstStyle/>
           <a:p>
+            <a:pPr algn="ctr"/>
             <a:r>
               <a:rPr lang="en-US" dirty="0" smtClean="0"/>
-              <a:t>Questions?</a:t>
+              <a:t>Class Accuracy (API Strings)</a:t>
             </a:r>
             <a:endParaRPr lang="en-US" dirty="0"/>
           </a:p>
         </p:txBody>
       </p:sp>
-      <p:sp>
-        <p:nvSpPr>
-          <p:cNvPr id="3" name="Content Placeholder 2"/>
-          <p:cNvSpPr>
-            <a:spLocks noGrp="1"/>
-          </p:cNvSpPr>
-          <p:nvPr>
-            <p:ph idx="1"/>
-          </p:nvPr>
-        </p:nvSpPr>
-        <p:spPr/>
-        <p:txBody>
-          <a:bodyPr/>
-          <a:lstStyle/>
-          <a:p>
-            <a:endParaRPr lang="en-US"/>
-          </a:p>
-        </p:txBody>
-      </p:sp>
+      <p:graphicFrame>
+        <p:nvGraphicFramePr>
+          <p:cNvPr id="4" name="Content Placeholder 3"/>
+          <p:cNvGraphicFramePr>
+            <a:graphicFrameLocks/>
+          </p:cNvGraphicFramePr>
+          <p:nvPr>
+            <p:extLst>
+              <p:ext uri="{D42A27DB-BD31-4B8C-83A1-F6EECF244321}">
+                <p14:modId xmlns:p14="http://schemas.microsoft.com/office/powerpoint/2010/main" val="2202630526"/>
+              </p:ext>
+            </p:extLst>
+          </p:nvPr>
+        </p:nvGraphicFramePr>
+        <p:xfrm>
+          <a:off x="457200" y="1744855"/>
+          <a:ext cx="8229600" cy="4525963"/>
+        </p:xfrm>
+        <a:graphic>
+          <a:graphicData uri="http://schemas.openxmlformats.org/drawingml/2006/chart">
+            <c:chart xmlns:c="http://schemas.openxmlformats.org/drawingml/2006/chart" xmlns:r="http://schemas.openxmlformats.org/officeDocument/2006/relationships" r:id="rId2"/>
+          </a:graphicData>
+        </a:graphic>
+      </p:graphicFrame>
     </p:spTree>
     <p:extLst>
       <p:ext uri="{BB962C8B-B14F-4D97-AF65-F5344CB8AC3E}">
-        <p14:creationId xmlns:p14="http://schemas.microsoft.com/office/powerpoint/2010/main" val="3144057478"/>
+        <p14:creationId xmlns:p14="http://schemas.microsoft.com/office/powerpoint/2010/main" val="3960056594"/>
       </p:ext>
     </p:extLst>
   </p:cSld>
@@ -8181,6 +8796,65 @@
 </p:sld>
 </file>
 
+<file path=ppt/slides/slide17.xml><?xml version="1.0" encoding="utf-8"?>
+<p:sld xmlns:a="http://schemas.openxmlformats.org/drawingml/2006/main" xmlns:r="http://schemas.openxmlformats.org/officeDocument/2006/relationships" xmlns:p="http://schemas.openxmlformats.org/presentationml/2006/main">
+  <p:cSld>
+    <p:spTree>
+      <p:nvGrpSpPr>
+        <p:cNvPr id="1" name=""/>
+        <p:cNvGrpSpPr/>
+        <p:nvPr/>
+      </p:nvGrpSpPr>
+      <p:grpSpPr>
+        <a:xfrm>
+          <a:off x="0" y="0"/>
+          <a:ext cx="0" cy="0"/>
+          <a:chOff x="0" y="0"/>
+          <a:chExt cx="0" cy="0"/>
+        </a:xfrm>
+      </p:grpSpPr>
+      <p:sp>
+        <p:nvSpPr>
+          <p:cNvPr id="2" name="Title 1"/>
+          <p:cNvSpPr>
+            <a:spLocks noGrp="1"/>
+          </p:cNvSpPr>
+          <p:nvPr>
+            <p:ph type="title"/>
+          </p:nvPr>
+        </p:nvSpPr>
+        <p:spPr>
+          <a:xfrm>
+            <a:off x="457200" y="2545415"/>
+            <a:ext cx="8229600" cy="990600"/>
+          </a:xfrm>
+        </p:spPr>
+        <p:txBody>
+          <a:bodyPr/>
+          <a:lstStyle/>
+          <a:p>
+            <a:pPr algn="ctr"/>
+            <a:r>
+              <a:rPr lang="en-US" dirty="0" smtClean="0"/>
+              <a:t>Questions?</a:t>
+            </a:r>
+            <a:endParaRPr lang="en-US" dirty="0"/>
+          </a:p>
+        </p:txBody>
+      </p:sp>
+    </p:spTree>
+    <p:extLst>
+      <p:ext uri="{BB962C8B-B14F-4D97-AF65-F5344CB8AC3E}">
+        <p14:creationId xmlns:p14="http://schemas.microsoft.com/office/powerpoint/2010/main" val="3144057478"/>
+      </p:ext>
+    </p:extLst>
+  </p:cSld>
+  <p:clrMapOvr>
+    <a:masterClrMapping/>
+  </p:clrMapOvr>
+</p:sld>
+</file>
+
 <file path=ppt/slides/slide2.xml><?xml version="1.0" encoding="utf-8"?>
 <p:sld xmlns:a="http://schemas.openxmlformats.org/drawingml/2006/main" xmlns:r="http://schemas.openxmlformats.org/officeDocument/2006/relationships" xmlns:p="http://schemas.openxmlformats.org/presentationml/2006/main">
   <p:cSld>
@@ -8245,7 +8919,7 @@
               <a:buAutoNum type="arabicPeriod"/>
             </a:pPr>
             <a:r>
-              <a:rPr lang="en-US"/>
+              <a:rPr lang="en-US" dirty="0" smtClean="0"/>
               <a:t>Introduction</a:t>
             </a:r>
           </a:p>
@@ -8255,9 +8929,10 @@
               <a:buAutoNum type="arabicPeriod"/>
             </a:pPr>
             <a:r>
-              <a:rPr lang="en-US"/>
-              <a:t>Problem Definition </a:t>
-            </a:r>
+              <a:rPr lang="en-US" dirty="0" smtClean="0"/>
+              <a:t>Related Work</a:t>
+            </a:r>
+            <a:endParaRPr lang="en-US" dirty="0"/>
           </a:p>
           <a:p>
             <a:pPr marL="457200" indent="-457200">
@@ -8265,8 +8940,8 @@
               <a:buAutoNum type="arabicPeriod"/>
             </a:pPr>
             <a:r>
-              <a:rPr lang="en-US"/>
-              <a:t>File Content and Feature Extraction</a:t>
+              <a:rPr lang="en-US" dirty="0"/>
+              <a:t>Problem Definition </a:t>
             </a:r>
           </a:p>
           <a:p>
@@ -8275,8 +8950,8 @@
               <a:buAutoNum type="arabicPeriod"/>
             </a:pPr>
             <a:r>
-              <a:rPr lang="en-US"/>
-              <a:t>System Design and Classifiers</a:t>
+              <a:rPr lang="en-US" dirty="0"/>
+              <a:t>File Content and Feature Extraction</a:t>
             </a:r>
           </a:p>
           <a:p>
@@ -8285,8 +8960,12 @@
               <a:buAutoNum type="arabicPeriod"/>
             </a:pPr>
             <a:r>
-              <a:rPr lang="en-US"/>
-              <a:t>Experiment Evaluation</a:t>
+              <a:rPr lang="en-US" dirty="0"/>
+              <a:t>System </a:t>
+            </a:r>
+            <a:r>
+              <a:rPr lang="en-US" dirty="0" smtClean="0"/>
+              <a:t>Design</a:t>
             </a:r>
           </a:p>
           <a:p>
@@ -8295,8 +8974,12 @@
               <a:buAutoNum type="arabicPeriod"/>
             </a:pPr>
             <a:r>
-              <a:rPr lang="en-US"/>
-              <a:t>Conclusion</a:t>
+              <a:rPr lang="en-US" dirty="0" smtClean="0"/>
+              <a:t>Preliminary Experiment </a:t>
+            </a:r>
+            <a:r>
+              <a:rPr lang="en-US" dirty="0"/>
+              <a:t>Evaluation</a:t>
             </a:r>
           </a:p>
           <a:p>
@@ -8304,7 +8987,18 @@
               <a:buFont typeface="+mj-lt"/>
               <a:buAutoNum type="arabicPeriod"/>
             </a:pPr>
-            <a:endParaRPr lang="en-US"/>
+            <a:r>
+              <a:rPr lang="en-US" dirty="0" smtClean="0"/>
+              <a:t>References</a:t>
+            </a:r>
+            <a:endParaRPr lang="en-US" dirty="0"/>
+          </a:p>
+          <a:p>
+            <a:pPr marL="457200" indent="-457200">
+              <a:buFont typeface="+mj-lt"/>
+              <a:buAutoNum type="arabicPeriod"/>
+            </a:pPr>
+            <a:endParaRPr lang="en-US" dirty="0"/>
           </a:p>
         </p:txBody>
       </p:sp>
@@ -8378,12 +9072,12 @@
           <a:lstStyle/>
           <a:p>
             <a:r>
-              <a:rPr lang="en-US" dirty="0" err="1"/>
-              <a:t>Malicicous</a:t>
+              <a:rPr lang="en-US" dirty="0" smtClean="0"/>
+              <a:t>Malicious </a:t>
             </a:r>
             <a:r>
               <a:rPr lang="en-US" dirty="0"/>
-              <a:t> software (malware) </a:t>
+              <a:t>software (malware) </a:t>
             </a:r>
           </a:p>
           <a:p>
@@ -8393,12 +9087,12 @@
               <a:t>Internet worms, computer viruses, </a:t>
             </a:r>
             <a:r>
-              <a:rPr lang="en-US" dirty="0" err="1"/>
-              <a:t>trojan</a:t>
+              <a:rPr lang="en-US" dirty="0" smtClean="0"/>
+              <a:t>Trojan </a:t>
             </a:r>
             <a:r>
               <a:rPr lang="en-US" dirty="0"/>
-              <a:t> horses, etc. </a:t>
+              <a:t>horses, etc. </a:t>
             </a:r>
           </a:p>
           <a:p>
@@ -8709,7 +9403,7 @@
           <a:lstStyle/>
           <a:p>
             <a:r>
-              <a:rPr lang="en-US"/>
+              <a:rPr lang="en-US" dirty="0"/>
               <a:t>Problem Definition</a:t>
             </a:r>
           </a:p>
@@ -8725,73 +9419,88 @@
             <p:ph idx="1"/>
           </p:nvPr>
         </p:nvSpPr>
-        <p:spPr/>
+        <p:spPr>
+          <a:xfrm>
+            <a:off x="45720" y="1600200"/>
+            <a:ext cx="9052560" cy="4876800"/>
+          </a:xfrm>
+        </p:spPr>
         <p:txBody>
           <a:bodyPr/>
           <a:lstStyle/>
           <a:p>
             <a:r>
-              <a:rPr lang="en-US"/>
+              <a:rPr lang="en-US" dirty="0"/>
               <a:t>Input</a:t>
             </a:r>
           </a:p>
           <a:p>
             <a:pPr lvl="1"/>
             <a:r>
-              <a:rPr lang="en-US"/>
-              <a:t>10,868 malicious files (.asm and .bytes)</a:t>
+              <a:rPr lang="en-US" dirty="0"/>
+              <a:t>10,868 malicious files (.</a:t>
+            </a:r>
+            <a:r>
+              <a:rPr lang="en-US" dirty="0" err="1"/>
+              <a:t>asm</a:t>
+            </a:r>
+            <a:r>
+              <a:rPr lang="en-US" dirty="0"/>
+              <a:t> and .bytes)</a:t>
             </a:r>
           </a:p>
           <a:p>
             <a:pPr lvl="1"/>
             <a:r>
-              <a:rPr lang="en-US"/>
-              <a:t> 9 origin families</a:t>
-            </a:r>
+              <a:rPr lang="en-US" dirty="0"/>
+              <a:t> 9 origin </a:t>
+            </a:r>
+            <a:r>
+              <a:rPr lang="en-US" dirty="0" smtClean="0"/>
+              <a:t>families</a:t>
+            </a:r>
+          </a:p>
+          <a:p>
+            <a:pPr lvl="1"/>
+            <a:endParaRPr lang="en-US" dirty="0"/>
           </a:p>
           <a:p>
             <a:pPr marL="274320" lvl="1" indent="0">
               <a:buNone/>
             </a:pPr>
-            <a:endParaRPr lang="en-US"/>
+            <a:endParaRPr lang="en-US" dirty="0"/>
           </a:p>
           <a:p>
             <a:pPr marL="274320" lvl="1" indent="0">
               <a:buNone/>
             </a:pPr>
-            <a:endParaRPr lang="en-US"/>
+            <a:endParaRPr lang="en-US" dirty="0"/>
           </a:p>
           <a:p>
             <a:pPr marL="274320" lvl="1" indent="0">
               <a:buNone/>
             </a:pPr>
-            <a:endParaRPr lang="en-US"/>
+            <a:endParaRPr lang="en-US" dirty="0"/>
+          </a:p>
+          <a:p>
+            <a:pPr lvl="1"/>
+            <a:r>
+              <a:rPr lang="en-US" dirty="0"/>
+              <a:t>~400 GB total size</a:t>
+            </a:r>
+          </a:p>
+          <a:p>
+            <a:pPr lvl="2"/>
+            <a:r>
+              <a:rPr lang="en-US" dirty="0"/>
+              <a:t>Each file between 3 MB and 50 MB</a:t>
+            </a:r>
           </a:p>
           <a:p>
             <a:pPr marL="274320" lvl="1" indent="0">
               <a:buNone/>
             </a:pPr>
-            <a:endParaRPr lang="en-US"/>
-          </a:p>
-          <a:p>
-            <a:pPr lvl="1"/>
-            <a:r>
-              <a:rPr lang="en-US"/>
-              <a:t>~400 GB total size</a:t>
-            </a:r>
-          </a:p>
-          <a:p>
-            <a:pPr lvl="2"/>
-            <a:r>
-              <a:rPr lang="en-US"/>
-              <a:t>Each file between 3 MB and 50 MB</a:t>
-            </a:r>
-          </a:p>
-          <a:p>
-            <a:pPr marL="274320" lvl="1" indent="0">
-              <a:buNone/>
-            </a:pPr>
-            <a:endParaRPr lang="en-US"/>
+            <a:endParaRPr lang="en-US" dirty="0"/>
           </a:p>
         </p:txBody>
       </p:sp>
@@ -8803,7 +9512,7 @@
         </p:nvSpPr>
         <p:spPr>
           <a:xfrm>
-            <a:off x="6502616" y="3475789"/>
+            <a:off x="6502616" y="3585410"/>
             <a:ext cx="1716289" cy="435810"/>
           </a:xfrm>
           <a:prstGeom prst="roundRect">
@@ -8844,7 +9553,7 @@
         </p:nvSpPr>
         <p:spPr>
           <a:xfrm>
-            <a:off x="5007714" y="3491831"/>
+            <a:off x="5056866" y="3585409"/>
             <a:ext cx="1291294" cy="435811"/>
           </a:xfrm>
           <a:prstGeom prst="roundRect">
@@ -8871,7 +9580,7 @@
           <a:p>
             <a:pPr algn="ctr"/>
             <a:r>
-              <a:rPr lang="en-US"/>
+              <a:rPr lang="en-US" dirty="0"/>
               <a:t>Lollipop</a:t>
             </a:r>
           </a:p>
@@ -8885,7 +9594,48 @@
         </p:nvSpPr>
         <p:spPr>
           <a:xfrm>
-            <a:off x="922421" y="2930357"/>
+            <a:off x="857857" y="3039978"/>
+            <a:ext cx="1420423" cy="435811"/>
+          </a:xfrm>
+          <a:prstGeom prst="roundRect">
+            <a:avLst/>
+          </a:prstGeom>
+        </p:spPr>
+        <p:style>
+          <a:lnRef idx="1">
+            <a:schemeClr val="accent1"/>
+          </a:lnRef>
+          <a:fillRef idx="3">
+            <a:schemeClr val="accent1"/>
+          </a:fillRef>
+          <a:effectRef idx="2">
+            <a:schemeClr val="accent1"/>
+          </a:effectRef>
+          <a:fontRef idx="minor">
+            <a:schemeClr val="lt1"/>
+          </a:fontRef>
+        </p:style>
+        <p:txBody>
+          <a:bodyPr rtlCol="0" anchor="ctr"/>
+          <a:lstStyle/>
+          <a:p>
+            <a:pPr algn="ctr"/>
+            <a:r>
+              <a:rPr lang="en-US"/>
+              <a:t>Ramnit</a:t>
+            </a:r>
+          </a:p>
+        </p:txBody>
+      </p:sp>
+      <p:sp>
+        <p:nvSpPr>
+          <p:cNvPr id="8" name="Rounded Rectangle 7"/>
+          <p:cNvSpPr/>
+          <p:nvPr/>
+        </p:nvSpPr>
+        <p:spPr>
+          <a:xfrm>
+            <a:off x="6927611" y="3039979"/>
             <a:ext cx="1291294" cy="435811"/>
           </a:xfrm>
           <a:prstGeom prst="roundRect">
@@ -8913,20 +9663,20 @@
             <a:pPr algn="ctr"/>
             <a:r>
               <a:rPr lang="en-US"/>
-              <a:t>Ramnit</a:t>
-            </a:r>
-          </a:p>
-        </p:txBody>
-      </p:sp>
-      <p:sp>
-        <p:nvSpPr>
-          <p:cNvPr id="8" name="Rounded Rectangle 7"/>
+              <a:t>Simda</a:t>
+            </a:r>
+          </a:p>
+        </p:txBody>
+      </p:sp>
+      <p:sp>
+        <p:nvSpPr>
+          <p:cNvPr id="9" name="Rounded Rectangle 8"/>
           <p:cNvSpPr/>
           <p:nvPr/>
         </p:nvSpPr>
         <p:spPr>
           <a:xfrm>
-            <a:off x="6927611" y="2930358"/>
+            <a:off x="5411535" y="3039979"/>
             <a:ext cx="1291294" cy="435811"/>
           </a:xfrm>
           <a:prstGeom prst="roundRect">
@@ -8954,20 +9704,20 @@
             <a:pPr algn="ctr"/>
             <a:r>
               <a:rPr lang="en-US"/>
-              <a:t>Simda</a:t>
-            </a:r>
-          </a:p>
-        </p:txBody>
-      </p:sp>
-      <p:sp>
-        <p:nvSpPr>
-          <p:cNvPr id="9" name="Rounded Rectangle 8"/>
+              <a:t>Vundo</a:t>
+            </a:r>
+          </a:p>
+        </p:txBody>
+      </p:sp>
+      <p:sp>
+        <p:nvSpPr>
+          <p:cNvPr id="10" name="Rounded Rectangle 9"/>
           <p:cNvSpPr/>
           <p:nvPr/>
         </p:nvSpPr>
         <p:spPr>
           <a:xfrm>
-            <a:off x="5411535" y="2930358"/>
+            <a:off x="3879611" y="3050674"/>
             <a:ext cx="1291294" cy="435811"/>
           </a:xfrm>
           <a:prstGeom prst="roundRect">
@@ -8995,21 +9745,21 @@
             <a:pPr algn="ctr"/>
             <a:r>
               <a:rPr lang="en-US"/>
-              <a:t>Vundo</a:t>
-            </a:r>
-          </a:p>
-        </p:txBody>
-      </p:sp>
-      <p:sp>
-        <p:nvSpPr>
-          <p:cNvPr id="10" name="Rounded Rectangle 9"/>
+              <a:t>Tracur</a:t>
+            </a:r>
+          </a:p>
+        </p:txBody>
+      </p:sp>
+      <p:sp>
+        <p:nvSpPr>
+          <p:cNvPr id="11" name="Rounded Rectangle 10"/>
           <p:cNvSpPr/>
           <p:nvPr/>
         </p:nvSpPr>
         <p:spPr>
           <a:xfrm>
-            <a:off x="3879611" y="2941053"/>
-            <a:ext cx="1291294" cy="435811"/>
+            <a:off x="836990" y="3585410"/>
+            <a:ext cx="1879466" cy="435811"/>
           </a:xfrm>
           <a:prstGeom prst="roundRect">
             <a:avLst/>
@@ -9036,47 +9786,6 @@
             <a:pPr algn="ctr"/>
             <a:r>
               <a:rPr lang="en-US"/>
-              <a:t>Tracur</a:t>
-            </a:r>
-          </a:p>
-        </p:txBody>
-      </p:sp>
-      <p:sp>
-        <p:nvSpPr>
-          <p:cNvPr id="11" name="Rounded Rectangle 10"/>
-          <p:cNvSpPr/>
-          <p:nvPr/>
-        </p:nvSpPr>
-        <p:spPr>
-          <a:xfrm>
-            <a:off x="922421" y="3475789"/>
-            <a:ext cx="1708605" cy="435811"/>
-          </a:xfrm>
-          <a:prstGeom prst="roundRect">
-            <a:avLst/>
-          </a:prstGeom>
-        </p:spPr>
-        <p:style>
-          <a:lnRef idx="1">
-            <a:schemeClr val="accent1"/>
-          </a:lnRef>
-          <a:fillRef idx="3">
-            <a:schemeClr val="accent1"/>
-          </a:fillRef>
-          <a:effectRef idx="2">
-            <a:schemeClr val="accent1"/>
-          </a:effectRef>
-          <a:fontRef idx="minor">
-            <a:schemeClr val="lt1"/>
-          </a:fontRef>
-        </p:style>
-        <p:txBody>
-          <a:bodyPr rtlCol="0" anchor="ctr"/>
-          <a:lstStyle/>
-          <a:p>
-            <a:pPr algn="ctr"/>
-            <a:r>
-              <a:rPr lang="en-US"/>
               <a:t>Kelihos_ver1</a:t>
             </a:r>
           </a:p>
@@ -9090,7 +9799,7 @@
         </p:nvSpPr>
         <p:spPr>
           <a:xfrm>
-            <a:off x="2783401" y="3491831"/>
+            <a:off x="2856927" y="3601452"/>
             <a:ext cx="2045368" cy="435811"/>
           </a:xfrm>
           <a:prstGeom prst="roundRect">
@@ -9117,9 +9826,10 @@
           <a:p>
             <a:pPr algn="ctr"/>
             <a:r>
-              <a:rPr lang="en-US"/>
+              <a:rPr lang="en-US" dirty="0" err="1"/>
               <a:t>Obfuscator.ACY</a:t>
             </a:r>
+            <a:endParaRPr lang="en-US" dirty="0"/>
           </a:p>
         </p:txBody>
       </p:sp>
@@ -9131,7 +9841,7 @@
         </p:nvSpPr>
         <p:spPr>
           <a:xfrm>
-            <a:off x="2382252" y="2930358"/>
+            <a:off x="2382252" y="3039979"/>
             <a:ext cx="1291294" cy="435811"/>
           </a:xfrm>
           <a:prstGeom prst="roundRect">
@@ -10552,4 +11262,288 @@
   </a:objectDefaults>
   <a:extraClrSchemeLst/>
 </a:theme>
+</file>
+
+<file path=ppt/theme/themeOverride1.xml><?xml version="1.0" encoding="utf-8"?>
+<a:themeOverride xmlns:a="http://schemas.openxmlformats.org/drawingml/2006/main">
+  <a:clrScheme name="Technic">
+    <a:dk1>
+      <a:sysClr val="windowText" lastClr="000000"/>
+    </a:dk1>
+    <a:lt1>
+      <a:sysClr val="window" lastClr="FFFFFF"/>
+    </a:lt1>
+    <a:dk2>
+      <a:srgbClr val="3B3B3B"/>
+    </a:dk2>
+    <a:lt2>
+      <a:srgbClr val="D4D2D0"/>
+    </a:lt2>
+    <a:accent1>
+      <a:srgbClr val="6EA0B0"/>
+    </a:accent1>
+    <a:accent2>
+      <a:srgbClr val="CCAF0A"/>
+    </a:accent2>
+    <a:accent3>
+      <a:srgbClr val="8D89A4"/>
+    </a:accent3>
+    <a:accent4>
+      <a:srgbClr val="748560"/>
+    </a:accent4>
+    <a:accent5>
+      <a:srgbClr val="9E9273"/>
+    </a:accent5>
+    <a:accent6>
+      <a:srgbClr val="7E848D"/>
+    </a:accent6>
+    <a:hlink>
+      <a:srgbClr val="00C8C3"/>
+    </a:hlink>
+    <a:folHlink>
+      <a:srgbClr val="A116E0"/>
+    </a:folHlink>
+  </a:clrScheme>
+  <a:fontScheme name="Austin">
+    <a:majorFont>
+      <a:latin typeface="Century Gothic"/>
+      <a:ea typeface=""/>
+      <a:cs typeface=""/>
+      <a:font script="Jpan" typeface="ＭＳ ゴシック"/>
+      <a:font script="Hang" typeface="HY중고딕"/>
+      <a:font script="Hans" typeface="微软雅黑"/>
+      <a:font script="Hant" typeface="微軟正黑體"/>
+      <a:font script="Arab" typeface="Tahoma"/>
+      <a:font script="Hebr" typeface="Gisha"/>
+      <a:font script="Thai" typeface="DilleniaUPC"/>
+      <a:font script="Ethi" typeface="Nyala"/>
+      <a:font script="Beng" typeface="Vrinda"/>
+      <a:font script="Gujr" typeface="Shruti"/>
+      <a:font script="Khmr" typeface="DaunPenh"/>
+      <a:font script="Knda" typeface="Tunga"/>
+      <a:font script="Guru" typeface="Raavi"/>
+      <a:font script="Cans" typeface="Euphemia"/>
+      <a:font script="Cher" typeface="Plantagenet Cherokee"/>
+      <a:font script="Yiii" typeface="Microsoft Yi Baiti"/>
+      <a:font script="Tibt" typeface="Microsoft Himalaya"/>
+      <a:font script="Thaa" typeface="MV Boli"/>
+      <a:font script="Deva" typeface="Mangal"/>
+      <a:font script="Telu" typeface="Gautami"/>
+      <a:font script="Taml" typeface="Latha"/>
+      <a:font script="Syrc" typeface="Estrangelo Edessa"/>
+      <a:font script="Orya" typeface="Kalinga"/>
+      <a:font script="Mlym" typeface="Kartika"/>
+      <a:font script="Laoo" typeface="DokChampa"/>
+      <a:font script="Sinh" typeface="Iskoola Pota"/>
+      <a:font script="Mong" typeface="Mongolian Baiti"/>
+      <a:font script="Viet" typeface="Tahoma"/>
+      <a:font script="Uigh" typeface="Microsoft Uighur"/>
+      <a:font script="Geor" typeface="Sylfaen"/>
+    </a:majorFont>
+    <a:minorFont>
+      <a:latin typeface="Century Gothic"/>
+      <a:ea typeface=""/>
+      <a:cs typeface=""/>
+      <a:font script="Jpan" typeface="ＭＳ ゴシック"/>
+      <a:font script="Hang" typeface="HY중고딕"/>
+      <a:font script="Hans" typeface="微软雅黑"/>
+      <a:font script="Hant" typeface="微軟正黑體"/>
+      <a:font script="Arab" typeface="Tahoma"/>
+      <a:font script="Hebr" typeface="Gisha"/>
+      <a:font script="Thai" typeface="DilleniaUPC"/>
+      <a:font script="Ethi" typeface="Nyala"/>
+      <a:font script="Beng" typeface="Vrinda"/>
+      <a:font script="Gujr" typeface="Shruti"/>
+      <a:font script="Khmr" typeface="DaunPenh"/>
+      <a:font script="Knda" typeface="Tunga"/>
+      <a:font script="Guru" typeface="Raavi"/>
+      <a:font script="Cans" typeface="Euphemia"/>
+      <a:font script="Cher" typeface="Plantagenet Cherokee"/>
+      <a:font script="Yiii" typeface="Microsoft Yi Baiti"/>
+      <a:font script="Tibt" typeface="Microsoft Himalaya"/>
+      <a:font script="Thaa" typeface="MV Boli"/>
+      <a:font script="Deva" typeface="Mangal"/>
+      <a:font script="Telu" typeface="Gautami"/>
+      <a:font script="Taml" typeface="Latha"/>
+      <a:font script="Syrc" typeface="Estrangelo Edessa"/>
+      <a:font script="Orya" typeface="Kalinga"/>
+      <a:font script="Mlym" typeface="Kartika"/>
+      <a:font script="Laoo" typeface="DokChampa"/>
+      <a:font script="Sinh" typeface="Iskoola Pota"/>
+      <a:font script="Mong" typeface="Mongolian Baiti"/>
+      <a:font script="Viet" typeface="Verdana"/>
+      <a:font script="Uigh" typeface="Microsoft Uighur"/>
+      <a:font script="Geor" typeface="Sylfaen"/>
+    </a:minorFont>
+  </a:fontScheme>
+  <a:fmtScheme name="Clarity">
+    <a:fillStyleLst>
+      <a:solidFill>
+        <a:schemeClr val="phClr"/>
+      </a:solidFill>
+      <a:gradFill rotWithShape="1">
+        <a:gsLst>
+          <a:gs pos="0">
+            <a:schemeClr val="phClr">
+              <a:tint val="50000"/>
+              <a:shade val="86000"/>
+              <a:satMod val="140000"/>
+            </a:schemeClr>
+          </a:gs>
+          <a:gs pos="45000">
+            <a:schemeClr val="phClr">
+              <a:tint val="48000"/>
+              <a:satMod val="150000"/>
+            </a:schemeClr>
+          </a:gs>
+          <a:gs pos="100000">
+            <a:schemeClr val="phClr">
+              <a:tint val="28000"/>
+              <a:satMod val="160000"/>
+            </a:schemeClr>
+          </a:gs>
+        </a:gsLst>
+        <a:path path="circle">
+          <a:fillToRect l="100000" t="100000" r="100000" b="100000"/>
+        </a:path>
+      </a:gradFill>
+      <a:gradFill rotWithShape="1">
+        <a:gsLst>
+          <a:gs pos="0">
+            <a:schemeClr val="phClr">
+              <a:shade val="70000"/>
+              <a:satMod val="150000"/>
+            </a:schemeClr>
+          </a:gs>
+          <a:gs pos="34000">
+            <a:schemeClr val="phClr">
+              <a:shade val="70000"/>
+              <a:satMod val="140000"/>
+            </a:schemeClr>
+          </a:gs>
+          <a:gs pos="70000">
+            <a:schemeClr val="phClr">
+              <a:tint val="100000"/>
+              <a:shade val="90000"/>
+              <a:satMod val="140000"/>
+            </a:schemeClr>
+          </a:gs>
+          <a:gs pos="100000">
+            <a:schemeClr val="phClr">
+              <a:tint val="100000"/>
+              <a:shade val="100000"/>
+              <a:satMod val="100000"/>
+            </a:schemeClr>
+          </a:gs>
+        </a:gsLst>
+        <a:path path="circle">
+          <a:fillToRect l="100000" t="100000" r="100000" b="100000"/>
+        </a:path>
+      </a:gradFill>
+    </a:fillStyleLst>
+    <a:lnStyleLst>
+      <a:ln w="9525" cap="flat" cmpd="sng" algn="ctr">
+        <a:solidFill>
+          <a:schemeClr val="phClr"/>
+        </a:solidFill>
+        <a:prstDash val="solid"/>
+      </a:ln>
+      <a:ln w="26425" cap="flat" cmpd="sng" algn="ctr">
+        <a:solidFill>
+          <a:schemeClr val="phClr"/>
+        </a:solidFill>
+        <a:prstDash val="solid"/>
+      </a:ln>
+      <a:ln w="44450" cap="flat" cmpd="sng" algn="ctr">
+        <a:solidFill>
+          <a:schemeClr val="phClr"/>
+        </a:solidFill>
+        <a:prstDash val="solid"/>
+      </a:ln>
+    </a:lnStyleLst>
+    <a:effectStyleLst>
+      <a:effectStyle>
+        <a:effectLst/>
+      </a:effectStyle>
+      <a:effectStyle>
+        <a:effectLst>
+          <a:outerShdw blurRad="38100" dist="25400" dir="2700000" algn="br" rotWithShape="0">
+            <a:srgbClr val="000000">
+              <a:alpha val="60000"/>
+            </a:srgbClr>
+          </a:outerShdw>
+        </a:effectLst>
+      </a:effectStyle>
+      <a:effectStyle>
+        <a:effectLst>
+          <a:outerShdw blurRad="38100" dist="25400" dir="2700000" algn="br" rotWithShape="0">
+            <a:srgbClr val="000000">
+              <a:alpha val="60000"/>
+            </a:srgbClr>
+          </a:outerShdw>
+        </a:effectLst>
+        <a:scene3d>
+          <a:camera prst="orthographicFront">
+            <a:rot lat="0" lon="0" rev="0"/>
+          </a:camera>
+          <a:lightRig rig="balanced" dir="t">
+            <a:rot lat="0" lon="0" rev="5100000"/>
+          </a:lightRig>
+        </a:scene3d>
+        <a:sp3d contourW="6350">
+          <a:bevelT w="29210" h="12700"/>
+          <a:contourClr>
+            <a:schemeClr val="phClr">
+              <a:shade val="30000"/>
+              <a:satMod val="130000"/>
+            </a:schemeClr>
+          </a:contourClr>
+        </a:sp3d>
+      </a:effectStyle>
+    </a:effectStyleLst>
+    <a:bgFillStyleLst>
+      <a:solidFill>
+        <a:schemeClr val="phClr"/>
+      </a:solidFill>
+      <a:gradFill rotWithShape="1">
+        <a:gsLst>
+          <a:gs pos="0">
+            <a:schemeClr val="phClr">
+              <a:tint val="85000"/>
+              <a:satMod val="180000"/>
+            </a:schemeClr>
+          </a:gs>
+          <a:gs pos="40000">
+            <a:schemeClr val="phClr">
+              <a:tint val="95000"/>
+              <a:shade val="85000"/>
+              <a:satMod val="150000"/>
+            </a:schemeClr>
+          </a:gs>
+          <a:gs pos="100000">
+            <a:schemeClr val="phClr">
+              <a:shade val="45000"/>
+              <a:satMod val="200000"/>
+            </a:schemeClr>
+          </a:gs>
+        </a:gsLst>
+        <a:lin ang="5400000" scaled="0"/>
+      </a:gradFill>
+      <a:blipFill rotWithShape="1">
+        <a:blip xmlns:r="http://schemas.openxmlformats.org/officeDocument/2006/relationships" r:embed="rId1">
+          <a:duotone>
+            <a:schemeClr val="phClr">
+              <a:shade val="55000"/>
+            </a:schemeClr>
+            <a:schemeClr val="phClr">
+              <a:tint val="97000"/>
+              <a:satMod val="95000"/>
+            </a:schemeClr>
+          </a:duotone>
+        </a:blip>
+        <a:tile tx="0" ty="0" sx="70000" sy="70000" flip="none" algn="tl"/>
+      </a:blipFill>
+    </a:bgFillStyleLst>
+  </a:fmtScheme>
+</a:themeOverride>
 </file>
--- a/malwareSlides.pptx
+++ b/malwareSlides.pptx
@@ -125,7 +125,7 @@
   </p:defaultTextStyle>
   <p:extLst>
     <p:ext uri="{EFAFB233-063F-42B5-8137-9DF3F51BA10A}">
-      <p15:sldGuideLst xmlns:p15="http://schemas.microsoft.com/office/powerpoint/2012/main" xmlns="">
+      <p15:sldGuideLst xmlns:p15="http://schemas.microsoft.com/office/powerpoint/2012/main">
         <p15:guide id="1" orient="horz" pos="2160">
           <p15:clr>
             <a:srgbClr val="A4A3A4"/>
@@ -185,31 +185,31 @@
                 <c:formatCode>General</c:formatCode>
                 <c:ptCount val="9"/>
                 <c:pt idx="0">
-                  <c:v>1.0</c:v>
+                  <c:v>1</c:v>
                 </c:pt>
                 <c:pt idx="1">
-                  <c:v>2.0</c:v>
+                  <c:v>2</c:v>
                 </c:pt>
                 <c:pt idx="2">
-                  <c:v>3.0</c:v>
+                  <c:v>3</c:v>
                 </c:pt>
                 <c:pt idx="3">
-                  <c:v>4.0</c:v>
+                  <c:v>4</c:v>
                 </c:pt>
                 <c:pt idx="4">
-                  <c:v>5.0</c:v>
+                  <c:v>5</c:v>
                 </c:pt>
                 <c:pt idx="5">
-                  <c:v>6.0</c:v>
+                  <c:v>6</c:v>
                 </c:pt>
                 <c:pt idx="6">
-                  <c:v>7.0</c:v>
+                  <c:v>7</c:v>
                 </c:pt>
                 <c:pt idx="7">
-                  <c:v>8.0</c:v>
+                  <c:v>8</c:v>
                 </c:pt>
                 <c:pt idx="8">
-                  <c:v>9.0</c:v>
+                  <c:v>9</c:v>
                 </c:pt>
               </c:numCache>
             </c:numRef>
@@ -221,31 +221,31 @@
                 <c:formatCode>General</c:formatCode>
                 <c:ptCount val="9"/>
                 <c:pt idx="0">
-                  <c:v>0.565557729941292</c:v>
+                  <c:v>0.56555772994129205</c:v>
                 </c:pt>
                 <c:pt idx="1">
-                  <c:v>0.924132364810331</c:v>
+                  <c:v>0.92413236481033101</c:v>
                 </c:pt>
                 <c:pt idx="2">
-                  <c:v>0.959496255956433</c:v>
+                  <c:v>0.95949625595643295</c:v>
                 </c:pt>
                 <c:pt idx="3">
                   <c:v>0.995789473684211</c:v>
                 </c:pt>
                 <c:pt idx="4">
-                  <c:v>0.904761904761905</c:v>
+                  <c:v>0.90476190476190499</c:v>
                 </c:pt>
                 <c:pt idx="5">
-                  <c:v>0.696404793608522</c:v>
+                  <c:v>0.69640479360852203</c:v>
                 </c:pt>
                 <c:pt idx="6">
-                  <c:v>0.876262626262626</c:v>
+                  <c:v>0.87626262626262597</c:v>
                 </c:pt>
                 <c:pt idx="7">
-                  <c:v>0.852605863192182</c:v>
+                  <c:v>0.85260586319218201</c:v>
                 </c:pt>
                 <c:pt idx="8">
-                  <c:v>0.605133267522211</c:v>
+                  <c:v>0.60513326752221097</c:v>
                 </c:pt>
               </c:numCache>
             </c:numRef>
@@ -273,31 +273,31 @@
                 <c:formatCode>General</c:formatCode>
                 <c:ptCount val="9"/>
                 <c:pt idx="0">
-                  <c:v>1.0</c:v>
+                  <c:v>1</c:v>
                 </c:pt>
                 <c:pt idx="1">
-                  <c:v>2.0</c:v>
+                  <c:v>2</c:v>
                 </c:pt>
                 <c:pt idx="2">
-                  <c:v>3.0</c:v>
+                  <c:v>3</c:v>
                 </c:pt>
                 <c:pt idx="3">
-                  <c:v>4.0</c:v>
+                  <c:v>4</c:v>
                 </c:pt>
                 <c:pt idx="4">
-                  <c:v>5.0</c:v>
+                  <c:v>5</c:v>
                 </c:pt>
                 <c:pt idx="5">
-                  <c:v>6.0</c:v>
+                  <c:v>6</c:v>
                 </c:pt>
                 <c:pt idx="6">
-                  <c:v>7.0</c:v>
+                  <c:v>7</c:v>
                 </c:pt>
                 <c:pt idx="7">
-                  <c:v>8.0</c:v>
+                  <c:v>8</c:v>
                 </c:pt>
                 <c:pt idx="8">
-                  <c:v>9.0</c:v>
+                  <c:v>9</c:v>
                 </c:pt>
               </c:numCache>
             </c:numRef>
@@ -309,31 +309,31 @@
                 <c:formatCode>General</c:formatCode>
                 <c:ptCount val="9"/>
                 <c:pt idx="0">
-                  <c:v>0.980430528375734</c:v>
+                  <c:v>0.98043052837573397</c:v>
                 </c:pt>
                 <c:pt idx="1">
-                  <c:v>0.990718321226796</c:v>
+                  <c:v>0.99071832122679604</c:v>
                 </c:pt>
                 <c:pt idx="2">
-                  <c:v>0.996936691626957</c:v>
+                  <c:v>0.99693669162695697</c:v>
                 </c:pt>
                 <c:pt idx="3">
-                  <c:v>0.983157894736842</c:v>
+                  <c:v>0.98315789473684201</c:v>
                 </c:pt>
                 <c:pt idx="4">
-                  <c:v>0.833333333333333</c:v>
+                  <c:v>0.83333333333333304</c:v>
                 </c:pt>
                 <c:pt idx="5">
-                  <c:v>0.958721704394141</c:v>
+                  <c:v>0.95872170439414095</c:v>
                 </c:pt>
                 <c:pt idx="6">
-                  <c:v>0.962121212121212</c:v>
+                  <c:v>0.96212121212121204</c:v>
                 </c:pt>
                 <c:pt idx="7">
-                  <c:v>0.945439739413681</c:v>
+                  <c:v>0.94543973941368098</c:v>
                 </c:pt>
                 <c:pt idx="8">
-                  <c:v>0.961500493583416</c:v>
+                  <c:v>0.96150049358341605</c:v>
                 </c:pt>
               </c:numCache>
             </c:numRef>
@@ -361,31 +361,31 @@
                 <c:formatCode>General</c:formatCode>
                 <c:ptCount val="9"/>
                 <c:pt idx="0">
-                  <c:v>1.0</c:v>
+                  <c:v>1</c:v>
                 </c:pt>
                 <c:pt idx="1">
-                  <c:v>2.0</c:v>
+                  <c:v>2</c:v>
                 </c:pt>
                 <c:pt idx="2">
-                  <c:v>3.0</c:v>
+                  <c:v>3</c:v>
                 </c:pt>
                 <c:pt idx="3">
-                  <c:v>4.0</c:v>
+                  <c:v>4</c:v>
                 </c:pt>
                 <c:pt idx="4">
-                  <c:v>5.0</c:v>
+                  <c:v>5</c:v>
                 </c:pt>
                 <c:pt idx="5">
-                  <c:v>6.0</c:v>
+                  <c:v>6</c:v>
                 </c:pt>
                 <c:pt idx="6">
-                  <c:v>7.0</c:v>
+                  <c:v>7</c:v>
                 </c:pt>
                 <c:pt idx="7">
-                  <c:v>8.0</c:v>
+                  <c:v>8</c:v>
                 </c:pt>
                 <c:pt idx="8">
-                  <c:v>9.0</c:v>
+                  <c:v>9</c:v>
                 </c:pt>
               </c:numCache>
             </c:numRef>
@@ -397,31 +397,31 @@
                 <c:formatCode>General</c:formatCode>
                 <c:ptCount val="9"/>
                 <c:pt idx="0">
-                  <c:v>0.990867579908676</c:v>
+                  <c:v>0.99086757990867602</c:v>
                 </c:pt>
                 <c:pt idx="1">
-                  <c:v>0.995560936238902</c:v>
+                  <c:v>0.99556093623890196</c:v>
                 </c:pt>
                 <c:pt idx="2">
-                  <c:v>1.0</c:v>
+                  <c:v>1</c:v>
                 </c:pt>
                 <c:pt idx="3">
-                  <c:v>0.989473684210526</c:v>
+                  <c:v>0.98947368421052595</c:v>
                 </c:pt>
                 <c:pt idx="4">
                   <c:v>0.952380952380952</c:v>
                 </c:pt>
                 <c:pt idx="5">
-                  <c:v>0.978695073235686</c:v>
+                  <c:v>0.97869507323568605</c:v>
                 </c:pt>
                 <c:pt idx="6">
-                  <c:v>0.96969696969697</c:v>
+                  <c:v>0.96969696969696995</c:v>
                 </c:pt>
                 <c:pt idx="7">
-                  <c:v>0.95928338762215</c:v>
+                  <c:v>0.95928338762215004</c:v>
                 </c:pt>
                 <c:pt idx="8">
-                  <c:v>0.977295162882527</c:v>
+                  <c:v>0.97729516288252705</c:v>
                 </c:pt>
               </c:numCache>
             </c:numRef>
@@ -436,11 +436,11 @@
           <c:showBubbleSize val="0"/>
         </c:dLbls>
         <c:gapWidth val="150"/>
-        <c:axId val="2108701368"/>
-        <c:axId val="2029359720"/>
+        <c:axId val="242247824"/>
+        <c:axId val="242248384"/>
       </c:barChart>
       <c:catAx>
-        <c:axId val="2108701368"/>
+        <c:axId val="242247824"/>
         <c:scaling>
           <c:orientation val="minMax"/>
         </c:scaling>
@@ -450,7 +450,7 @@
         <c:majorTickMark val="out"/>
         <c:minorTickMark val="none"/>
         <c:tickLblPos val="nextTo"/>
-        <c:crossAx val="2029359720"/>
+        <c:crossAx val="242248384"/>
         <c:crosses val="autoZero"/>
         <c:auto val="1"/>
         <c:lblAlgn val="ctr"/>
@@ -458,7 +458,7 @@
         <c:noMultiLvlLbl val="0"/>
       </c:catAx>
       <c:valAx>
-        <c:axId val="2029359720"/>
+        <c:axId val="242248384"/>
         <c:scaling>
           <c:orientation val="minMax"/>
         </c:scaling>
@@ -469,7 +469,7 @@
         <c:majorTickMark val="out"/>
         <c:minorTickMark val="none"/>
         <c:tickLblPos val="nextTo"/>
-        <c:crossAx val="2108701368"/>
+        <c:crossAx val="242247824"/>
         <c:crosses val="autoZero"/>
         <c:crossBetween val="between"/>
       </c:valAx>
@@ -543,31 +543,31 @@
                 <c:formatCode>General</c:formatCode>
                 <c:ptCount val="9"/>
                 <c:pt idx="0">
-                  <c:v>1.0</c:v>
+                  <c:v>1</c:v>
                 </c:pt>
                 <c:pt idx="1">
-                  <c:v>2.0</c:v>
+                  <c:v>2</c:v>
                 </c:pt>
                 <c:pt idx="2">
-                  <c:v>3.0</c:v>
+                  <c:v>3</c:v>
                 </c:pt>
                 <c:pt idx="3">
-                  <c:v>4.0</c:v>
+                  <c:v>4</c:v>
                 </c:pt>
                 <c:pt idx="4">
-                  <c:v>5.0</c:v>
+                  <c:v>5</c:v>
                 </c:pt>
                 <c:pt idx="5">
-                  <c:v>6.0</c:v>
+                  <c:v>6</c:v>
                 </c:pt>
                 <c:pt idx="6">
-                  <c:v>7.0</c:v>
+                  <c:v>7</c:v>
                 </c:pt>
                 <c:pt idx="7">
-                  <c:v>8.0</c:v>
+                  <c:v>8</c:v>
                 </c:pt>
                 <c:pt idx="8">
-                  <c:v>9.0</c:v>
+                  <c:v>9</c:v>
                 </c:pt>
               </c:numCache>
             </c:numRef>
@@ -579,31 +579,31 @@
                 <c:formatCode>General</c:formatCode>
                 <c:ptCount val="9"/>
                 <c:pt idx="0">
-                  <c:v>0.63140817650876</c:v>
+                  <c:v>0.63140817650876002</c:v>
                 </c:pt>
                 <c:pt idx="1">
-                  <c:v>0.953591606133979</c:v>
+                  <c:v>0.95359160613397898</c:v>
                 </c:pt>
                 <c:pt idx="2">
-                  <c:v>0.987083616587356</c:v>
+                  <c:v>0.98708361658735599</c:v>
                 </c:pt>
                 <c:pt idx="3">
                   <c:v>0.995789473684211</c:v>
                 </c:pt>
                 <c:pt idx="4">
-                  <c:v>0.714285714285714</c:v>
+                  <c:v>0.71428571428571397</c:v>
                 </c:pt>
                 <c:pt idx="5">
-                  <c:v>0.716378162450067</c:v>
+                  <c:v>0.71637816245006702</c:v>
                 </c:pt>
                 <c:pt idx="6">
-                  <c:v>0.811557788944724</c:v>
+                  <c:v>0.81155778894472397</c:v>
                 </c:pt>
                 <c:pt idx="7">
                   <c:v>0.649022801302931</c:v>
                 </c:pt>
                 <c:pt idx="8">
-                  <c:v>0.808489634748272</c:v>
+                  <c:v>0.80848963474827196</c:v>
                 </c:pt>
               </c:numCache>
             </c:numRef>
@@ -631,31 +631,31 @@
                 <c:formatCode>General</c:formatCode>
                 <c:ptCount val="9"/>
                 <c:pt idx="0">
-                  <c:v>1.0</c:v>
+                  <c:v>1</c:v>
                 </c:pt>
                 <c:pt idx="1">
-                  <c:v>2.0</c:v>
+                  <c:v>2</c:v>
                 </c:pt>
                 <c:pt idx="2">
-                  <c:v>3.0</c:v>
+                  <c:v>3</c:v>
                 </c:pt>
                 <c:pt idx="3">
-                  <c:v>4.0</c:v>
+                  <c:v>4</c:v>
                 </c:pt>
                 <c:pt idx="4">
-                  <c:v>5.0</c:v>
+                  <c:v>5</c:v>
                 </c:pt>
                 <c:pt idx="5">
-                  <c:v>6.0</c:v>
+                  <c:v>6</c:v>
                 </c:pt>
                 <c:pt idx="6">
-                  <c:v>7.0</c:v>
+                  <c:v>7</c:v>
                 </c:pt>
                 <c:pt idx="7">
-                  <c:v>8.0</c:v>
+                  <c:v>8</c:v>
                 </c:pt>
                 <c:pt idx="8">
-                  <c:v>9.0</c:v>
+                  <c:v>9</c:v>
                 </c:pt>
               </c:numCache>
             </c:numRef>
@@ -667,31 +667,31 @@
                 <c:formatCode>General</c:formatCode>
                 <c:ptCount val="9"/>
                 <c:pt idx="0">
-                  <c:v>0.959766385463984</c:v>
+                  <c:v>0.95976638546398396</c:v>
                 </c:pt>
                 <c:pt idx="1">
-                  <c:v>0.985068603712671</c:v>
+                  <c:v>0.98506860371267102</c:v>
                 </c:pt>
                 <c:pt idx="2">
-                  <c:v>0.99524133242692</c:v>
+                  <c:v>0.99524133242692003</c:v>
                 </c:pt>
                 <c:pt idx="3">
-                  <c:v>0.972631578947368</c:v>
+                  <c:v>0.97263157894736796</c:v>
                 </c:pt>
                 <c:pt idx="4">
-                  <c:v>0.523809523809524</c:v>
+                  <c:v>0.52380952380952395</c:v>
                 </c:pt>
                 <c:pt idx="5">
-                  <c:v>0.910785619174434</c:v>
+                  <c:v>0.91078561917443401</c:v>
                 </c:pt>
                 <c:pt idx="6">
-                  <c:v>0.899497487437186</c:v>
+                  <c:v>0.89949748743718605</c:v>
                 </c:pt>
                 <c:pt idx="7">
-                  <c:v>0.877850162866449</c:v>
+                  <c:v>0.87785016286644901</c:v>
                 </c:pt>
                 <c:pt idx="8">
-                  <c:v>0.978282329713722</c:v>
+                  <c:v>0.97828232971372198</c:v>
                 </c:pt>
               </c:numCache>
             </c:numRef>
@@ -719,31 +719,31 @@
                 <c:formatCode>General</c:formatCode>
                 <c:ptCount val="9"/>
                 <c:pt idx="0">
-                  <c:v>1.0</c:v>
+                  <c:v>1</c:v>
                 </c:pt>
                 <c:pt idx="1">
-                  <c:v>2.0</c:v>
+                  <c:v>2</c:v>
                 </c:pt>
                 <c:pt idx="2">
-                  <c:v>3.0</c:v>
+                  <c:v>3</c:v>
                 </c:pt>
                 <c:pt idx="3">
-                  <c:v>4.0</c:v>
+                  <c:v>4</c:v>
                 </c:pt>
                 <c:pt idx="4">
-                  <c:v>5.0</c:v>
+                  <c:v>5</c:v>
                 </c:pt>
                 <c:pt idx="5">
-                  <c:v>6.0</c:v>
+                  <c:v>6</c:v>
                 </c:pt>
                 <c:pt idx="6">
-                  <c:v>7.0</c:v>
+                  <c:v>7</c:v>
                 </c:pt>
                 <c:pt idx="7">
-                  <c:v>8.0</c:v>
+                  <c:v>8</c:v>
                 </c:pt>
                 <c:pt idx="8">
-                  <c:v>9.0</c:v>
+                  <c:v>9</c:v>
                 </c:pt>
               </c:numCache>
             </c:numRef>
@@ -755,31 +755,31 @@
                 <c:formatCode>General</c:formatCode>
                 <c:ptCount val="9"/>
                 <c:pt idx="0">
-                  <c:v>0.966255678131084</c:v>
+                  <c:v>0.96625567813108404</c:v>
                 </c:pt>
                 <c:pt idx="1">
-                  <c:v>0.991121872477805</c:v>
+                  <c:v>0.99112187247780503</c:v>
                 </c:pt>
                 <c:pt idx="2">
-                  <c:v>0.99762066621346</c:v>
+                  <c:v>0.99762066621346002</c:v>
                 </c:pt>
                 <c:pt idx="3">
-                  <c:v>0.981052631578947</c:v>
+                  <c:v>0.98105263157894695</c:v>
                 </c:pt>
                 <c:pt idx="4">
-                  <c:v>0.785714285714286</c:v>
+                  <c:v>0.78571428571428603</c:v>
                 </c:pt>
                 <c:pt idx="5">
-                  <c:v>0.92410119840213</c:v>
+                  <c:v>0.92410119840213001</c:v>
                 </c:pt>
                 <c:pt idx="6">
-                  <c:v>0.937185929648241</c:v>
+                  <c:v>0.93718592964824099</c:v>
                 </c:pt>
                 <c:pt idx="7">
-                  <c:v>0.912866449511401</c:v>
+                  <c:v>0.91286644951140095</c:v>
                 </c:pt>
                 <c:pt idx="8">
-                  <c:v>0.990128331688055</c:v>
+                  <c:v>0.99012833168805503</c:v>
                 </c:pt>
               </c:numCache>
             </c:numRef>
@@ -794,11 +794,11 @@
           <c:showBubbleSize val="0"/>
         </c:dLbls>
         <c:gapWidth val="150"/>
-        <c:axId val="2129467848"/>
-        <c:axId val="2129542424"/>
+        <c:axId val="242251744"/>
+        <c:axId val="242252304"/>
       </c:barChart>
       <c:catAx>
-        <c:axId val="2129467848"/>
+        <c:axId val="242251744"/>
         <c:scaling>
           <c:orientation val="minMax"/>
         </c:scaling>
@@ -808,7 +808,7 @@
         <c:majorTickMark val="out"/>
         <c:minorTickMark val="none"/>
         <c:tickLblPos val="nextTo"/>
-        <c:crossAx val="2129542424"/>
+        <c:crossAx val="242252304"/>
         <c:crosses val="autoZero"/>
         <c:auto val="1"/>
         <c:lblAlgn val="ctr"/>
@@ -816,7 +816,7 @@
         <c:noMultiLvlLbl val="0"/>
       </c:catAx>
       <c:valAx>
-        <c:axId val="2129542424"/>
+        <c:axId val="242252304"/>
         <c:scaling>
           <c:orientation val="minMax"/>
         </c:scaling>
@@ -827,7 +827,7 @@
         <c:majorTickMark val="out"/>
         <c:minorTickMark val="none"/>
         <c:tickLblPos val="nextTo"/>
-        <c:crossAx val="2129467848"/>
+        <c:crossAx val="242251744"/>
         <c:crosses val="autoZero"/>
         <c:crossBetween val="between"/>
       </c:valAx>
@@ -938,7 +938,7 @@
           </a:lstStyle>
           <a:p>
             <a:fld id="{39CE09AA-AD7C-FB46-BD3E-8A7CAFD3B56A}" type="datetimeFigureOut">
-              <a:t>4/20/15</a:t>
+              <a:t>4/20/2015</a:t>
             </a:fld>
             <a:endParaRPr lang="en-US"/>
           </a:p>
@@ -1788,7 +1788,7 @@
           <a:p>
             <a:fld id="{6BFECD78-3C8E-49F2-8FAB-59489D168ABB}" type="datetimeFigureOut">
               <a:rPr lang="en-US" smtClean="0"/>
-              <a:t>4/20/15</a:t>
+              <a:t>4/20/2015</a:t>
             </a:fld>
             <a:endParaRPr lang="en-US"/>
           </a:p>
@@ -1988,7 +1988,7 @@
           <a:p>
             <a:fld id="{6BFECD78-3C8E-49F2-8FAB-59489D168ABB}" type="datetimeFigureOut">
               <a:rPr lang="en-US" smtClean="0"/>
-              <a:t>4/20/15</a:t>
+              <a:t>4/20/2015</a:t>
             </a:fld>
             <a:endParaRPr lang="en-US"/>
           </a:p>
@@ -2163,7 +2163,7 @@
           <a:p>
             <a:fld id="{6BFECD78-3C8E-49F2-8FAB-59489D168ABB}" type="datetimeFigureOut">
               <a:rPr lang="en-US" smtClean="0"/>
-              <a:t>4/20/15</a:t>
+              <a:t>4/20/2015</a:t>
             </a:fld>
             <a:endParaRPr lang="en-US"/>
           </a:p>
@@ -2328,7 +2328,7 @@
           <a:p>
             <a:fld id="{6BFECD78-3C8E-49F2-8FAB-59489D168ABB}" type="datetimeFigureOut">
               <a:rPr lang="en-US" smtClean="0"/>
-              <a:t>4/20/15</a:t>
+              <a:t>4/20/2015</a:t>
             </a:fld>
             <a:endParaRPr lang="en-US"/>
           </a:p>
@@ -2576,7 +2576,7 @@
           <a:p>
             <a:fld id="{6BFECD78-3C8E-49F2-8FAB-59489D168ABB}" type="datetimeFigureOut">
               <a:rPr lang="en-US" smtClean="0"/>
-              <a:t>4/20/15</a:t>
+              <a:t>4/20/2015</a:t>
             </a:fld>
             <a:endParaRPr lang="en-US"/>
           </a:p>
@@ -2894,7 +2894,7 @@
           <a:p>
             <a:fld id="{6BFECD78-3C8E-49F2-8FAB-59489D168ABB}" type="datetimeFigureOut">
               <a:rPr lang="en-US" smtClean="0"/>
-              <a:t>4/20/15</a:t>
+              <a:t>4/20/2015</a:t>
             </a:fld>
             <a:endParaRPr lang="en-US"/>
           </a:p>
@@ -3360,7 +3360,7 @@
           <a:p>
             <a:fld id="{6BFECD78-3C8E-49F2-8FAB-59489D168ABB}" type="datetimeFigureOut">
               <a:rPr lang="en-US" smtClean="0"/>
-              <a:t>4/20/15</a:t>
+              <a:t>4/20/2015</a:t>
             </a:fld>
             <a:endParaRPr lang="en-US"/>
           </a:p>
@@ -3508,7 +3508,7 @@
           <a:p>
             <a:fld id="{6BFECD78-3C8E-49F2-8FAB-59489D168ABB}" type="datetimeFigureOut">
               <a:rPr lang="en-US" smtClean="0"/>
-              <a:t>4/20/15</a:t>
+              <a:t>4/20/2015</a:t>
             </a:fld>
             <a:endParaRPr lang="en-US"/>
           </a:p>
@@ -3598,7 +3598,7 @@
           <a:p>
             <a:fld id="{6BFECD78-3C8E-49F2-8FAB-59489D168ABB}" type="datetimeFigureOut">
               <a:rPr lang="en-US" smtClean="0"/>
-              <a:t>4/20/15</a:t>
+              <a:t>4/20/2015</a:t>
             </a:fld>
             <a:endParaRPr lang="en-US"/>
           </a:p>
@@ -3872,7 +3872,7 @@
           <a:p>
             <a:fld id="{6BFECD78-3C8E-49F2-8FAB-59489D168ABB}" type="datetimeFigureOut">
               <a:rPr lang="en-US" smtClean="0"/>
-              <a:t>4/20/15</a:t>
+              <a:t>4/20/2015</a:t>
             </a:fld>
             <a:endParaRPr lang="en-US"/>
           </a:p>
@@ -4177,7 +4177,7 @@
           <a:p>
             <a:fld id="{6BFECD78-3C8E-49F2-8FAB-59489D168ABB}" type="datetimeFigureOut">
               <a:rPr lang="en-US" smtClean="0"/>
-              <a:t>4/20/15</a:t>
+              <a:t>4/20/2015</a:t>
             </a:fld>
             <a:endParaRPr lang="en-US"/>
           </a:p>
@@ -4475,7 +4475,7 @@
           <a:p>
             <a:fld id="{6BFECD78-3C8E-49F2-8FAB-59489D168ABB}" type="datetimeFigureOut">
               <a:rPr lang="en-US" smtClean="0"/>
-              <a:t>4/20/15</a:t>
+              <a:t>4/20/2015</a:t>
             </a:fld>
             <a:endParaRPr lang="en-US"/>
           </a:p>
@@ -5895,14 +5895,14 @@
             <p:ph idx="1"/>
             <p:extLst>
               <p:ext uri="{D42A27DB-BD31-4B8C-83A1-F6EECF244321}">
-                <p14:modId xmlns:p14="http://schemas.microsoft.com/office/powerpoint/2010/main" val="1660855915"/>
+                <p14:modId xmlns:p14="http://schemas.microsoft.com/office/powerpoint/2010/main" val="2217325697"/>
               </p:ext>
             </p:extLst>
           </p:nvPr>
         </p:nvGraphicFramePr>
         <p:xfrm>
-          <a:off x="804319" y="1865609"/>
-          <a:ext cx="7517098" cy="4206240"/>
+          <a:off x="805758" y="1711103"/>
+          <a:ext cx="7623017" cy="4678134"/>
         </p:xfrm>
         <a:graphic>
           <a:graphicData uri="http://schemas.openxmlformats.org/drawingml/2006/table">
@@ -5911,14 +5911,14 @@
                 <a:tableStyleId>{793D81CF-94F2-401A-BA57-92F5A7B2D0C5}</a:tableStyleId>
               </a:tblPr>
               <a:tblGrid>
-                <a:gridCol w="1401625"/>
-                <a:gridCol w="1228359"/>
-                <a:gridCol w="1431225"/>
-                <a:gridCol w="1147140"/>
-                <a:gridCol w="1260359"/>
-                <a:gridCol w="1048390"/>
+                <a:gridCol w="1421375"/>
+                <a:gridCol w="1245667"/>
+                <a:gridCol w="1451391"/>
+                <a:gridCol w="1163304"/>
+                <a:gridCol w="1278118"/>
+                <a:gridCol w="1063162"/>
               </a:tblGrid>
-              <a:tr h="333484">
+              <a:tr h="292519">
                 <a:tc>
                   <a:txBody>
                     <a:bodyPr/>
@@ -5926,7 +5926,7 @@
                     <a:p>
                       <a:pPr algn="ctr"/>
                       <a:r>
-                        <a:rPr lang="en-US" b="0"/>
+                        <a:rPr lang="en-US" sz="1600" b="0" dirty="0"/>
                         <a:t>Classifier</a:t>
                       </a:r>
                     </a:p>
@@ -5983,7 +5983,7 @@
                     <a:p>
                       <a:pPr algn="ctr"/>
                       <a:r>
-                        <a:rPr lang="en-US" b="0" dirty="0"/>
+                        <a:rPr lang="en-US" sz="1600" b="0" dirty="0"/>
                         <a:t>File Type</a:t>
                       </a:r>
                     </a:p>
@@ -6053,10 +6053,10 @@
                         <a:defRPr/>
                       </a:pPr>
                       <a:r>
-                        <a:rPr lang="en-US" b="0" dirty="0" smtClean="0"/>
+                        <a:rPr lang="en-US" sz="1600" b="0" dirty="0" smtClean="0"/>
                         <a:t> Error Rate</a:t>
                       </a:r>
-                      <a:endParaRPr lang="en-US" b="0" dirty="0"/>
+                      <a:endParaRPr lang="en-US" sz="1600" b="0" dirty="0"/>
                     </a:p>
                   </a:txBody>
                   <a:tcPr anchor="ctr" anchorCtr="1">
@@ -6108,10 +6108,10 @@
                     <a:p>
                       <a:pPr algn="ctr"/>
                       <a:r>
-                        <a:rPr lang="en-US" b="0" dirty="0" smtClean="0"/>
+                        <a:rPr lang="en-US" sz="1600" b="0" dirty="0" smtClean="0"/>
                         <a:t>AUC</a:t>
                       </a:r>
-                      <a:endParaRPr lang="en-US" b="0" dirty="0"/>
+                      <a:endParaRPr lang="en-US" sz="1600" b="0" dirty="0"/>
                     </a:p>
                   </a:txBody>
                   <a:tcPr anchor="ctr" anchorCtr="1">
@@ -6163,10 +6163,10 @@
                     <a:p>
                       <a:pPr algn="ctr"/>
                       <a:r>
-                        <a:rPr lang="en-US" b="0" dirty="0" smtClean="0"/>
+                        <a:rPr lang="en-US" sz="1600" b="0" dirty="0" smtClean="0"/>
                         <a:t>Precision</a:t>
                       </a:r>
-                      <a:endParaRPr lang="en-US" b="0" dirty="0"/>
+                      <a:endParaRPr lang="en-US" sz="1600" b="0" dirty="0"/>
                     </a:p>
                   </a:txBody>
                   <a:tcPr anchor="ctr" anchorCtr="1">
@@ -6218,10 +6218,10 @@
                     <a:p>
                       <a:pPr algn="ctr"/>
                       <a:r>
-                        <a:rPr lang="en-US" b="0" dirty="0" smtClean="0"/>
+                        <a:rPr lang="en-US" sz="1600" b="0" dirty="0" smtClean="0"/>
                         <a:t>Recall</a:t>
                       </a:r>
-                      <a:endParaRPr lang="en-US" b="0" dirty="0"/>
+                      <a:endParaRPr lang="en-US" sz="1600" b="0" dirty="0"/>
                     </a:p>
                   </a:txBody>
                   <a:tcPr anchor="ctr" anchorCtr="1">
@@ -6267,7 +6267,7 @@
                   </a:tcPr>
                 </a:tc>
               </a:tr>
-              <a:tr h="370840">
+              <a:tr h="723809">
                 <a:tc rowSpan="2">
                   <a:txBody>
                     <a:bodyPr/>
@@ -6275,14 +6275,14 @@
                     <a:p>
                       <a:pPr algn="ctr"/>
                       <a:r>
-                        <a:rPr lang="en-US"/>
+                        <a:rPr lang="en-US" sz="1600"/>
                         <a:t>Naïve</a:t>
                       </a:r>
                       <a:r>
-                        <a:rPr lang="en-US" baseline="0"/>
+                        <a:rPr lang="en-US" sz="1600" baseline="0"/>
                         <a:t> Bayes</a:t>
                       </a:r>
-                      <a:endParaRPr lang="en-US"/>
+                      <a:endParaRPr lang="en-US" sz="1600"/>
                     </a:p>
                   </a:txBody>
                   <a:tcPr anchor="ctr" anchorCtr="1">
@@ -6331,7 +6331,7 @@
                     <a:p>
                       <a:pPr algn="ctr"/>
                       <a:r>
-                        <a:rPr lang="en-US"/>
+                        <a:rPr lang="en-US" sz="1600"/>
                         <a:t>.asm</a:t>
                       </a:r>
                     </a:p>
@@ -6382,17 +6382,17 @@
                     <a:p>
                       <a:pPr algn="ctr"/>
                       <a:r>
-                        <a:rPr lang="en-US" dirty="0" smtClean="0"/>
+                        <a:rPr lang="en-US" sz="1600" dirty="0" smtClean="0"/>
                         <a:t>15.1638</a:t>
                       </a:r>
                     </a:p>
                     <a:p>
                       <a:pPr algn="ctr"/>
                       <a:r>
-                        <a:rPr lang="en-US" dirty="0" smtClean="0"/>
+                        <a:rPr lang="en-US" sz="1600" dirty="0" smtClean="0"/>
                         <a:t>(0.9044)</a:t>
                       </a:r>
-                      <a:endParaRPr lang="en-US" dirty="0"/>
+                      <a:endParaRPr lang="en-US" sz="1600" dirty="0"/>
                     </a:p>
                   </a:txBody>
                   <a:tcPr anchor="ctr" anchorCtr="1">
@@ -6441,17 +6441,17 @@
                     <a:p>
                       <a:pPr algn="ctr"/>
                       <a:r>
-                        <a:rPr lang="en-US" dirty="0" smtClean="0"/>
+                        <a:rPr lang="en-US" sz="1600" dirty="0" smtClean="0"/>
                         <a:t>0.9543</a:t>
                       </a:r>
                     </a:p>
                     <a:p>
                       <a:pPr algn="ctr"/>
                       <a:r>
-                        <a:rPr lang="en-US" dirty="0" smtClean="0"/>
+                        <a:rPr lang="en-US" sz="1600" dirty="0" smtClean="0"/>
                         <a:t>(0.0042)</a:t>
                       </a:r>
-                      <a:endParaRPr lang="en-US" dirty="0"/>
+                      <a:endParaRPr lang="en-US" sz="1600" dirty="0"/>
                     </a:p>
                   </a:txBody>
                   <a:tcPr anchor="ctr" anchorCtr="1">
@@ -6500,17 +6500,17 @@
                     <a:p>
                       <a:pPr algn="ctr"/>
                       <a:r>
-                        <a:rPr lang="en-US" dirty="0" smtClean="0"/>
+                        <a:rPr lang="en-US" sz="1600" dirty="0" smtClean="0"/>
                         <a:t>0.6686</a:t>
                       </a:r>
                     </a:p>
                     <a:p>
                       <a:pPr algn="ctr"/>
                       <a:r>
-                        <a:rPr lang="en-US" dirty="0" smtClean="0"/>
+                        <a:rPr lang="en-US" sz="1600" dirty="0" smtClean="0"/>
                         <a:t>(0.0316)</a:t>
                       </a:r>
-                      <a:endParaRPr lang="en-US" dirty="0"/>
+                      <a:endParaRPr lang="en-US" sz="1600" dirty="0"/>
                     </a:p>
                   </a:txBody>
                   <a:tcPr anchor="ctr" anchorCtr="1">
@@ -6559,17 +6559,17 @@
                     <a:p>
                       <a:pPr algn="ctr"/>
                       <a:r>
-                        <a:rPr lang="en-US" dirty="0" smtClean="0"/>
+                        <a:rPr lang="en-US" sz="1600" dirty="0" smtClean="0"/>
                         <a:t>0.6314</a:t>
                       </a:r>
                     </a:p>
                     <a:p>
                       <a:pPr algn="ctr"/>
                       <a:r>
-                        <a:rPr lang="en-US" dirty="0" smtClean="0"/>
+                        <a:rPr lang="en-US" sz="1600" dirty="0" smtClean="0"/>
                         <a:t>(0.0335)</a:t>
                       </a:r>
-                      <a:endParaRPr lang="en-US" dirty="0"/>
+                      <a:endParaRPr lang="en-US" sz="1600" dirty="0"/>
                     </a:p>
                   </a:txBody>
                   <a:tcPr anchor="ctr" anchorCtr="1">
@@ -6612,7 +6612,7 @@
                   </a:tcPr>
                 </a:tc>
               </a:tr>
-              <a:tr h="370840">
+              <a:tr h="723809">
                 <a:tc vMerge="1">
                   <a:txBody>
                     <a:bodyPr/>
@@ -6630,7 +6630,7 @@
                     <a:p>
                       <a:pPr algn="ctr"/>
                       <a:r>
-                        <a:rPr lang="en-US"/>
+                        <a:rPr lang="en-US" sz="1600"/>
                         <a:t>.bytes</a:t>
                       </a:r>
                     </a:p>
@@ -6681,17 +6681,17 @@
                     <a:p>
                       <a:pPr algn="ctr"/>
                       <a:r>
-                        <a:rPr lang="en-US" dirty="0" smtClean="0"/>
+                        <a:rPr lang="en-US" sz="1600" dirty="0" smtClean="0"/>
                         <a:t>16.9246</a:t>
                       </a:r>
                     </a:p>
                     <a:p>
                       <a:pPr algn="ctr"/>
                       <a:r>
-                        <a:rPr lang="en-US" dirty="0" smtClean="0"/>
+                        <a:rPr lang="en-US" sz="1600" dirty="0" smtClean="0"/>
                         <a:t>(1.0734)</a:t>
                       </a:r>
-                      <a:endParaRPr lang="en-US" dirty="0"/>
+                      <a:endParaRPr lang="en-US" sz="1600" dirty="0"/>
                     </a:p>
                   </a:txBody>
                   <a:tcPr anchor="ctr" anchorCtr="1">
@@ -6740,17 +6740,17 @@
                     <a:p>
                       <a:pPr algn="ctr"/>
                       <a:r>
-                        <a:rPr lang="en-US" dirty="0" smtClean="0"/>
+                        <a:rPr lang="en-US" sz="1600" dirty="0" smtClean="0"/>
                         <a:t>0.9190</a:t>
                       </a:r>
                     </a:p>
                     <a:p>
                       <a:pPr algn="ctr"/>
                       <a:r>
-                        <a:rPr lang="en-US" dirty="0" smtClean="0"/>
+                        <a:rPr lang="en-US" sz="1600" dirty="0" smtClean="0"/>
                         <a:t>(0.0183)</a:t>
                       </a:r>
-                      <a:endParaRPr lang="en-US" dirty="0"/>
+                      <a:endParaRPr lang="en-US" sz="1600" dirty="0"/>
                     </a:p>
                   </a:txBody>
                   <a:tcPr anchor="ctr" anchorCtr="1">
@@ -6799,17 +6799,17 @@
                     <a:p>
                       <a:pPr algn="ctr"/>
                       <a:r>
-                        <a:rPr lang="en-US" dirty="0" smtClean="0"/>
+                        <a:rPr lang="en-US" sz="1600" dirty="0" smtClean="0"/>
                         <a:t>0.8712</a:t>
                       </a:r>
                     </a:p>
                     <a:p>
                       <a:pPr algn="ctr"/>
                       <a:r>
-                        <a:rPr lang="en-US" dirty="0" smtClean="0"/>
+                        <a:rPr lang="en-US" sz="1600" dirty="0" smtClean="0"/>
                         <a:t>(0.0440)</a:t>
                       </a:r>
-                      <a:endParaRPr lang="en-US" dirty="0"/>
+                      <a:endParaRPr lang="en-US" sz="1600" dirty="0"/>
                     </a:p>
                   </a:txBody>
                   <a:tcPr anchor="ctr" anchorCtr="1">
@@ -6858,17 +6858,17 @@
                     <a:p>
                       <a:pPr algn="ctr"/>
                       <a:r>
-                        <a:rPr lang="en-US" dirty="0" smtClean="0"/>
+                        <a:rPr lang="en-US" sz="1600" dirty="0" smtClean="0"/>
                         <a:t>0.5656</a:t>
                       </a:r>
                     </a:p>
                     <a:p>
                       <a:pPr algn="ctr"/>
                       <a:r>
-                        <a:rPr lang="en-US" dirty="0" smtClean="0"/>
+                        <a:rPr lang="en-US" sz="1600" dirty="0" smtClean="0"/>
                         <a:t>(0.0694)</a:t>
                       </a:r>
-                      <a:endParaRPr lang="en-US" dirty="0"/>
+                      <a:endParaRPr lang="en-US" sz="1600" dirty="0"/>
                     </a:p>
                   </a:txBody>
                   <a:tcPr anchor="ctr" anchorCtr="1">
@@ -6911,7 +6911,7 @@
                   </a:tcPr>
                 </a:tc>
               </a:tr>
-              <a:tr h="370840">
+              <a:tr h="723809">
                 <a:tc rowSpan="2">
                   <a:txBody>
                     <a:bodyPr/>
@@ -6919,14 +6919,14 @@
                     <a:p>
                       <a:pPr algn="ctr"/>
                       <a:r>
-                        <a:rPr lang="en-US"/>
+                        <a:rPr lang="en-US" sz="1600"/>
                         <a:t>Decision</a:t>
                       </a:r>
                       <a:r>
-                        <a:rPr lang="en-US" baseline="0"/>
+                        <a:rPr lang="en-US" sz="1600" baseline="0"/>
                         <a:t> Tree</a:t>
                       </a:r>
-                      <a:endParaRPr lang="en-US"/>
+                      <a:endParaRPr lang="en-US" sz="1600"/>
                     </a:p>
                   </a:txBody>
                   <a:tcPr anchor="ctr" anchorCtr="1">
@@ -6975,14 +6975,14 @@
                     <a:p>
                       <a:pPr algn="ctr"/>
                       <a:r>
-                        <a:rPr lang="en-US" dirty="0"/>
+                        <a:rPr lang="en-US" sz="1600" dirty="0"/>
                         <a:t>.</a:t>
                       </a:r>
                       <a:r>
-                        <a:rPr lang="en-US" dirty="0" err="1"/>
+                        <a:rPr lang="en-US" sz="1600" dirty="0" err="1"/>
                         <a:t>asm</a:t>
                       </a:r>
-                      <a:endParaRPr lang="en-US" dirty="0"/>
+                      <a:endParaRPr lang="en-US" sz="1600" dirty="0"/>
                     </a:p>
                   </a:txBody>
                   <a:tcPr anchor="ctr" anchorCtr="1">
@@ -7031,17 +7031,17 @@
                     <a:p>
                       <a:pPr algn="ctr"/>
                       <a:r>
-                        <a:rPr lang="en-US" dirty="0" smtClean="0"/>
+                        <a:rPr lang="en-US" sz="1600" dirty="0" smtClean="0"/>
                         <a:t>3.9107</a:t>
                       </a:r>
                     </a:p>
                     <a:p>
                       <a:pPr algn="ctr"/>
                       <a:r>
-                        <a:rPr lang="en-US" dirty="0" smtClean="0"/>
+                        <a:rPr lang="en-US" sz="1600" dirty="0" smtClean="0"/>
                         <a:t>(0.7488)</a:t>
                       </a:r>
-                      <a:endParaRPr lang="en-US" dirty="0"/>
+                      <a:endParaRPr lang="en-US" sz="1600" dirty="0"/>
                     </a:p>
                   </a:txBody>
                   <a:tcPr anchor="ctr" anchorCtr="1">
@@ -7090,17 +7090,17 @@
                     <a:p>
                       <a:pPr algn="ctr"/>
                       <a:r>
-                        <a:rPr lang="en-US" dirty="0" smtClean="0"/>
+                        <a:rPr lang="en-US" sz="1600" dirty="0" smtClean="0"/>
                         <a:t>0.9810</a:t>
                       </a:r>
                     </a:p>
                     <a:p>
                       <a:pPr algn="ctr"/>
                       <a:r>
-                        <a:rPr lang="en-US" dirty="0" smtClean="0"/>
+                        <a:rPr lang="en-US" sz="1600" dirty="0" smtClean="0"/>
                         <a:t>(0.0133)</a:t>
                       </a:r>
-                      <a:endParaRPr lang="en-US" dirty="0"/>
+                      <a:endParaRPr lang="en-US" sz="1600" dirty="0"/>
                     </a:p>
                   </a:txBody>
                   <a:tcPr anchor="ctr" anchorCtr="1">
@@ -7149,17 +7149,17 @@
                     <a:p>
                       <a:pPr algn="ctr"/>
                       <a:r>
-                        <a:rPr lang="en-US" dirty="0" smtClean="0"/>
+                        <a:rPr lang="en-US" sz="1600" dirty="0" smtClean="0"/>
                         <a:t>0.9538</a:t>
                       </a:r>
                     </a:p>
                     <a:p>
                       <a:pPr algn="ctr"/>
                       <a:r>
-                        <a:rPr lang="en-US" dirty="0" smtClean="0"/>
+                        <a:rPr lang="en-US" sz="1600" dirty="0" smtClean="0"/>
                         <a:t>(0.0170)</a:t>
                       </a:r>
-                      <a:endParaRPr lang="en-US" dirty="0"/>
+                      <a:endParaRPr lang="en-US" sz="1600" dirty="0"/>
                     </a:p>
                   </a:txBody>
                   <a:tcPr anchor="ctr" anchorCtr="1">
@@ -7208,17 +7208,17 @@
                     <a:p>
                       <a:pPr algn="ctr"/>
                       <a:r>
-                        <a:rPr lang="en-US" dirty="0" smtClean="0"/>
+                        <a:rPr lang="en-US" sz="1600" dirty="0" smtClean="0"/>
                         <a:t>0.9597</a:t>
                       </a:r>
                     </a:p>
                     <a:p>
                       <a:pPr algn="ctr"/>
                       <a:r>
-                        <a:rPr lang="en-US" dirty="0" smtClean="0"/>
+                        <a:rPr lang="en-US" sz="1600" dirty="0" smtClean="0"/>
                         <a:t>(0.0222)</a:t>
                       </a:r>
-                      <a:endParaRPr lang="en-US" dirty="0"/>
+                      <a:endParaRPr lang="en-US" sz="1600" dirty="0"/>
                     </a:p>
                   </a:txBody>
                   <a:tcPr anchor="ctr" anchorCtr="1">
@@ -7261,7 +7261,7 @@
                   </a:tcPr>
                 </a:tc>
               </a:tr>
-              <a:tr h="370840">
+              <a:tr h="723809">
                 <a:tc vMerge="1">
                   <a:txBody>
                     <a:bodyPr/>
@@ -7279,7 +7279,7 @@
                     <a:p>
                       <a:pPr algn="ctr"/>
                       <a:r>
-                        <a:rPr lang="en-US"/>
+                        <a:rPr lang="en-US" sz="1600"/>
                         <a:t>.bytes</a:t>
                       </a:r>
                     </a:p>
@@ -7330,17 +7330,17 @@
                     <a:p>
                       <a:pPr algn="ctr"/>
                       <a:r>
-                        <a:rPr lang="en-US" dirty="0" smtClean="0"/>
+                        <a:rPr lang="en-US" sz="1600" dirty="0" smtClean="0"/>
                         <a:t>2.1099</a:t>
                       </a:r>
                     </a:p>
                     <a:p>
                       <a:pPr algn="ctr"/>
                       <a:r>
-                        <a:rPr lang="en-US" dirty="0" smtClean="0"/>
+                        <a:rPr lang="en-US" sz="1600" dirty="0" smtClean="0"/>
                         <a:t>(0.3327)</a:t>
                       </a:r>
-                      <a:endParaRPr lang="en-US" dirty="0"/>
+                      <a:endParaRPr lang="en-US" sz="1600" dirty="0"/>
                     </a:p>
                   </a:txBody>
                   <a:tcPr anchor="ctr" anchorCtr="1">
@@ -7389,17 +7389,17 @@
                     <a:p>
                       <a:pPr algn="ctr"/>
                       <a:r>
-                        <a:rPr lang="en-US" dirty="0" smtClean="0"/>
+                        <a:rPr lang="en-US" sz="1600" dirty="0" smtClean="0"/>
                         <a:t>0.9923</a:t>
                       </a:r>
                     </a:p>
                     <a:p>
                       <a:pPr algn="ctr"/>
                       <a:r>
-                        <a:rPr lang="en-US" dirty="0" smtClean="0"/>
+                        <a:rPr lang="en-US" sz="1600" dirty="0" smtClean="0"/>
                         <a:t>(0.0092)</a:t>
                       </a:r>
-                      <a:endParaRPr lang="en-US" dirty="0"/>
+                      <a:endParaRPr lang="en-US" sz="1600" dirty="0"/>
                     </a:p>
                   </a:txBody>
                   <a:tcPr anchor="ctr" anchorCtr="1">
@@ -7448,17 +7448,17 @@
                     <a:p>
                       <a:pPr algn="ctr"/>
                       <a:r>
-                        <a:rPr lang="en-US" dirty="0" smtClean="0"/>
+                        <a:rPr lang="en-US" sz="1600" dirty="0" smtClean="0"/>
                         <a:t>0.9831</a:t>
                       </a:r>
                     </a:p>
                     <a:p>
                       <a:pPr algn="ctr"/>
                       <a:r>
-                        <a:rPr lang="en-US" dirty="0" smtClean="0"/>
+                        <a:rPr lang="en-US" sz="1600" dirty="0" smtClean="0"/>
                         <a:t>(0.0102)</a:t>
                       </a:r>
-                      <a:endParaRPr lang="en-US" dirty="0"/>
+                      <a:endParaRPr lang="en-US" sz="1600" dirty="0"/>
                     </a:p>
                   </a:txBody>
                   <a:tcPr anchor="ctr" anchorCtr="1">
@@ -7507,17 +7507,17 @@
                     <a:p>
                       <a:pPr algn="ctr"/>
                       <a:r>
-                        <a:rPr lang="en-US" dirty="0" smtClean="0"/>
+                        <a:rPr lang="en-US" sz="1600" dirty="0" smtClean="0"/>
                         <a:t>0.9804</a:t>
                       </a:r>
                     </a:p>
                     <a:p>
                       <a:pPr algn="ctr"/>
                       <a:r>
-                        <a:rPr lang="en-US" dirty="0" smtClean="0"/>
+                        <a:rPr lang="en-US" sz="1600" dirty="0" smtClean="0"/>
                         <a:t>(0.0157)</a:t>
                       </a:r>
-                      <a:endParaRPr lang="en-US" dirty="0"/>
+                      <a:endParaRPr lang="en-US" sz="1600" dirty="0"/>
                     </a:p>
                   </a:txBody>
                   <a:tcPr anchor="ctr" anchorCtr="1">
@@ -7560,7 +7560,7 @@
                   </a:tcPr>
                 </a:tc>
               </a:tr>
-              <a:tr h="370840">
+              <a:tr h="723809">
                 <a:tc rowSpan="2">
                   <a:txBody>
                     <a:bodyPr/>
@@ -7568,7 +7568,7 @@
                     <a:p>
                       <a:pPr algn="ctr"/>
                       <a:r>
-                        <a:rPr lang="en-US"/>
+                        <a:rPr lang="en-US" sz="1600"/>
                         <a:t>SVM (Linear)</a:t>
                       </a:r>
                     </a:p>
@@ -7619,7 +7619,7 @@
                     <a:p>
                       <a:pPr algn="ctr"/>
                       <a:r>
-                        <a:rPr lang="en-US"/>
+                        <a:rPr lang="en-US" sz="1600"/>
                         <a:t>.asm</a:t>
                       </a:r>
                     </a:p>
@@ -7670,17 +7670,17 @@
                     <a:p>
                       <a:pPr algn="ctr"/>
                       <a:r>
-                        <a:rPr lang="en-US" dirty="0" smtClean="0"/>
+                        <a:rPr lang="en-US" sz="1600" dirty="0" smtClean="0"/>
                         <a:t>2.7421</a:t>
                       </a:r>
                     </a:p>
                     <a:p>
                       <a:pPr algn="ctr"/>
                       <a:r>
-                        <a:rPr lang="en-US" dirty="0" smtClean="0"/>
+                        <a:rPr lang="en-US" sz="1600" dirty="0" smtClean="0"/>
                         <a:t>(0.7156)</a:t>
                       </a:r>
-                      <a:endParaRPr lang="en-US" dirty="0"/>
+                      <a:endParaRPr lang="en-US" sz="1600" dirty="0"/>
                     </a:p>
                   </a:txBody>
                   <a:tcPr anchor="ctr" anchorCtr="1">
@@ -7729,17 +7729,17 @@
                     <a:p>
                       <a:pPr algn="ctr"/>
                       <a:r>
-                        <a:rPr lang="en-US" dirty="0" smtClean="0"/>
+                        <a:rPr lang="en-US" sz="1600" dirty="0" smtClean="0"/>
                         <a:t>0.9809</a:t>
                       </a:r>
                     </a:p>
                     <a:p>
                       <a:pPr algn="ctr"/>
                       <a:r>
-                        <a:rPr lang="en-US" dirty="0" smtClean="0"/>
+                        <a:rPr lang="en-US" sz="1600" dirty="0" smtClean="0"/>
                         <a:t>(0.0105)</a:t>
                       </a:r>
-                      <a:endParaRPr lang="en-US" dirty="0"/>
+                      <a:endParaRPr lang="en-US" sz="1600" dirty="0"/>
                     </a:p>
                   </a:txBody>
                   <a:tcPr anchor="ctr" anchorCtr="1">
@@ -7788,17 +7788,17 @@
                     <a:p>
                       <a:pPr algn="ctr"/>
                       <a:r>
-                        <a:rPr lang="en-US" dirty="0" smtClean="0"/>
+                        <a:rPr lang="en-US" sz="1600" dirty="0" smtClean="0"/>
                         <a:t>0.9734</a:t>
                       </a:r>
                     </a:p>
                     <a:p>
                       <a:pPr algn="ctr"/>
                       <a:r>
-                        <a:rPr lang="en-US" dirty="0" smtClean="0"/>
+                        <a:rPr lang="en-US" sz="1600" dirty="0" smtClean="0"/>
                         <a:t>(0.0156)</a:t>
                       </a:r>
-                      <a:endParaRPr lang="en-US" dirty="0"/>
+                      <a:endParaRPr lang="en-US" sz="1600" dirty="0"/>
                     </a:p>
                   </a:txBody>
                   <a:tcPr anchor="ctr" anchorCtr="1">
@@ -7847,17 +7847,17 @@
                     <a:p>
                       <a:pPr algn="ctr"/>
                       <a:r>
-                        <a:rPr lang="en-US" dirty="0" smtClean="0"/>
+                        <a:rPr lang="en-US" sz="1600" dirty="0" smtClean="0"/>
                         <a:t>0.9662</a:t>
                       </a:r>
                     </a:p>
                     <a:p>
                       <a:pPr algn="ctr"/>
                       <a:r>
-                        <a:rPr lang="en-US" dirty="0" smtClean="0"/>
+                        <a:rPr lang="en-US" sz="1600" dirty="0" smtClean="0"/>
                         <a:t>(0.0210)</a:t>
                       </a:r>
-                      <a:endParaRPr lang="en-US" dirty="0"/>
+                      <a:endParaRPr lang="en-US" sz="1600" dirty="0"/>
                     </a:p>
                   </a:txBody>
                   <a:tcPr anchor="ctr" anchorCtr="1">
@@ -7900,7 +7900,7 @@
                   </a:tcPr>
                 </a:tc>
               </a:tr>
-              <a:tr h="370840">
+              <a:tr h="723809">
                 <a:tc vMerge="1">
                   <a:txBody>
                     <a:bodyPr/>
@@ -7918,7 +7918,7 @@
                     <a:p>
                       <a:pPr algn="ctr"/>
                       <a:r>
-                        <a:rPr lang="en-US"/>
+                        <a:rPr lang="en-US" sz="1600"/>
                         <a:t>.bytes</a:t>
                       </a:r>
                     </a:p>
@@ -7969,21 +7969,21 @@
                     <a:p>
                       <a:pPr algn="ctr"/>
                       <a:r>
-                        <a:rPr lang="en-US" smtClean="0"/>
+                        <a:rPr lang="en-US" sz="1600" smtClean="0"/>
                         <a:t>1.2254</a:t>
                       </a:r>
                     </a:p>
                     <a:p>
                       <a:pPr algn="ctr"/>
                       <a:r>
-                        <a:rPr lang="en-US" smtClean="0"/>
+                        <a:rPr lang="en-US" sz="1600" smtClean="0"/>
                         <a:t>(</a:t>
                       </a:r>
                       <a:r>
-                        <a:rPr lang="en-US" dirty="0" smtClean="0"/>
+                        <a:rPr lang="en-US" sz="1600" dirty="0" smtClean="0"/>
                         <a:t>0.1235)</a:t>
                       </a:r>
-                      <a:endParaRPr lang="en-US" dirty="0"/>
+                      <a:endParaRPr lang="en-US" sz="1600" dirty="0"/>
                     </a:p>
                   </a:txBody>
                   <a:tcPr anchor="ctr" anchorCtr="1">
@@ -8032,17 +8032,17 @@
                     <a:p>
                       <a:pPr algn="ctr"/>
                       <a:r>
-                        <a:rPr lang="en-US" dirty="0" smtClean="0"/>
+                        <a:rPr lang="en-US" sz="1600" dirty="0" smtClean="0"/>
                         <a:t>0.9945</a:t>
                       </a:r>
                     </a:p>
                     <a:p>
                       <a:pPr algn="ctr"/>
                       <a:r>
-                        <a:rPr lang="en-US" dirty="0" smtClean="0"/>
+                        <a:rPr lang="en-US" sz="1600" dirty="0" smtClean="0"/>
                         <a:t>(0.0038)</a:t>
                       </a:r>
-                      <a:endParaRPr lang="en-US" dirty="0"/>
+                      <a:endParaRPr lang="en-US" sz="1600" dirty="0"/>
                     </a:p>
                   </a:txBody>
                   <a:tcPr anchor="ctr" anchorCtr="1">
@@ -8091,17 +8091,17 @@
                     <a:p>
                       <a:pPr algn="ctr"/>
                       <a:r>
-                        <a:rPr lang="en-US" dirty="0" smtClean="0"/>
+                        <a:rPr lang="en-US" sz="1600" dirty="0" smtClean="0"/>
                         <a:t>0.9890</a:t>
                       </a:r>
                     </a:p>
                     <a:p>
                       <a:pPr algn="ctr"/>
                       <a:r>
-                        <a:rPr lang="en-US" dirty="0" smtClean="0"/>
+                        <a:rPr lang="en-US" sz="1600" dirty="0" smtClean="0"/>
                         <a:t>(0.0081)</a:t>
                       </a:r>
-                      <a:endParaRPr lang="en-US" dirty="0"/>
+                      <a:endParaRPr lang="en-US" sz="1600" dirty="0"/>
                     </a:p>
                   </a:txBody>
                   <a:tcPr anchor="ctr" anchorCtr="1">
@@ -8150,17 +8150,17 @@
                     <a:p>
                       <a:pPr algn="ctr"/>
                       <a:r>
-                        <a:rPr lang="en-US" dirty="0" smtClean="0"/>
+                        <a:rPr lang="en-US" sz="1600" dirty="0" smtClean="0"/>
                         <a:t>0.9909</a:t>
                       </a:r>
                     </a:p>
                     <a:p>
                       <a:pPr algn="ctr"/>
                       <a:r>
-                        <a:rPr lang="en-US" dirty="0" smtClean="0"/>
+                        <a:rPr lang="en-US" sz="1600" dirty="0" smtClean="0"/>
                         <a:t>(0.0077)</a:t>
                       </a:r>
-                      <a:endParaRPr lang="en-US" dirty="0"/>
+                      <a:endParaRPr lang="en-US" sz="1600" dirty="0"/>
                     </a:p>
                   </a:txBody>
                   <a:tcPr anchor="ctr" anchorCtr="1">

--- a/malwareSlides.pptx
+++ b/malwareSlides.pptx
@@ -461,6 +461,7 @@
         <c:axId val="242248384"/>
         <c:scaling>
           <c:orientation val="minMax"/>
+          <c:max val="1"/>
         </c:scaling>
         <c:delete val="0"/>
         <c:axPos val="l"/>
@@ -819,6 +820,7 @@
         <c:axId val="242252304"/>
         <c:scaling>
           <c:orientation val="minMax"/>
+          <c:max val="1"/>
         </c:scaling>
         <c:delete val="0"/>
         <c:axPos val="l"/>
